--- a/public/brochure/devhack_template.pptx
+++ b/public/brochure/devhack_template.pptx
@@ -1,25 +1,25 @@
 
 <file path=ppt/presentation.xml><?xml version="1.0" encoding="utf-8"?>
-<p:presentation xmlns:a="http://schemas.openxmlformats.org/drawingml/2006/main" xmlns:r="http://schemas.openxmlformats.org/officeDocument/2006/relationships" xmlns:mc="http://schemas.openxmlformats.org/markup-compatibility/2006" xmlns:mv="urn:schemas-microsoft-com:mac:vml" xmlns:p="http://schemas.openxmlformats.org/presentationml/2006/main" xmlns:c="http://schemas.openxmlformats.org/drawingml/2006/chart" xmlns:dgm="http://schemas.openxmlformats.org/drawingml/2006/diagram" xmlns:o="urn:schemas-microsoft-com:office:office" xmlns:v="urn:schemas-microsoft-com:vml" xmlns:pvml="urn:schemas-microsoft-com:office:powerpoint" xmlns:com="http://schemas.openxmlformats.org/drawingml/2006/compatibility" xmlns:p14="http://schemas.microsoft.com/office/powerpoint/2010/main" xmlns:p15="http://schemas.microsoft.com/office/powerpoint/2012/main" xmlns:ahyp="http://schemas.microsoft.com/office/drawing/2018/hyperlinkcolor" autoCompressPictures="0" strictFirstAndLastChars="0" saveSubsetFonts="1">
+<p:presentation xmlns:a="http://schemas.openxmlformats.org/drawingml/2006/main" xmlns:r="http://schemas.openxmlformats.org/officeDocument/2006/relationships" xmlns:p="http://schemas.openxmlformats.org/presentationml/2006/main" strictFirstAndLastChars="0" saveSubsetFonts="1" autoCompressPictures="0">
   <p:sldMasterIdLst>
-    <p:sldMasterId id="2147483659" r:id="rId4"/>
+    <p:sldMasterId id="2147483659" r:id="rId1"/>
   </p:sldMasterIdLst>
   <p:notesMasterIdLst>
-    <p:notesMasterId r:id="rId5"/>
+    <p:notesMasterId r:id="rId9"/>
   </p:notesMasterIdLst>
   <p:sldIdLst>
-    <p:sldId id="256" r:id="rId6"/>
-    <p:sldId id="257" r:id="rId7"/>
-    <p:sldId id="258" r:id="rId8"/>
-    <p:sldId id="259" r:id="rId9"/>
-    <p:sldId id="260" r:id="rId10"/>
-    <p:sldId id="261" r:id="rId11"/>
-    <p:sldId id="262" r:id="rId12"/>
+    <p:sldId id="256" r:id="rId2"/>
+    <p:sldId id="257" r:id="rId3"/>
+    <p:sldId id="258" r:id="rId4"/>
+    <p:sldId id="259" r:id="rId5"/>
+    <p:sldId id="260" r:id="rId6"/>
+    <p:sldId id="261" r:id="rId7"/>
+    <p:sldId id="262" r:id="rId8"/>
   </p:sldIdLst>
-  <p:sldSz cy="6858000" cx="12192000"/>
+  <p:sldSz cx="12192000" cy="6858000"/>
   <p:notesSz cx="6858000" cy="9144000"/>
   <p:defaultTextStyle>
-    <a:defPPr lvl="0" marR="0" rtl="0" algn="l">
+    <a:defPPr marR="0" lvl="0" algn="l" rtl="0">
       <a:lnSpc>
         <a:spcPct val="100000"/>
       </a:lnSpc>
@@ -30,7 +30,7 @@
         <a:spcPts val="0"/>
       </a:spcAft>
     </a:defPPr>
-    <a:lvl1pPr lvl="0" marR="0" rtl="0" algn="l">
+    <a:lvl1pPr marR="0" lvl="0" algn="l" rtl="0">
       <a:lnSpc>
         <a:spcPct val="100000"/>
       </a:lnSpc>
@@ -44,7 +44,7 @@
         <a:srgbClr val="000000"/>
       </a:buClr>
       <a:buFont typeface="Arial"/>
-      <a:defRPr b="0" i="0" sz="1400" u="none" cap="none" strike="noStrike">
+      <a:defRPr sz="1400" b="0" i="0" u="none" strike="noStrike" cap="none">
         <a:solidFill>
           <a:srgbClr val="000000"/>
         </a:solidFill>
@@ -54,7 +54,7 @@
         <a:sym typeface="Arial"/>
       </a:defRPr>
     </a:lvl1pPr>
-    <a:lvl2pPr lvl="1" marR="0" rtl="0" algn="l">
+    <a:lvl2pPr marR="0" lvl="1" algn="l" rtl="0">
       <a:lnSpc>
         <a:spcPct val="100000"/>
       </a:lnSpc>
@@ -68,7 +68,7 @@
         <a:srgbClr val="000000"/>
       </a:buClr>
       <a:buFont typeface="Arial"/>
-      <a:defRPr b="0" i="0" sz="1400" u="none" cap="none" strike="noStrike">
+      <a:defRPr sz="1400" b="0" i="0" u="none" strike="noStrike" cap="none">
         <a:solidFill>
           <a:srgbClr val="000000"/>
         </a:solidFill>
@@ -78,7 +78,7 @@
         <a:sym typeface="Arial"/>
       </a:defRPr>
     </a:lvl2pPr>
-    <a:lvl3pPr lvl="2" marR="0" rtl="0" algn="l">
+    <a:lvl3pPr marR="0" lvl="2" algn="l" rtl="0">
       <a:lnSpc>
         <a:spcPct val="100000"/>
       </a:lnSpc>
@@ -92,7 +92,7 @@
         <a:srgbClr val="000000"/>
       </a:buClr>
       <a:buFont typeface="Arial"/>
-      <a:defRPr b="0" i="0" sz="1400" u="none" cap="none" strike="noStrike">
+      <a:defRPr sz="1400" b="0" i="0" u="none" strike="noStrike" cap="none">
         <a:solidFill>
           <a:srgbClr val="000000"/>
         </a:solidFill>
@@ -102,7 +102,7 @@
         <a:sym typeface="Arial"/>
       </a:defRPr>
     </a:lvl3pPr>
-    <a:lvl4pPr lvl="3" marR="0" rtl="0" algn="l">
+    <a:lvl4pPr marR="0" lvl="3" algn="l" rtl="0">
       <a:lnSpc>
         <a:spcPct val="100000"/>
       </a:lnSpc>
@@ -116,7 +116,7 @@
         <a:srgbClr val="000000"/>
       </a:buClr>
       <a:buFont typeface="Arial"/>
-      <a:defRPr b="0" i="0" sz="1400" u="none" cap="none" strike="noStrike">
+      <a:defRPr sz="1400" b="0" i="0" u="none" strike="noStrike" cap="none">
         <a:solidFill>
           <a:srgbClr val="000000"/>
         </a:solidFill>
@@ -126,7 +126,7 @@
         <a:sym typeface="Arial"/>
       </a:defRPr>
     </a:lvl4pPr>
-    <a:lvl5pPr lvl="4" marR="0" rtl="0" algn="l">
+    <a:lvl5pPr marR="0" lvl="4" algn="l" rtl="0">
       <a:lnSpc>
         <a:spcPct val="100000"/>
       </a:lnSpc>
@@ -140,7 +140,7 @@
         <a:srgbClr val="000000"/>
       </a:buClr>
       <a:buFont typeface="Arial"/>
-      <a:defRPr b="0" i="0" sz="1400" u="none" cap="none" strike="noStrike">
+      <a:defRPr sz="1400" b="0" i="0" u="none" strike="noStrike" cap="none">
         <a:solidFill>
           <a:srgbClr val="000000"/>
         </a:solidFill>
@@ -150,7 +150,7 @@
         <a:sym typeface="Arial"/>
       </a:defRPr>
     </a:lvl5pPr>
-    <a:lvl6pPr lvl="5" marR="0" rtl="0" algn="l">
+    <a:lvl6pPr marR="0" lvl="5" algn="l" rtl="0">
       <a:lnSpc>
         <a:spcPct val="100000"/>
       </a:lnSpc>
@@ -164,7 +164,7 @@
         <a:srgbClr val="000000"/>
       </a:buClr>
       <a:buFont typeface="Arial"/>
-      <a:defRPr b="0" i="0" sz="1400" u="none" cap="none" strike="noStrike">
+      <a:defRPr sz="1400" b="0" i="0" u="none" strike="noStrike" cap="none">
         <a:solidFill>
           <a:srgbClr val="000000"/>
         </a:solidFill>
@@ -174,7 +174,7 @@
         <a:sym typeface="Arial"/>
       </a:defRPr>
     </a:lvl6pPr>
-    <a:lvl7pPr lvl="6" marR="0" rtl="0" algn="l">
+    <a:lvl7pPr marR="0" lvl="6" algn="l" rtl="0">
       <a:lnSpc>
         <a:spcPct val="100000"/>
       </a:lnSpc>
@@ -188,7 +188,7 @@
         <a:srgbClr val="000000"/>
       </a:buClr>
       <a:buFont typeface="Arial"/>
-      <a:defRPr b="0" i="0" sz="1400" u="none" cap="none" strike="noStrike">
+      <a:defRPr sz="1400" b="0" i="0" u="none" strike="noStrike" cap="none">
         <a:solidFill>
           <a:srgbClr val="000000"/>
         </a:solidFill>
@@ -198,7 +198,7 @@
         <a:sym typeface="Arial"/>
       </a:defRPr>
     </a:lvl7pPr>
-    <a:lvl8pPr lvl="7" marR="0" rtl="0" algn="l">
+    <a:lvl8pPr marR="0" lvl="7" algn="l" rtl="0">
       <a:lnSpc>
         <a:spcPct val="100000"/>
       </a:lnSpc>
@@ -212,7 +212,7 @@
         <a:srgbClr val="000000"/>
       </a:buClr>
       <a:buFont typeface="Arial"/>
-      <a:defRPr b="0" i="0" sz="1400" u="none" cap="none" strike="noStrike">
+      <a:defRPr sz="1400" b="0" i="0" u="none" strike="noStrike" cap="none">
         <a:solidFill>
           <a:srgbClr val="000000"/>
         </a:solidFill>
@@ -222,7 +222,7 @@
         <a:sym typeface="Arial"/>
       </a:defRPr>
     </a:lvl8pPr>
-    <a:lvl9pPr lvl="8" marR="0" rtl="0" algn="l">
+    <a:lvl9pPr marR="0" lvl="8" algn="l" rtl="0">
       <a:lnSpc>
         <a:spcPct val="100000"/>
       </a:lnSpc>
@@ -236,7 +236,7 @@
         <a:srgbClr val="000000"/>
       </a:buClr>
       <a:buFont typeface="Arial"/>
-      <a:defRPr b="0" i="0" sz="1400" u="none" cap="none" strike="noStrike">
+      <a:defRPr sz="1400" b="0" i="0" u="none" strike="noStrike" cap="none">
         <a:solidFill>
           <a:srgbClr val="000000"/>
         </a:solidFill>
@@ -251,18 +251,19 @@
 </file>
 
 <file path=ppt/notesMasters/notesMaster1.xml><?xml version="1.0" encoding="utf-8"?>
-<p:notesMaster xmlns:a="http://schemas.openxmlformats.org/drawingml/2006/main" xmlns:r="http://schemas.openxmlformats.org/officeDocument/2006/relationships" xmlns:mc="http://schemas.openxmlformats.org/markup-compatibility/2006" xmlns:mv="urn:schemas-microsoft-com:mac:vml" xmlns:p="http://schemas.openxmlformats.org/presentationml/2006/main" xmlns:c="http://schemas.openxmlformats.org/drawingml/2006/chart" xmlns:dgm="http://schemas.openxmlformats.org/drawingml/2006/diagram" xmlns:o="urn:schemas-microsoft-com:office:office" xmlns:v="urn:schemas-microsoft-com:vml" xmlns:pvml="urn:schemas-microsoft-com:office:powerpoint" xmlns:com="http://schemas.openxmlformats.org/drawingml/2006/compatibility" xmlns:p14="http://schemas.microsoft.com/office/powerpoint/2010/main" xmlns:p15="http://schemas.microsoft.com/office/powerpoint/2012/main" xmlns:ahyp="http://schemas.microsoft.com/office/drawing/2018/hyperlinkcolor">
+<p:notesMaster xmlns:a="http://schemas.openxmlformats.org/drawingml/2006/main" xmlns:r="http://schemas.openxmlformats.org/officeDocument/2006/relationships" xmlns:p="http://schemas.openxmlformats.org/presentationml/2006/main">
   <p:cSld>
     <p:bg>
       <p:bgPr>
         <a:solidFill>
           <a:schemeClr val="lt1"/>
         </a:solidFill>
+        <a:effectLst/>
       </p:bgPr>
     </p:bg>
     <p:spTree>
       <p:nvGrpSpPr>
-        <p:cNvPr id="2" name="Shape 2"/>
+        <p:cNvPr id="1" name="Shape 2"/>
         <p:cNvGrpSpPr/>
         <p:nvPr/>
       </p:nvGrpSpPr>
@@ -277,9 +278,11 @@
       <p:sp>
         <p:nvSpPr>
           <p:cNvPr id="3" name="Google Shape;3;n"/>
-          <p:cNvSpPr txBox="1"/>
+          <p:cNvSpPr txBox="1">
+            <a:spLocks noGrp="1"/>
+          </p:cNvSpPr>
           <p:nvPr>
-            <p:ph idx="2" type="hdr"/>
+            <p:ph type="hdr" idx="2"/>
           </p:nvPr>
         </p:nvSpPr>
         <p:spPr>
@@ -296,11 +299,11 @@
           </a:ln>
         </p:spPr>
         <p:txBody>
-          <a:bodyPr anchorCtr="0" anchor="t" bIns="45700" lIns="91425" spcFirstLastPara="1" rIns="91425" wrap="square" tIns="45700">
+          <a:bodyPr spcFirstLastPara="1" wrap="square" lIns="91425" tIns="45700" rIns="91425" bIns="45700" anchor="t" anchorCtr="0">
             <a:noAutofit/>
           </a:bodyPr>
           <a:lstStyle>
-            <a:lvl1pPr lvl="0" marR="0" rtl="0" algn="l">
+            <a:lvl1pPr marR="0" lvl="0" algn="l" rtl="0">
               <a:spcBef>
                 <a:spcPts val="0"/>
               </a:spcBef>
@@ -309,7 +312,7 @@
               </a:spcAft>
               <a:buSzPts val="1400"/>
               <a:buNone/>
-              <a:defRPr b="0" i="0" sz="1200" u="none" cap="none" strike="noStrike">
+              <a:defRPr sz="1200" b="0" i="0" u="none" strike="noStrike" cap="none">
                 <a:solidFill>
                   <a:schemeClr val="dk1"/>
                 </a:solidFill>
@@ -319,7 +322,7 @@
                 <a:sym typeface="Calibri"/>
               </a:defRPr>
             </a:lvl1pPr>
-            <a:lvl2pPr lvl="1" marR="0" rtl="0" algn="l">
+            <a:lvl2pPr marR="0" lvl="1" algn="l" rtl="0">
               <a:spcBef>
                 <a:spcPts val="0"/>
               </a:spcBef>
@@ -328,7 +331,7 @@
               </a:spcAft>
               <a:buSzPts val="1400"/>
               <a:buNone/>
-              <a:defRPr b="0" i="0" sz="1800" u="none" cap="none" strike="noStrike">
+              <a:defRPr sz="1800" b="0" i="0" u="none" strike="noStrike" cap="none">
                 <a:solidFill>
                   <a:schemeClr val="dk1"/>
                 </a:solidFill>
@@ -338,7 +341,7 @@
                 <a:sym typeface="Calibri"/>
               </a:defRPr>
             </a:lvl2pPr>
-            <a:lvl3pPr lvl="2" marR="0" rtl="0" algn="l">
+            <a:lvl3pPr marR="0" lvl="2" algn="l" rtl="0">
               <a:spcBef>
                 <a:spcPts val="0"/>
               </a:spcBef>
@@ -347,7 +350,7 @@
               </a:spcAft>
               <a:buSzPts val="1400"/>
               <a:buNone/>
-              <a:defRPr b="0" i="0" sz="1800" u="none" cap="none" strike="noStrike">
+              <a:defRPr sz="1800" b="0" i="0" u="none" strike="noStrike" cap="none">
                 <a:solidFill>
                   <a:schemeClr val="dk1"/>
                 </a:solidFill>
@@ -357,7 +360,7 @@
                 <a:sym typeface="Calibri"/>
               </a:defRPr>
             </a:lvl3pPr>
-            <a:lvl4pPr lvl="3" marR="0" rtl="0" algn="l">
+            <a:lvl4pPr marR="0" lvl="3" algn="l" rtl="0">
               <a:spcBef>
                 <a:spcPts val="0"/>
               </a:spcBef>
@@ -366,7 +369,7 @@
               </a:spcAft>
               <a:buSzPts val="1400"/>
               <a:buNone/>
-              <a:defRPr b="0" i="0" sz="1800" u="none" cap="none" strike="noStrike">
+              <a:defRPr sz="1800" b="0" i="0" u="none" strike="noStrike" cap="none">
                 <a:solidFill>
                   <a:schemeClr val="dk1"/>
                 </a:solidFill>
@@ -376,7 +379,7 @@
                 <a:sym typeface="Calibri"/>
               </a:defRPr>
             </a:lvl4pPr>
-            <a:lvl5pPr lvl="4" marR="0" rtl="0" algn="l">
+            <a:lvl5pPr marR="0" lvl="4" algn="l" rtl="0">
               <a:spcBef>
                 <a:spcPts val="0"/>
               </a:spcBef>
@@ -385,7 +388,7 @@
               </a:spcAft>
               <a:buSzPts val="1400"/>
               <a:buNone/>
-              <a:defRPr b="0" i="0" sz="1800" u="none" cap="none" strike="noStrike">
+              <a:defRPr sz="1800" b="0" i="0" u="none" strike="noStrike" cap="none">
                 <a:solidFill>
                   <a:schemeClr val="dk1"/>
                 </a:solidFill>
@@ -395,7 +398,7 @@
                 <a:sym typeface="Calibri"/>
               </a:defRPr>
             </a:lvl5pPr>
-            <a:lvl6pPr lvl="5" marR="0" rtl="0" algn="l">
+            <a:lvl6pPr marR="0" lvl="5" algn="l" rtl="0">
               <a:spcBef>
                 <a:spcPts val="0"/>
               </a:spcBef>
@@ -404,7 +407,7 @@
               </a:spcAft>
               <a:buSzPts val="1400"/>
               <a:buNone/>
-              <a:defRPr b="0" i="0" sz="1800" u="none" cap="none" strike="noStrike">
+              <a:defRPr sz="1800" b="0" i="0" u="none" strike="noStrike" cap="none">
                 <a:solidFill>
                   <a:schemeClr val="dk1"/>
                 </a:solidFill>
@@ -414,7 +417,7 @@
                 <a:sym typeface="Calibri"/>
               </a:defRPr>
             </a:lvl6pPr>
-            <a:lvl7pPr lvl="6" marR="0" rtl="0" algn="l">
+            <a:lvl7pPr marR="0" lvl="6" algn="l" rtl="0">
               <a:spcBef>
                 <a:spcPts val="0"/>
               </a:spcBef>
@@ -423,7 +426,7 @@
               </a:spcAft>
               <a:buSzPts val="1400"/>
               <a:buNone/>
-              <a:defRPr b="0" i="0" sz="1800" u="none" cap="none" strike="noStrike">
+              <a:defRPr sz="1800" b="0" i="0" u="none" strike="noStrike" cap="none">
                 <a:solidFill>
                   <a:schemeClr val="dk1"/>
                 </a:solidFill>
@@ -433,7 +436,7 @@
                 <a:sym typeface="Calibri"/>
               </a:defRPr>
             </a:lvl7pPr>
-            <a:lvl8pPr lvl="7" marR="0" rtl="0" algn="l">
+            <a:lvl8pPr marR="0" lvl="7" algn="l" rtl="0">
               <a:spcBef>
                 <a:spcPts val="0"/>
               </a:spcBef>
@@ -442,7 +445,7 @@
               </a:spcAft>
               <a:buSzPts val="1400"/>
               <a:buNone/>
-              <a:defRPr b="0" i="0" sz="1800" u="none" cap="none" strike="noStrike">
+              <a:defRPr sz="1800" b="0" i="0" u="none" strike="noStrike" cap="none">
                 <a:solidFill>
                   <a:schemeClr val="dk1"/>
                 </a:solidFill>
@@ -452,7 +455,7 @@
                 <a:sym typeface="Calibri"/>
               </a:defRPr>
             </a:lvl8pPr>
-            <a:lvl9pPr lvl="8" marR="0" rtl="0" algn="l">
+            <a:lvl9pPr marR="0" lvl="8" algn="l" rtl="0">
               <a:spcBef>
                 <a:spcPts val="0"/>
               </a:spcBef>
@@ -461,7 +464,7 @@
               </a:spcAft>
               <a:buSzPts val="1400"/>
               <a:buNone/>
-              <a:defRPr b="0" i="0" sz="1800" u="none" cap="none" strike="noStrike">
+              <a:defRPr sz="1800" b="0" i="0" u="none" strike="noStrike" cap="none">
                 <a:solidFill>
                   <a:schemeClr val="dk1"/>
                 </a:solidFill>
@@ -472,15 +475,19 @@
               </a:defRPr>
             </a:lvl9pPr>
           </a:lstStyle>
-          <a:p/>
+          <a:p>
+            <a:endParaRPr/>
+          </a:p>
         </p:txBody>
       </p:sp>
       <p:sp>
         <p:nvSpPr>
           <p:cNvPr id="4" name="Google Shape;4;n"/>
-          <p:cNvSpPr txBox="1"/>
+          <p:cNvSpPr txBox="1">
+            <a:spLocks noGrp="1"/>
+          </p:cNvSpPr>
           <p:nvPr>
-            <p:ph idx="10" type="dt"/>
+            <p:ph type="dt" idx="10"/>
           </p:nvPr>
         </p:nvSpPr>
         <p:spPr>
@@ -497,11 +504,11 @@
           </a:ln>
         </p:spPr>
         <p:txBody>
-          <a:bodyPr anchorCtr="0" anchor="t" bIns="45700" lIns="91425" spcFirstLastPara="1" rIns="91425" wrap="square" tIns="45700">
+          <a:bodyPr spcFirstLastPara="1" wrap="square" lIns="91425" tIns="45700" rIns="91425" bIns="45700" anchor="t" anchorCtr="0">
             <a:noAutofit/>
           </a:bodyPr>
           <a:lstStyle>
-            <a:lvl1pPr lvl="0" marR="0" rtl="0" algn="r">
+            <a:lvl1pPr marR="0" lvl="0" algn="r" rtl="0">
               <a:spcBef>
                 <a:spcPts val="0"/>
               </a:spcBef>
@@ -510,7 +517,7 @@
               </a:spcAft>
               <a:buSzPts val="1400"/>
               <a:buNone/>
-              <a:defRPr b="0" i="0" sz="1200" u="none" cap="none" strike="noStrike">
+              <a:defRPr sz="1200" b="0" i="0" u="none" strike="noStrike" cap="none">
                 <a:solidFill>
                   <a:schemeClr val="dk1"/>
                 </a:solidFill>
@@ -520,7 +527,7 @@
                 <a:sym typeface="Calibri"/>
               </a:defRPr>
             </a:lvl1pPr>
-            <a:lvl2pPr lvl="1" marR="0" rtl="0" algn="l">
+            <a:lvl2pPr marR="0" lvl="1" algn="l" rtl="0">
               <a:spcBef>
                 <a:spcPts val="0"/>
               </a:spcBef>
@@ -529,7 +536,7 @@
               </a:spcAft>
               <a:buSzPts val="1400"/>
               <a:buNone/>
-              <a:defRPr b="0" i="0" sz="1800" u="none" cap="none" strike="noStrike">
+              <a:defRPr sz="1800" b="0" i="0" u="none" strike="noStrike" cap="none">
                 <a:solidFill>
                   <a:schemeClr val="dk1"/>
                 </a:solidFill>
@@ -539,7 +546,7 @@
                 <a:sym typeface="Calibri"/>
               </a:defRPr>
             </a:lvl2pPr>
-            <a:lvl3pPr lvl="2" marR="0" rtl="0" algn="l">
+            <a:lvl3pPr marR="0" lvl="2" algn="l" rtl="0">
               <a:spcBef>
                 <a:spcPts val="0"/>
               </a:spcBef>
@@ -548,7 +555,7 @@
               </a:spcAft>
               <a:buSzPts val="1400"/>
               <a:buNone/>
-              <a:defRPr b="0" i="0" sz="1800" u="none" cap="none" strike="noStrike">
+              <a:defRPr sz="1800" b="0" i="0" u="none" strike="noStrike" cap="none">
                 <a:solidFill>
                   <a:schemeClr val="dk1"/>
                 </a:solidFill>
@@ -558,7 +565,7 @@
                 <a:sym typeface="Calibri"/>
               </a:defRPr>
             </a:lvl3pPr>
-            <a:lvl4pPr lvl="3" marR="0" rtl="0" algn="l">
+            <a:lvl4pPr marR="0" lvl="3" algn="l" rtl="0">
               <a:spcBef>
                 <a:spcPts val="0"/>
               </a:spcBef>
@@ -567,7 +574,7 @@
               </a:spcAft>
               <a:buSzPts val="1400"/>
               <a:buNone/>
-              <a:defRPr b="0" i="0" sz="1800" u="none" cap="none" strike="noStrike">
+              <a:defRPr sz="1800" b="0" i="0" u="none" strike="noStrike" cap="none">
                 <a:solidFill>
                   <a:schemeClr val="dk1"/>
                 </a:solidFill>
@@ -577,7 +584,7 @@
                 <a:sym typeface="Calibri"/>
               </a:defRPr>
             </a:lvl4pPr>
-            <a:lvl5pPr lvl="4" marR="0" rtl="0" algn="l">
+            <a:lvl5pPr marR="0" lvl="4" algn="l" rtl="0">
               <a:spcBef>
                 <a:spcPts val="0"/>
               </a:spcBef>
@@ -586,7 +593,7 @@
               </a:spcAft>
               <a:buSzPts val="1400"/>
               <a:buNone/>
-              <a:defRPr b="0" i="0" sz="1800" u="none" cap="none" strike="noStrike">
+              <a:defRPr sz="1800" b="0" i="0" u="none" strike="noStrike" cap="none">
                 <a:solidFill>
                   <a:schemeClr val="dk1"/>
                 </a:solidFill>
@@ -596,7 +603,7 @@
                 <a:sym typeface="Calibri"/>
               </a:defRPr>
             </a:lvl5pPr>
-            <a:lvl6pPr lvl="5" marR="0" rtl="0" algn="l">
+            <a:lvl6pPr marR="0" lvl="5" algn="l" rtl="0">
               <a:spcBef>
                 <a:spcPts val="0"/>
               </a:spcBef>
@@ -605,7 +612,7 @@
               </a:spcAft>
               <a:buSzPts val="1400"/>
               <a:buNone/>
-              <a:defRPr b="0" i="0" sz="1800" u="none" cap="none" strike="noStrike">
+              <a:defRPr sz="1800" b="0" i="0" u="none" strike="noStrike" cap="none">
                 <a:solidFill>
                   <a:schemeClr val="dk1"/>
                 </a:solidFill>
@@ -615,7 +622,7 @@
                 <a:sym typeface="Calibri"/>
               </a:defRPr>
             </a:lvl6pPr>
-            <a:lvl7pPr lvl="6" marR="0" rtl="0" algn="l">
+            <a:lvl7pPr marR="0" lvl="6" algn="l" rtl="0">
               <a:spcBef>
                 <a:spcPts val="0"/>
               </a:spcBef>
@@ -624,7 +631,7 @@
               </a:spcAft>
               <a:buSzPts val="1400"/>
               <a:buNone/>
-              <a:defRPr b="0" i="0" sz="1800" u="none" cap="none" strike="noStrike">
+              <a:defRPr sz="1800" b="0" i="0" u="none" strike="noStrike" cap="none">
                 <a:solidFill>
                   <a:schemeClr val="dk1"/>
                 </a:solidFill>
@@ -634,7 +641,7 @@
                 <a:sym typeface="Calibri"/>
               </a:defRPr>
             </a:lvl7pPr>
-            <a:lvl8pPr lvl="7" marR="0" rtl="0" algn="l">
+            <a:lvl8pPr marR="0" lvl="7" algn="l" rtl="0">
               <a:spcBef>
                 <a:spcPts val="0"/>
               </a:spcBef>
@@ -643,7 +650,7 @@
               </a:spcAft>
               <a:buSzPts val="1400"/>
               <a:buNone/>
-              <a:defRPr b="0" i="0" sz="1800" u="none" cap="none" strike="noStrike">
+              <a:defRPr sz="1800" b="0" i="0" u="none" strike="noStrike" cap="none">
                 <a:solidFill>
                   <a:schemeClr val="dk1"/>
                 </a:solidFill>
@@ -653,7 +660,7 @@
                 <a:sym typeface="Calibri"/>
               </a:defRPr>
             </a:lvl8pPr>
-            <a:lvl9pPr lvl="8" marR="0" rtl="0" algn="l">
+            <a:lvl9pPr marR="0" lvl="8" algn="l" rtl="0">
               <a:spcBef>
                 <a:spcPts val="0"/>
               </a:spcBef>
@@ -662,7 +669,7 @@
               </a:spcAft>
               <a:buSzPts val="1400"/>
               <a:buNone/>
-              <a:defRPr b="0" i="0" sz="1800" u="none" cap="none" strike="noStrike">
+              <a:defRPr sz="1800" b="0" i="0" u="none" strike="noStrike" cap="none">
                 <a:solidFill>
                   <a:schemeClr val="dk1"/>
                 </a:solidFill>
@@ -673,15 +680,19 @@
               </a:defRPr>
             </a:lvl9pPr>
           </a:lstStyle>
-          <a:p/>
+          <a:p>
+            <a:endParaRPr/>
+          </a:p>
         </p:txBody>
       </p:sp>
       <p:sp>
         <p:nvSpPr>
           <p:cNvPr id="5" name="Google Shape;5;n"/>
-          <p:cNvSpPr/>
+          <p:cNvSpPr>
+            <a:spLocks noGrp="1" noRot="1" noChangeAspect="1"/>
+          </p:cNvSpPr>
           <p:nvPr>
-            <p:ph idx="3" type="sldImg"/>
+            <p:ph type="sldImg" idx="3"/>
           </p:nvPr>
         </p:nvSpPr>
         <p:spPr>
@@ -690,9 +701,13 @@
             <a:ext cx="5486400" cy="3086100"/>
           </a:xfrm>
           <a:custGeom>
-            <a:rect b="b" l="l" r="r" t="t"/>
+            <a:avLst/>
+            <a:gdLst/>
+            <a:ahLst/>
+            <a:cxnLst/>
+            <a:rect l="l" t="t" r="r" b="b"/>
             <a:pathLst>
-              <a:path extrusionOk="0" h="120000" w="120000">
+              <a:path w="120000" h="120000" extrusionOk="0">
                 <a:moveTo>
                   <a:pt x="0" y="0"/>
                 </a:moveTo>
@@ -710,23 +725,25 @@
             </a:pathLst>
           </a:custGeom>
           <a:noFill/>
-          <a:ln cap="flat" cmpd="sng" w="12700">
+          <a:ln w="12700" cap="flat" cmpd="sng">
             <a:solidFill>
               <a:srgbClr val="000000"/>
             </a:solidFill>
             <a:prstDash val="solid"/>
             <a:round/>
-            <a:headEnd len="sm" w="sm" type="none"/>
-            <a:tailEnd len="sm" w="sm" type="none"/>
+            <a:headEnd type="none" w="sm" len="sm"/>
+            <a:tailEnd type="none" w="sm" len="sm"/>
           </a:ln>
         </p:spPr>
       </p:sp>
       <p:sp>
         <p:nvSpPr>
           <p:cNvPr id="6" name="Google Shape;6;n"/>
-          <p:cNvSpPr txBox="1"/>
+          <p:cNvSpPr txBox="1">
+            <a:spLocks noGrp="1"/>
+          </p:cNvSpPr>
           <p:nvPr>
-            <p:ph idx="1" type="body"/>
+            <p:ph type="body" idx="1"/>
           </p:nvPr>
         </p:nvSpPr>
         <p:spPr>
@@ -743,11 +760,11 @@
           </a:ln>
         </p:spPr>
         <p:txBody>
-          <a:bodyPr anchorCtr="0" anchor="t" bIns="45700" lIns="91425" spcFirstLastPara="1" rIns="91425" wrap="square" tIns="45700">
+          <a:bodyPr spcFirstLastPara="1" wrap="square" lIns="91425" tIns="45700" rIns="91425" bIns="45700" anchor="t" anchorCtr="0">
             <a:noAutofit/>
           </a:bodyPr>
           <a:lstStyle>
-            <a:lvl1pPr indent="-228600" lvl="0" marL="457200" marR="0" rtl="0" algn="l">
+            <a:lvl1pPr marL="457200" marR="0" lvl="0" indent="-228600" algn="l" rtl="0">
               <a:spcBef>
                 <a:spcPts val="0"/>
               </a:spcBef>
@@ -756,7 +773,7 @@
               </a:spcAft>
               <a:buSzPts val="1400"/>
               <a:buNone/>
-              <a:defRPr b="0" i="0" sz="1200" u="none" cap="none" strike="noStrike">
+              <a:defRPr sz="1200" b="0" i="0" u="none" strike="noStrike" cap="none">
                 <a:solidFill>
                   <a:schemeClr val="dk1"/>
                 </a:solidFill>
@@ -766,7 +783,7 @@
                 <a:sym typeface="Calibri"/>
               </a:defRPr>
             </a:lvl1pPr>
-            <a:lvl2pPr indent="-228600" lvl="1" marL="914400" marR="0" rtl="0" algn="l">
+            <a:lvl2pPr marL="914400" marR="0" lvl="1" indent="-228600" algn="l" rtl="0">
               <a:spcBef>
                 <a:spcPts val="0"/>
               </a:spcBef>
@@ -775,7 +792,7 @@
               </a:spcAft>
               <a:buSzPts val="1400"/>
               <a:buNone/>
-              <a:defRPr b="0" i="0" sz="1200" u="none" cap="none" strike="noStrike">
+              <a:defRPr sz="1200" b="0" i="0" u="none" strike="noStrike" cap="none">
                 <a:solidFill>
                   <a:schemeClr val="dk1"/>
                 </a:solidFill>
@@ -785,7 +802,7 @@
                 <a:sym typeface="Calibri"/>
               </a:defRPr>
             </a:lvl2pPr>
-            <a:lvl3pPr indent="-228600" lvl="2" marL="1371600" marR="0" rtl="0" algn="l">
+            <a:lvl3pPr marL="1371600" marR="0" lvl="2" indent="-228600" algn="l" rtl="0">
               <a:spcBef>
                 <a:spcPts val="0"/>
               </a:spcBef>
@@ -794,7 +811,7 @@
               </a:spcAft>
               <a:buSzPts val="1400"/>
               <a:buNone/>
-              <a:defRPr b="0" i="0" sz="1200" u="none" cap="none" strike="noStrike">
+              <a:defRPr sz="1200" b="0" i="0" u="none" strike="noStrike" cap="none">
                 <a:solidFill>
                   <a:schemeClr val="dk1"/>
                 </a:solidFill>
@@ -804,7 +821,7 @@
                 <a:sym typeface="Calibri"/>
               </a:defRPr>
             </a:lvl3pPr>
-            <a:lvl4pPr indent="-228600" lvl="3" marL="1828800" marR="0" rtl="0" algn="l">
+            <a:lvl4pPr marL="1828800" marR="0" lvl="3" indent="-228600" algn="l" rtl="0">
               <a:spcBef>
                 <a:spcPts val="0"/>
               </a:spcBef>
@@ -813,7 +830,7 @@
               </a:spcAft>
               <a:buSzPts val="1400"/>
               <a:buNone/>
-              <a:defRPr b="0" i="0" sz="1200" u="none" cap="none" strike="noStrike">
+              <a:defRPr sz="1200" b="0" i="0" u="none" strike="noStrike" cap="none">
                 <a:solidFill>
                   <a:schemeClr val="dk1"/>
                 </a:solidFill>
@@ -823,7 +840,7 @@
                 <a:sym typeface="Calibri"/>
               </a:defRPr>
             </a:lvl4pPr>
-            <a:lvl5pPr indent="-228600" lvl="4" marL="2286000" marR="0" rtl="0" algn="l">
+            <a:lvl5pPr marL="2286000" marR="0" lvl="4" indent="-228600" algn="l" rtl="0">
               <a:spcBef>
                 <a:spcPts val="0"/>
               </a:spcBef>
@@ -832,7 +849,7 @@
               </a:spcAft>
               <a:buSzPts val="1400"/>
               <a:buNone/>
-              <a:defRPr b="0" i="0" sz="1200" u="none" cap="none" strike="noStrike">
+              <a:defRPr sz="1200" b="0" i="0" u="none" strike="noStrike" cap="none">
                 <a:solidFill>
                   <a:schemeClr val="dk1"/>
                 </a:solidFill>
@@ -842,7 +859,7 @@
                 <a:sym typeface="Calibri"/>
               </a:defRPr>
             </a:lvl5pPr>
-            <a:lvl6pPr indent="-228600" lvl="5" marL="2743200" marR="0" rtl="0" algn="l">
+            <a:lvl6pPr marL="2743200" marR="0" lvl="5" indent="-228600" algn="l" rtl="0">
               <a:spcBef>
                 <a:spcPts val="0"/>
               </a:spcBef>
@@ -851,7 +868,7 @@
               </a:spcAft>
               <a:buSzPts val="1400"/>
               <a:buNone/>
-              <a:defRPr b="0" i="0" sz="1200" u="none" cap="none" strike="noStrike">
+              <a:defRPr sz="1200" b="0" i="0" u="none" strike="noStrike" cap="none">
                 <a:solidFill>
                   <a:schemeClr val="dk1"/>
                 </a:solidFill>
@@ -861,7 +878,7 @@
                 <a:sym typeface="Calibri"/>
               </a:defRPr>
             </a:lvl6pPr>
-            <a:lvl7pPr indent="-228600" lvl="6" marL="3200400" marR="0" rtl="0" algn="l">
+            <a:lvl7pPr marL="3200400" marR="0" lvl="6" indent="-228600" algn="l" rtl="0">
               <a:spcBef>
                 <a:spcPts val="0"/>
               </a:spcBef>
@@ -870,7 +887,7 @@
               </a:spcAft>
               <a:buSzPts val="1400"/>
               <a:buNone/>
-              <a:defRPr b="0" i="0" sz="1200" u="none" cap="none" strike="noStrike">
+              <a:defRPr sz="1200" b="0" i="0" u="none" strike="noStrike" cap="none">
                 <a:solidFill>
                   <a:schemeClr val="dk1"/>
                 </a:solidFill>
@@ -880,7 +897,7 @@
                 <a:sym typeface="Calibri"/>
               </a:defRPr>
             </a:lvl7pPr>
-            <a:lvl8pPr indent="-228600" lvl="7" marL="3657600" marR="0" rtl="0" algn="l">
+            <a:lvl8pPr marL="3657600" marR="0" lvl="7" indent="-228600" algn="l" rtl="0">
               <a:spcBef>
                 <a:spcPts val="0"/>
               </a:spcBef>
@@ -889,7 +906,7 @@
               </a:spcAft>
               <a:buSzPts val="1400"/>
               <a:buNone/>
-              <a:defRPr b="0" i="0" sz="1200" u="none" cap="none" strike="noStrike">
+              <a:defRPr sz="1200" b="0" i="0" u="none" strike="noStrike" cap="none">
                 <a:solidFill>
                   <a:schemeClr val="dk1"/>
                 </a:solidFill>
@@ -899,7 +916,7 @@
                 <a:sym typeface="Calibri"/>
               </a:defRPr>
             </a:lvl8pPr>
-            <a:lvl9pPr indent="-228600" lvl="8" marL="4114800" marR="0" rtl="0" algn="l">
+            <a:lvl9pPr marL="4114800" marR="0" lvl="8" indent="-228600" algn="l" rtl="0">
               <a:spcBef>
                 <a:spcPts val="0"/>
               </a:spcBef>
@@ -908,7 +925,7 @@
               </a:spcAft>
               <a:buSzPts val="1400"/>
               <a:buNone/>
-              <a:defRPr b="0" i="0" sz="1200" u="none" cap="none" strike="noStrike">
+              <a:defRPr sz="1200" b="0" i="0" u="none" strike="noStrike" cap="none">
                 <a:solidFill>
                   <a:schemeClr val="dk1"/>
                 </a:solidFill>
@@ -919,15 +936,19 @@
               </a:defRPr>
             </a:lvl9pPr>
           </a:lstStyle>
-          <a:p/>
+          <a:p>
+            <a:endParaRPr/>
+          </a:p>
         </p:txBody>
       </p:sp>
       <p:sp>
         <p:nvSpPr>
           <p:cNvPr id="7" name="Google Shape;7;n"/>
-          <p:cNvSpPr txBox="1"/>
+          <p:cNvSpPr txBox="1">
+            <a:spLocks noGrp="1"/>
+          </p:cNvSpPr>
           <p:nvPr>
-            <p:ph idx="11" type="ftr"/>
+            <p:ph type="ftr" idx="11"/>
           </p:nvPr>
         </p:nvSpPr>
         <p:spPr>
@@ -944,11 +965,11 @@
           </a:ln>
         </p:spPr>
         <p:txBody>
-          <a:bodyPr anchorCtr="0" anchor="b" bIns="45700" lIns="91425" spcFirstLastPara="1" rIns="91425" wrap="square" tIns="45700">
+          <a:bodyPr spcFirstLastPara="1" wrap="square" lIns="91425" tIns="45700" rIns="91425" bIns="45700" anchor="b" anchorCtr="0">
             <a:noAutofit/>
           </a:bodyPr>
           <a:lstStyle>
-            <a:lvl1pPr lvl="0" marR="0" rtl="0" algn="l">
+            <a:lvl1pPr marR="0" lvl="0" algn="l" rtl="0">
               <a:spcBef>
                 <a:spcPts val="0"/>
               </a:spcBef>
@@ -957,7 +978,7 @@
               </a:spcAft>
               <a:buSzPts val="1400"/>
               <a:buNone/>
-              <a:defRPr b="0" i="0" sz="1200" u="none" cap="none" strike="noStrike">
+              <a:defRPr sz="1200" b="0" i="0" u="none" strike="noStrike" cap="none">
                 <a:solidFill>
                   <a:schemeClr val="dk1"/>
                 </a:solidFill>
@@ -967,7 +988,7 @@
                 <a:sym typeface="Calibri"/>
               </a:defRPr>
             </a:lvl1pPr>
-            <a:lvl2pPr lvl="1" marR="0" rtl="0" algn="l">
+            <a:lvl2pPr marR="0" lvl="1" algn="l" rtl="0">
               <a:spcBef>
                 <a:spcPts val="0"/>
               </a:spcBef>
@@ -976,7 +997,7 @@
               </a:spcAft>
               <a:buSzPts val="1400"/>
               <a:buNone/>
-              <a:defRPr b="0" i="0" sz="1800" u="none" cap="none" strike="noStrike">
+              <a:defRPr sz="1800" b="0" i="0" u="none" strike="noStrike" cap="none">
                 <a:solidFill>
                   <a:schemeClr val="dk1"/>
                 </a:solidFill>
@@ -986,7 +1007,7 @@
                 <a:sym typeface="Calibri"/>
               </a:defRPr>
             </a:lvl2pPr>
-            <a:lvl3pPr lvl="2" marR="0" rtl="0" algn="l">
+            <a:lvl3pPr marR="0" lvl="2" algn="l" rtl="0">
               <a:spcBef>
                 <a:spcPts val="0"/>
               </a:spcBef>
@@ -995,7 +1016,7 @@
               </a:spcAft>
               <a:buSzPts val="1400"/>
               <a:buNone/>
-              <a:defRPr b="0" i="0" sz="1800" u="none" cap="none" strike="noStrike">
+              <a:defRPr sz="1800" b="0" i="0" u="none" strike="noStrike" cap="none">
                 <a:solidFill>
                   <a:schemeClr val="dk1"/>
                 </a:solidFill>
@@ -1005,7 +1026,7 @@
                 <a:sym typeface="Calibri"/>
               </a:defRPr>
             </a:lvl3pPr>
-            <a:lvl4pPr lvl="3" marR="0" rtl="0" algn="l">
+            <a:lvl4pPr marR="0" lvl="3" algn="l" rtl="0">
               <a:spcBef>
                 <a:spcPts val="0"/>
               </a:spcBef>
@@ -1014,7 +1035,7 @@
               </a:spcAft>
               <a:buSzPts val="1400"/>
               <a:buNone/>
-              <a:defRPr b="0" i="0" sz="1800" u="none" cap="none" strike="noStrike">
+              <a:defRPr sz="1800" b="0" i="0" u="none" strike="noStrike" cap="none">
                 <a:solidFill>
                   <a:schemeClr val="dk1"/>
                 </a:solidFill>
@@ -1024,7 +1045,7 @@
                 <a:sym typeface="Calibri"/>
               </a:defRPr>
             </a:lvl4pPr>
-            <a:lvl5pPr lvl="4" marR="0" rtl="0" algn="l">
+            <a:lvl5pPr marR="0" lvl="4" algn="l" rtl="0">
               <a:spcBef>
                 <a:spcPts val="0"/>
               </a:spcBef>
@@ -1033,7 +1054,7 @@
               </a:spcAft>
               <a:buSzPts val="1400"/>
               <a:buNone/>
-              <a:defRPr b="0" i="0" sz="1800" u="none" cap="none" strike="noStrike">
+              <a:defRPr sz="1800" b="0" i="0" u="none" strike="noStrike" cap="none">
                 <a:solidFill>
                   <a:schemeClr val="dk1"/>
                 </a:solidFill>
@@ -1043,7 +1064,7 @@
                 <a:sym typeface="Calibri"/>
               </a:defRPr>
             </a:lvl5pPr>
-            <a:lvl6pPr lvl="5" marR="0" rtl="0" algn="l">
+            <a:lvl6pPr marR="0" lvl="5" algn="l" rtl="0">
               <a:spcBef>
                 <a:spcPts val="0"/>
               </a:spcBef>
@@ -1052,7 +1073,7 @@
               </a:spcAft>
               <a:buSzPts val="1400"/>
               <a:buNone/>
-              <a:defRPr b="0" i="0" sz="1800" u="none" cap="none" strike="noStrike">
+              <a:defRPr sz="1800" b="0" i="0" u="none" strike="noStrike" cap="none">
                 <a:solidFill>
                   <a:schemeClr val="dk1"/>
                 </a:solidFill>
@@ -1062,7 +1083,7 @@
                 <a:sym typeface="Calibri"/>
               </a:defRPr>
             </a:lvl6pPr>
-            <a:lvl7pPr lvl="6" marR="0" rtl="0" algn="l">
+            <a:lvl7pPr marR="0" lvl="6" algn="l" rtl="0">
               <a:spcBef>
                 <a:spcPts val="0"/>
               </a:spcBef>
@@ -1071,7 +1092,7 @@
               </a:spcAft>
               <a:buSzPts val="1400"/>
               <a:buNone/>
-              <a:defRPr b="0" i="0" sz="1800" u="none" cap="none" strike="noStrike">
+              <a:defRPr sz="1800" b="0" i="0" u="none" strike="noStrike" cap="none">
                 <a:solidFill>
                   <a:schemeClr val="dk1"/>
                 </a:solidFill>
@@ -1081,7 +1102,7 @@
                 <a:sym typeface="Calibri"/>
               </a:defRPr>
             </a:lvl7pPr>
-            <a:lvl8pPr lvl="7" marR="0" rtl="0" algn="l">
+            <a:lvl8pPr marR="0" lvl="7" algn="l" rtl="0">
               <a:spcBef>
                 <a:spcPts val="0"/>
               </a:spcBef>
@@ -1090,7 +1111,7 @@
               </a:spcAft>
               <a:buSzPts val="1400"/>
               <a:buNone/>
-              <a:defRPr b="0" i="0" sz="1800" u="none" cap="none" strike="noStrike">
+              <a:defRPr sz="1800" b="0" i="0" u="none" strike="noStrike" cap="none">
                 <a:solidFill>
                   <a:schemeClr val="dk1"/>
                 </a:solidFill>
@@ -1100,7 +1121,7 @@
                 <a:sym typeface="Calibri"/>
               </a:defRPr>
             </a:lvl8pPr>
-            <a:lvl9pPr lvl="8" marR="0" rtl="0" algn="l">
+            <a:lvl9pPr marR="0" lvl="8" algn="l" rtl="0">
               <a:spcBef>
                 <a:spcPts val="0"/>
               </a:spcBef>
@@ -1109,7 +1130,7 @@
               </a:spcAft>
               <a:buSzPts val="1400"/>
               <a:buNone/>
-              <a:defRPr b="0" i="0" sz="1800" u="none" cap="none" strike="noStrike">
+              <a:defRPr sz="1800" b="0" i="0" u="none" strike="noStrike" cap="none">
                 <a:solidFill>
                   <a:schemeClr val="dk1"/>
                 </a:solidFill>
@@ -1120,15 +1141,19 @@
               </a:defRPr>
             </a:lvl9pPr>
           </a:lstStyle>
-          <a:p/>
+          <a:p>
+            <a:endParaRPr/>
+          </a:p>
         </p:txBody>
       </p:sp>
       <p:sp>
         <p:nvSpPr>
           <p:cNvPr id="8" name="Google Shape;8;n"/>
-          <p:cNvSpPr txBox="1"/>
+          <p:cNvSpPr txBox="1">
+            <a:spLocks noGrp="1"/>
+          </p:cNvSpPr>
           <p:nvPr>
-            <p:ph idx="12" type="sldNum"/>
+            <p:ph type="sldNum" idx="12"/>
           </p:nvPr>
         </p:nvSpPr>
         <p:spPr>
@@ -1145,12 +1170,12 @@
           </a:ln>
         </p:spPr>
         <p:txBody>
-          <a:bodyPr anchorCtr="0" anchor="b" bIns="45700" lIns="91425" spcFirstLastPara="1" rIns="91425" wrap="square" tIns="45700">
+          <a:bodyPr spcFirstLastPara="1" wrap="square" lIns="91425" tIns="45700" rIns="91425" bIns="45700" anchor="b" anchorCtr="0">
             <a:noAutofit/>
           </a:bodyPr>
           <a:lstStyle/>
           <a:p>
-            <a:pPr indent="0" lvl="0" marL="0" marR="0" rtl="0" algn="r">
+            <a:pPr marL="0" marR="0" lvl="0" indent="0" algn="r" rtl="0">
               <a:spcBef>
                 <a:spcPts val="0"/>
               </a:spcBef>
@@ -1160,7 +1185,7 @@
               <a:buNone/>
             </a:pPr>
             <a:fld id="{00000000-1234-1234-1234-123412341234}" type="slidenum">
-              <a:rPr b="0" i="0" lang="en-US" sz="1200" u="none" cap="none" strike="noStrike">
+              <a:rPr lang="en-US" sz="1200" b="0" i="0" u="none" strike="noStrike" cap="none">
                 <a:solidFill>
                   <a:schemeClr val="dk1"/>
                 </a:solidFill>
@@ -1171,7 +1196,7 @@
               </a:rPr>
               <a:t>‹#›</a:t>
             </a:fld>
-            <a:endParaRPr b="0" i="0" sz="1200" u="none" cap="none" strike="noStrike">
+            <a:endParaRPr sz="1200" b="0" i="0" u="none" strike="noStrike" cap="none">
               <a:solidFill>
                 <a:schemeClr val="dk1"/>
               </a:solidFill>
@@ -1185,9 +1210,9 @@
       </p:sp>
     </p:spTree>
   </p:cSld>
-  <p:clrMap accent1="accent1" accent2="accent2" accent3="accent3" accent4="accent4" accent5="accent5" accent6="accent6" bg1="lt1" bg2="dk2" tx1="dk1" tx2="lt2" folHlink="folHlink" hlink="hlink"/>
+  <p:clrMap bg1="lt1" tx1="dk1" bg2="dk2" tx2="lt2" accent1="accent1" accent2="accent2" accent3="accent3" accent4="accent4" accent5="accent5" accent6="accent6" hlink="hlink" folHlink="folHlink"/>
   <p:notesStyle>
-    <a:defPPr lvl="0" marR="0" rtl="0" algn="l">
+    <a:defPPr marR="0" lvl="0" algn="l" rtl="0">
       <a:lnSpc>
         <a:spcPct val="100000"/>
       </a:lnSpc>
@@ -1198,7 +1223,7 @@
         <a:spcPts val="0"/>
       </a:spcAft>
     </a:defPPr>
-    <a:lvl1pPr lvl="0" marR="0" rtl="0" algn="l">
+    <a:lvl1pPr marR="0" lvl="0" algn="l" rtl="0">
       <a:lnSpc>
         <a:spcPct val="100000"/>
       </a:lnSpc>
@@ -1212,7 +1237,7 @@
         <a:srgbClr val="000000"/>
       </a:buClr>
       <a:buFont typeface="Arial"/>
-      <a:defRPr b="0" i="0" sz="1400" u="none" cap="none" strike="noStrike">
+      <a:defRPr sz="1400" b="0" i="0" u="none" strike="noStrike" cap="none">
         <a:solidFill>
           <a:srgbClr val="000000"/>
         </a:solidFill>
@@ -1222,7 +1247,7 @@
         <a:sym typeface="Arial"/>
       </a:defRPr>
     </a:lvl1pPr>
-    <a:lvl2pPr lvl="1" marR="0" rtl="0" algn="l">
+    <a:lvl2pPr marR="0" lvl="1" algn="l" rtl="0">
       <a:lnSpc>
         <a:spcPct val="100000"/>
       </a:lnSpc>
@@ -1236,7 +1261,7 @@
         <a:srgbClr val="000000"/>
       </a:buClr>
       <a:buFont typeface="Arial"/>
-      <a:defRPr b="0" i="0" sz="1400" u="none" cap="none" strike="noStrike">
+      <a:defRPr sz="1400" b="0" i="0" u="none" strike="noStrike" cap="none">
         <a:solidFill>
           <a:srgbClr val="000000"/>
         </a:solidFill>
@@ -1246,7 +1271,7 @@
         <a:sym typeface="Arial"/>
       </a:defRPr>
     </a:lvl2pPr>
-    <a:lvl3pPr lvl="2" marR="0" rtl="0" algn="l">
+    <a:lvl3pPr marR="0" lvl="2" algn="l" rtl="0">
       <a:lnSpc>
         <a:spcPct val="100000"/>
       </a:lnSpc>
@@ -1260,7 +1285,7 @@
         <a:srgbClr val="000000"/>
       </a:buClr>
       <a:buFont typeface="Arial"/>
-      <a:defRPr b="0" i="0" sz="1400" u="none" cap="none" strike="noStrike">
+      <a:defRPr sz="1400" b="0" i="0" u="none" strike="noStrike" cap="none">
         <a:solidFill>
           <a:srgbClr val="000000"/>
         </a:solidFill>
@@ -1270,7 +1295,7 @@
         <a:sym typeface="Arial"/>
       </a:defRPr>
     </a:lvl3pPr>
-    <a:lvl4pPr lvl="3" marR="0" rtl="0" algn="l">
+    <a:lvl4pPr marR="0" lvl="3" algn="l" rtl="0">
       <a:lnSpc>
         <a:spcPct val="100000"/>
       </a:lnSpc>
@@ -1284,7 +1309,7 @@
         <a:srgbClr val="000000"/>
       </a:buClr>
       <a:buFont typeface="Arial"/>
-      <a:defRPr b="0" i="0" sz="1400" u="none" cap="none" strike="noStrike">
+      <a:defRPr sz="1400" b="0" i="0" u="none" strike="noStrike" cap="none">
         <a:solidFill>
           <a:srgbClr val="000000"/>
         </a:solidFill>
@@ -1294,7 +1319,7 @@
         <a:sym typeface="Arial"/>
       </a:defRPr>
     </a:lvl4pPr>
-    <a:lvl5pPr lvl="4" marR="0" rtl="0" algn="l">
+    <a:lvl5pPr marR="0" lvl="4" algn="l" rtl="0">
       <a:lnSpc>
         <a:spcPct val="100000"/>
       </a:lnSpc>
@@ -1308,7 +1333,7 @@
         <a:srgbClr val="000000"/>
       </a:buClr>
       <a:buFont typeface="Arial"/>
-      <a:defRPr b="0" i="0" sz="1400" u="none" cap="none" strike="noStrike">
+      <a:defRPr sz="1400" b="0" i="0" u="none" strike="noStrike" cap="none">
         <a:solidFill>
           <a:srgbClr val="000000"/>
         </a:solidFill>
@@ -1318,7 +1343,7 @@
         <a:sym typeface="Arial"/>
       </a:defRPr>
     </a:lvl5pPr>
-    <a:lvl6pPr lvl="5" marR="0" rtl="0" algn="l">
+    <a:lvl6pPr marR="0" lvl="5" algn="l" rtl="0">
       <a:lnSpc>
         <a:spcPct val="100000"/>
       </a:lnSpc>
@@ -1332,7 +1357,7 @@
         <a:srgbClr val="000000"/>
       </a:buClr>
       <a:buFont typeface="Arial"/>
-      <a:defRPr b="0" i="0" sz="1400" u="none" cap="none" strike="noStrike">
+      <a:defRPr sz="1400" b="0" i="0" u="none" strike="noStrike" cap="none">
         <a:solidFill>
           <a:srgbClr val="000000"/>
         </a:solidFill>
@@ -1342,7 +1367,7 @@
         <a:sym typeface="Arial"/>
       </a:defRPr>
     </a:lvl6pPr>
-    <a:lvl7pPr lvl="6" marR="0" rtl="0" algn="l">
+    <a:lvl7pPr marR="0" lvl="6" algn="l" rtl="0">
       <a:lnSpc>
         <a:spcPct val="100000"/>
       </a:lnSpc>
@@ -1356,7 +1381,7 @@
         <a:srgbClr val="000000"/>
       </a:buClr>
       <a:buFont typeface="Arial"/>
-      <a:defRPr b="0" i="0" sz="1400" u="none" cap="none" strike="noStrike">
+      <a:defRPr sz="1400" b="0" i="0" u="none" strike="noStrike" cap="none">
         <a:solidFill>
           <a:srgbClr val="000000"/>
         </a:solidFill>
@@ -1366,7 +1391,7 @@
         <a:sym typeface="Arial"/>
       </a:defRPr>
     </a:lvl7pPr>
-    <a:lvl8pPr lvl="7" marR="0" rtl="0" algn="l">
+    <a:lvl8pPr marR="0" lvl="7" algn="l" rtl="0">
       <a:lnSpc>
         <a:spcPct val="100000"/>
       </a:lnSpc>
@@ -1380,7 +1405,7 @@
         <a:srgbClr val="000000"/>
       </a:buClr>
       <a:buFont typeface="Arial"/>
-      <a:defRPr b="0" i="0" sz="1400" u="none" cap="none" strike="noStrike">
+      <a:defRPr sz="1400" b="0" i="0" u="none" strike="noStrike" cap="none">
         <a:solidFill>
           <a:srgbClr val="000000"/>
         </a:solidFill>
@@ -1390,7 +1415,7 @@
         <a:sym typeface="Arial"/>
       </a:defRPr>
     </a:lvl8pPr>
-    <a:lvl9pPr lvl="8" marR="0" rtl="0" algn="l">
+    <a:lvl9pPr marR="0" lvl="8" algn="l" rtl="0">
       <a:lnSpc>
         <a:spcPct val="100000"/>
       </a:lnSpc>
@@ -1404,7 +1429,7 @@
         <a:srgbClr val="000000"/>
       </a:buClr>
       <a:buFont typeface="Arial"/>
-      <a:defRPr b="0" i="0" sz="1400" u="none" cap="none" strike="noStrike">
+      <a:defRPr sz="1400" b="0" i="0" u="none" strike="noStrike" cap="none">
         <a:solidFill>
           <a:srgbClr val="000000"/>
         </a:solidFill>
@@ -1419,11 +1444,11 @@
 </file>
 
 <file path=ppt/notesSlides/notesSlide1.xml><?xml version="1.0" encoding="utf-8"?>
-<p:notes xmlns:a="http://schemas.openxmlformats.org/drawingml/2006/main" xmlns:r="http://schemas.openxmlformats.org/officeDocument/2006/relationships" xmlns:mc="http://schemas.openxmlformats.org/markup-compatibility/2006" xmlns:mv="urn:schemas-microsoft-com:mac:vml" xmlns:p="http://schemas.openxmlformats.org/presentationml/2006/main" xmlns:c="http://schemas.openxmlformats.org/drawingml/2006/chart" xmlns:dgm="http://schemas.openxmlformats.org/drawingml/2006/diagram" xmlns:o="urn:schemas-microsoft-com:office:office" xmlns:v="urn:schemas-microsoft-com:vml" xmlns:pvml="urn:schemas-microsoft-com:office:powerpoint" xmlns:com="http://schemas.openxmlformats.org/drawingml/2006/compatibility" xmlns:p14="http://schemas.microsoft.com/office/powerpoint/2010/main" xmlns:p15="http://schemas.microsoft.com/office/powerpoint/2012/main" xmlns:ahyp="http://schemas.microsoft.com/office/drawing/2018/hyperlinkcolor" showMasterPhAnim="0" showMasterSp="0">
+<p:notes xmlns:a="http://schemas.openxmlformats.org/drawingml/2006/main" xmlns:r="http://schemas.openxmlformats.org/officeDocument/2006/relationships" xmlns:p="http://schemas.openxmlformats.org/presentationml/2006/main" showMasterSp="0" showMasterPhAnim="0">
   <p:cSld>
     <p:spTree>
       <p:nvGrpSpPr>
-        <p:cNvPr id="59" name="Shape 59"/>
+        <p:cNvPr id="1" name="Shape 59"/>
         <p:cNvGrpSpPr/>
         <p:nvPr/>
       </p:nvGrpSpPr>
@@ -1438,9 +1463,11 @@
       <p:sp>
         <p:nvSpPr>
           <p:cNvPr id="60" name="Google Shape;60;p1:notes"/>
-          <p:cNvSpPr txBox="1"/>
+          <p:cNvSpPr txBox="1">
+            <a:spLocks noGrp="1"/>
+          </p:cNvSpPr>
           <p:nvPr>
-            <p:ph idx="1" type="body"/>
+            <p:ph type="body" idx="1"/>
           </p:nvPr>
         </p:nvSpPr>
         <p:spPr>
@@ -1453,12 +1480,12 @@
           </a:prstGeom>
         </p:spPr>
         <p:txBody>
-          <a:bodyPr anchorCtr="0" anchor="t" bIns="45700" lIns="91425" spcFirstLastPara="1" rIns="91425" wrap="square" tIns="45700">
+          <a:bodyPr spcFirstLastPara="1" wrap="square" lIns="91425" tIns="45700" rIns="91425" bIns="45700" anchor="t" anchorCtr="0">
             <a:noAutofit/>
           </a:bodyPr>
           <a:lstStyle/>
           <a:p>
-            <a:pPr indent="0" lvl="0" marL="0" rtl="0" algn="l">
+            <a:pPr marL="0" lvl="0" indent="0" algn="l" rtl="0">
               <a:spcBef>
                 <a:spcPts val="0"/>
               </a:spcBef>
@@ -1467,9 +1494,6 @@
               </a:spcAft>
               <a:buNone/>
             </a:pPr>
-            <a:r>
-              <a:t/>
-            </a:r>
             <a:endParaRPr/>
           </a:p>
         </p:txBody>
@@ -1477,9 +1501,11 @@
       <p:sp>
         <p:nvSpPr>
           <p:cNvPr id="61" name="Google Shape;61;p1:notes"/>
-          <p:cNvSpPr/>
+          <p:cNvSpPr>
+            <a:spLocks noGrp="1" noRot="1" noChangeAspect="1"/>
+          </p:cNvSpPr>
           <p:nvPr>
-            <p:ph idx="2" type="sldImg"/>
+            <p:ph type="sldImg" idx="2"/>
           </p:nvPr>
         </p:nvSpPr>
         <p:spPr>
@@ -1488,9 +1514,13 @@
             <a:ext cx="5486400" cy="3086100"/>
           </a:xfrm>
           <a:custGeom>
-            <a:rect b="b" l="l" r="r" t="t"/>
+            <a:avLst/>
+            <a:gdLst/>
+            <a:ahLst/>
+            <a:cxnLst/>
+            <a:rect l="l" t="t" r="r" b="b"/>
             <a:pathLst>
-              <a:path extrusionOk="0" h="120000" w="120000">
+              <a:path w="120000" h="120000" extrusionOk="0">
                 <a:moveTo>
                   <a:pt x="0" y="0"/>
                 </a:moveTo>
@@ -1518,11 +1548,11 @@
 </file>
 
 <file path=ppt/notesSlides/notesSlide2.xml><?xml version="1.0" encoding="utf-8"?>
-<p:notes xmlns:a="http://schemas.openxmlformats.org/drawingml/2006/main" xmlns:r="http://schemas.openxmlformats.org/officeDocument/2006/relationships" xmlns:mc="http://schemas.openxmlformats.org/markup-compatibility/2006" xmlns:mv="urn:schemas-microsoft-com:mac:vml" xmlns:p="http://schemas.openxmlformats.org/presentationml/2006/main" xmlns:c="http://schemas.openxmlformats.org/drawingml/2006/chart" xmlns:dgm="http://schemas.openxmlformats.org/drawingml/2006/diagram" xmlns:o="urn:schemas-microsoft-com:office:office" xmlns:v="urn:schemas-microsoft-com:vml" xmlns:pvml="urn:schemas-microsoft-com:office:powerpoint" xmlns:com="http://schemas.openxmlformats.org/drawingml/2006/compatibility" xmlns:p14="http://schemas.microsoft.com/office/powerpoint/2010/main" xmlns:p15="http://schemas.microsoft.com/office/powerpoint/2012/main" xmlns:ahyp="http://schemas.microsoft.com/office/drawing/2018/hyperlinkcolor" showMasterPhAnim="0" showMasterSp="0">
+<p:notes xmlns:a="http://schemas.openxmlformats.org/drawingml/2006/main" xmlns:r="http://schemas.openxmlformats.org/officeDocument/2006/relationships" xmlns:p="http://schemas.openxmlformats.org/presentationml/2006/main" showMasterSp="0" showMasterPhAnim="0">
   <p:cSld>
     <p:spTree>
       <p:nvGrpSpPr>
-        <p:cNvPr id="64" name="Shape 64"/>
+        <p:cNvPr id="1" name="Shape 64"/>
         <p:cNvGrpSpPr/>
         <p:nvPr/>
       </p:nvGrpSpPr>
@@ -1537,9 +1567,11 @@
       <p:sp>
         <p:nvSpPr>
           <p:cNvPr id="65" name="Google Shape;65;p2:notes"/>
-          <p:cNvSpPr/>
+          <p:cNvSpPr>
+            <a:spLocks noGrp="1" noRot="1" noChangeAspect="1"/>
+          </p:cNvSpPr>
           <p:nvPr>
-            <p:ph idx="2" type="sldImg"/>
+            <p:ph type="sldImg" idx="2"/>
           </p:nvPr>
         </p:nvSpPr>
         <p:spPr>
@@ -1548,9 +1580,13 @@
             <a:ext cx="5486400" cy="3086100"/>
           </a:xfrm>
           <a:custGeom>
-            <a:rect b="b" l="l" r="r" t="t"/>
+            <a:avLst/>
+            <a:gdLst/>
+            <a:ahLst/>
+            <a:cxnLst/>
+            <a:rect l="l" t="t" r="r" b="b"/>
             <a:pathLst>
-              <a:path extrusionOk="0" h="120000" w="120000">
+              <a:path w="120000" h="120000" extrusionOk="0">
                 <a:moveTo>
                   <a:pt x="0" y="0"/>
                 </a:moveTo>
@@ -1568,23 +1604,25 @@
             </a:pathLst>
           </a:custGeom>
           <a:noFill/>
-          <a:ln cap="flat" cmpd="sng" w="12700">
+          <a:ln w="12700" cap="flat" cmpd="sng">
             <a:solidFill>
               <a:srgbClr val="000000"/>
             </a:solidFill>
             <a:prstDash val="solid"/>
             <a:round/>
-            <a:headEnd len="sm" w="sm" type="none"/>
-            <a:tailEnd len="sm" w="sm" type="none"/>
+            <a:headEnd type="none" w="sm" len="sm"/>
+            <a:tailEnd type="none" w="sm" len="sm"/>
           </a:ln>
         </p:spPr>
       </p:sp>
       <p:sp>
         <p:nvSpPr>
           <p:cNvPr id="66" name="Google Shape;66;p2:notes"/>
-          <p:cNvSpPr txBox="1"/>
+          <p:cNvSpPr txBox="1">
+            <a:spLocks noGrp="1"/>
+          </p:cNvSpPr>
           <p:nvPr>
-            <p:ph idx="1" type="body"/>
+            <p:ph type="body" idx="1"/>
           </p:nvPr>
         </p:nvSpPr>
         <p:spPr>
@@ -1601,12 +1639,12 @@
           </a:ln>
         </p:spPr>
         <p:txBody>
-          <a:bodyPr anchorCtr="0" anchor="t" bIns="45700" lIns="91425" spcFirstLastPara="1" rIns="91425" wrap="square" tIns="45700">
+          <a:bodyPr spcFirstLastPara="1" wrap="square" lIns="91425" tIns="45700" rIns="91425" bIns="45700" anchor="t" anchorCtr="0">
             <a:noAutofit/>
           </a:bodyPr>
           <a:lstStyle/>
           <a:p>
-            <a:pPr indent="0" lvl="0" marL="0" rtl="0" algn="l">
+            <a:pPr marL="0" lvl="0" indent="0" algn="l" rtl="0">
               <a:spcBef>
                 <a:spcPts val="0"/>
               </a:spcBef>
@@ -1615,9 +1653,6 @@
               </a:spcAft>
               <a:buNone/>
             </a:pPr>
-            <a:r>
-              <a:t/>
-            </a:r>
             <a:endParaRPr/>
           </a:p>
         </p:txBody>
@@ -1625,9 +1660,11 @@
       <p:sp>
         <p:nvSpPr>
           <p:cNvPr id="67" name="Google Shape;67;p2:notes"/>
-          <p:cNvSpPr txBox="1"/>
+          <p:cNvSpPr txBox="1">
+            <a:spLocks noGrp="1"/>
+          </p:cNvSpPr>
           <p:nvPr>
-            <p:ph idx="12" type="sldNum"/>
+            <p:ph type="sldNum" idx="12"/>
           </p:nvPr>
         </p:nvSpPr>
         <p:spPr>
@@ -1644,12 +1681,12 @@
           </a:ln>
         </p:spPr>
         <p:txBody>
-          <a:bodyPr anchorCtr="0" anchor="b" bIns="45700" lIns="91425" spcFirstLastPara="1" rIns="91425" wrap="square" tIns="45700">
+          <a:bodyPr spcFirstLastPara="1" wrap="square" lIns="91425" tIns="45700" rIns="91425" bIns="45700" anchor="b" anchorCtr="0">
             <a:noAutofit/>
           </a:bodyPr>
           <a:lstStyle/>
           <a:p>
-            <a:pPr indent="0" lvl="0" marL="0" rtl="0" algn="r">
+            <a:pPr marL="0" lvl="0" indent="0" algn="r" rtl="0">
               <a:spcBef>
                 <a:spcPts val="0"/>
               </a:spcBef>
@@ -1660,7 +1697,7 @@
             </a:pPr>
             <a:fld id="{00000000-1234-1234-1234-123412341234}" type="slidenum">
               <a:rPr lang="en-US"/>
-              <a:t>‹#›</a:t>
+              <a:t>2</a:t>
             </a:fld>
             <a:endParaRPr/>
           </a:p>
@@ -1675,11 +1712,11 @@
 </file>
 
 <file path=ppt/notesSlides/notesSlide3.xml><?xml version="1.0" encoding="utf-8"?>
-<p:notes xmlns:a="http://schemas.openxmlformats.org/drawingml/2006/main" xmlns:r="http://schemas.openxmlformats.org/officeDocument/2006/relationships" xmlns:mc="http://schemas.openxmlformats.org/markup-compatibility/2006" xmlns:mv="urn:schemas-microsoft-com:mac:vml" xmlns:p="http://schemas.openxmlformats.org/presentationml/2006/main" xmlns:c="http://schemas.openxmlformats.org/drawingml/2006/chart" xmlns:dgm="http://schemas.openxmlformats.org/drawingml/2006/diagram" xmlns:o="urn:schemas-microsoft-com:office:office" xmlns:v="urn:schemas-microsoft-com:vml" xmlns:pvml="urn:schemas-microsoft-com:office:powerpoint" xmlns:com="http://schemas.openxmlformats.org/drawingml/2006/compatibility" xmlns:p14="http://schemas.microsoft.com/office/powerpoint/2010/main" xmlns:p15="http://schemas.microsoft.com/office/powerpoint/2012/main" xmlns:ahyp="http://schemas.microsoft.com/office/drawing/2018/hyperlinkcolor" showMasterPhAnim="0" showMasterSp="0">
+<p:notes xmlns:a="http://schemas.openxmlformats.org/drawingml/2006/main" xmlns:r="http://schemas.openxmlformats.org/officeDocument/2006/relationships" xmlns:p="http://schemas.openxmlformats.org/presentationml/2006/main" showMasterSp="0" showMasterPhAnim="0">
   <p:cSld>
     <p:spTree>
       <p:nvGrpSpPr>
-        <p:cNvPr id="72" name="Shape 72"/>
+        <p:cNvPr id="1" name="Shape 72"/>
         <p:cNvGrpSpPr/>
         <p:nvPr/>
       </p:nvGrpSpPr>
@@ -1694,9 +1731,11 @@
       <p:sp>
         <p:nvSpPr>
           <p:cNvPr id="73" name="Google Shape;73;p3:notes"/>
-          <p:cNvSpPr txBox="1"/>
+          <p:cNvSpPr txBox="1">
+            <a:spLocks noGrp="1"/>
+          </p:cNvSpPr>
           <p:nvPr>
-            <p:ph idx="1" type="body"/>
+            <p:ph type="body" idx="1"/>
           </p:nvPr>
         </p:nvSpPr>
         <p:spPr>
@@ -1709,12 +1748,12 @@
           </a:prstGeom>
         </p:spPr>
         <p:txBody>
-          <a:bodyPr anchorCtr="0" anchor="t" bIns="45700" lIns="91425" spcFirstLastPara="1" rIns="91425" wrap="square" tIns="45700">
+          <a:bodyPr spcFirstLastPara="1" wrap="square" lIns="91425" tIns="45700" rIns="91425" bIns="45700" anchor="t" anchorCtr="0">
             <a:noAutofit/>
           </a:bodyPr>
           <a:lstStyle/>
           <a:p>
-            <a:pPr indent="0" lvl="0" marL="0" rtl="0" algn="l">
+            <a:pPr marL="0" lvl="0" indent="0" algn="l" rtl="0">
               <a:spcBef>
                 <a:spcPts val="0"/>
               </a:spcBef>
@@ -1723,9 +1762,6 @@
               </a:spcAft>
               <a:buNone/>
             </a:pPr>
-            <a:r>
-              <a:t/>
-            </a:r>
             <a:endParaRPr/>
           </a:p>
         </p:txBody>
@@ -1733,9 +1769,11 @@
       <p:sp>
         <p:nvSpPr>
           <p:cNvPr id="74" name="Google Shape;74;p3:notes"/>
-          <p:cNvSpPr/>
+          <p:cNvSpPr>
+            <a:spLocks noGrp="1" noRot="1" noChangeAspect="1"/>
+          </p:cNvSpPr>
           <p:nvPr>
-            <p:ph idx="2" type="sldImg"/>
+            <p:ph type="sldImg" idx="2"/>
           </p:nvPr>
         </p:nvSpPr>
         <p:spPr>
@@ -1744,9 +1782,13 @@
             <a:ext cx="5486400" cy="3086100"/>
           </a:xfrm>
           <a:custGeom>
-            <a:rect b="b" l="l" r="r" t="t"/>
+            <a:avLst/>
+            <a:gdLst/>
+            <a:ahLst/>
+            <a:cxnLst/>
+            <a:rect l="l" t="t" r="r" b="b"/>
             <a:pathLst>
-              <a:path extrusionOk="0" h="120000" w="120000">
+              <a:path w="120000" h="120000" extrusionOk="0">
                 <a:moveTo>
                   <a:pt x="0" y="0"/>
                 </a:moveTo>
@@ -1774,11 +1816,11 @@
 </file>
 
 <file path=ppt/notesSlides/notesSlide4.xml><?xml version="1.0" encoding="utf-8"?>
-<p:notes xmlns:a="http://schemas.openxmlformats.org/drawingml/2006/main" xmlns:r="http://schemas.openxmlformats.org/officeDocument/2006/relationships" xmlns:mc="http://schemas.openxmlformats.org/markup-compatibility/2006" xmlns:mv="urn:schemas-microsoft-com:mac:vml" xmlns:p="http://schemas.openxmlformats.org/presentationml/2006/main" xmlns:c="http://schemas.openxmlformats.org/drawingml/2006/chart" xmlns:dgm="http://schemas.openxmlformats.org/drawingml/2006/diagram" xmlns:o="urn:schemas-microsoft-com:office:office" xmlns:v="urn:schemas-microsoft-com:vml" xmlns:pvml="urn:schemas-microsoft-com:office:powerpoint" xmlns:com="http://schemas.openxmlformats.org/drawingml/2006/compatibility" xmlns:p14="http://schemas.microsoft.com/office/powerpoint/2010/main" xmlns:p15="http://schemas.microsoft.com/office/powerpoint/2012/main" xmlns:ahyp="http://schemas.microsoft.com/office/drawing/2018/hyperlinkcolor" showMasterPhAnim="0" showMasterSp="0">
+<p:notes xmlns:a="http://schemas.openxmlformats.org/drawingml/2006/main" xmlns:r="http://schemas.openxmlformats.org/officeDocument/2006/relationships" xmlns:p="http://schemas.openxmlformats.org/presentationml/2006/main" showMasterSp="0" showMasterPhAnim="0">
   <p:cSld>
     <p:spTree>
       <p:nvGrpSpPr>
-        <p:cNvPr id="78" name="Shape 78"/>
+        <p:cNvPr id="1" name="Shape 78"/>
         <p:cNvGrpSpPr/>
         <p:nvPr/>
       </p:nvGrpSpPr>
@@ -1793,9 +1835,11 @@
       <p:sp>
         <p:nvSpPr>
           <p:cNvPr id="79" name="Google Shape;79;p4:notes"/>
-          <p:cNvSpPr txBox="1"/>
+          <p:cNvSpPr txBox="1">
+            <a:spLocks noGrp="1"/>
+          </p:cNvSpPr>
           <p:nvPr>
-            <p:ph idx="1" type="body"/>
+            <p:ph type="body" idx="1"/>
           </p:nvPr>
         </p:nvSpPr>
         <p:spPr>
@@ -1808,12 +1852,12 @@
           </a:prstGeom>
         </p:spPr>
         <p:txBody>
-          <a:bodyPr anchorCtr="0" anchor="t" bIns="45700" lIns="91425" spcFirstLastPara="1" rIns="91425" wrap="square" tIns="45700">
+          <a:bodyPr spcFirstLastPara="1" wrap="square" lIns="91425" tIns="45700" rIns="91425" bIns="45700" anchor="t" anchorCtr="0">
             <a:noAutofit/>
           </a:bodyPr>
           <a:lstStyle/>
           <a:p>
-            <a:pPr indent="0" lvl="0" marL="0" rtl="0" algn="l">
+            <a:pPr marL="0" lvl="0" indent="0" algn="l" rtl="0">
               <a:spcBef>
                 <a:spcPts val="0"/>
               </a:spcBef>
@@ -1822,9 +1866,6 @@
               </a:spcAft>
               <a:buNone/>
             </a:pPr>
-            <a:r>
-              <a:t/>
-            </a:r>
             <a:endParaRPr/>
           </a:p>
         </p:txBody>
@@ -1832,9 +1873,11 @@
       <p:sp>
         <p:nvSpPr>
           <p:cNvPr id="80" name="Google Shape;80;p4:notes"/>
-          <p:cNvSpPr/>
+          <p:cNvSpPr>
+            <a:spLocks noGrp="1" noRot="1" noChangeAspect="1"/>
+          </p:cNvSpPr>
           <p:nvPr>
-            <p:ph idx="2" type="sldImg"/>
+            <p:ph type="sldImg" idx="2"/>
           </p:nvPr>
         </p:nvSpPr>
         <p:spPr>
@@ -1843,9 +1886,13 @@
             <a:ext cx="5486400" cy="3086100"/>
           </a:xfrm>
           <a:custGeom>
-            <a:rect b="b" l="l" r="r" t="t"/>
+            <a:avLst/>
+            <a:gdLst/>
+            <a:ahLst/>
+            <a:cxnLst/>
+            <a:rect l="l" t="t" r="r" b="b"/>
             <a:pathLst>
-              <a:path extrusionOk="0" h="120000" w="120000">
+              <a:path w="120000" h="120000" extrusionOk="0">
                 <a:moveTo>
                   <a:pt x="0" y="0"/>
                 </a:moveTo>
@@ -1873,11 +1920,11 @@
 </file>
 
 <file path=ppt/notesSlides/notesSlide5.xml><?xml version="1.0" encoding="utf-8"?>
-<p:notes xmlns:a="http://schemas.openxmlformats.org/drawingml/2006/main" xmlns:r="http://schemas.openxmlformats.org/officeDocument/2006/relationships" xmlns:mc="http://schemas.openxmlformats.org/markup-compatibility/2006" xmlns:mv="urn:schemas-microsoft-com:mac:vml" xmlns:p="http://schemas.openxmlformats.org/presentationml/2006/main" xmlns:c="http://schemas.openxmlformats.org/drawingml/2006/chart" xmlns:dgm="http://schemas.openxmlformats.org/drawingml/2006/diagram" xmlns:o="urn:schemas-microsoft-com:office:office" xmlns:v="urn:schemas-microsoft-com:vml" xmlns:pvml="urn:schemas-microsoft-com:office:powerpoint" xmlns:com="http://schemas.openxmlformats.org/drawingml/2006/compatibility" xmlns:p14="http://schemas.microsoft.com/office/powerpoint/2010/main" xmlns:p15="http://schemas.microsoft.com/office/powerpoint/2012/main" xmlns:ahyp="http://schemas.microsoft.com/office/drawing/2018/hyperlinkcolor" showMasterPhAnim="0" showMasterSp="0">
+<p:notes xmlns:a="http://schemas.openxmlformats.org/drawingml/2006/main" xmlns:r="http://schemas.openxmlformats.org/officeDocument/2006/relationships" xmlns:p="http://schemas.openxmlformats.org/presentationml/2006/main" showMasterSp="0" showMasterPhAnim="0">
   <p:cSld>
     <p:spTree>
       <p:nvGrpSpPr>
-        <p:cNvPr id="84" name="Shape 84"/>
+        <p:cNvPr id="1" name="Shape 84"/>
         <p:cNvGrpSpPr/>
         <p:nvPr/>
       </p:nvGrpSpPr>
@@ -1892,9 +1939,11 @@
       <p:sp>
         <p:nvSpPr>
           <p:cNvPr id="85" name="Google Shape;85;p5:notes"/>
-          <p:cNvSpPr txBox="1"/>
+          <p:cNvSpPr txBox="1">
+            <a:spLocks noGrp="1"/>
+          </p:cNvSpPr>
           <p:nvPr>
-            <p:ph idx="1" type="body"/>
+            <p:ph type="body" idx="1"/>
           </p:nvPr>
         </p:nvSpPr>
         <p:spPr>
@@ -1907,12 +1956,12 @@
           </a:prstGeom>
         </p:spPr>
         <p:txBody>
-          <a:bodyPr anchorCtr="0" anchor="t" bIns="45700" lIns="91425" spcFirstLastPara="1" rIns="91425" wrap="square" tIns="45700">
+          <a:bodyPr spcFirstLastPara="1" wrap="square" lIns="91425" tIns="45700" rIns="91425" bIns="45700" anchor="t" anchorCtr="0">
             <a:noAutofit/>
           </a:bodyPr>
           <a:lstStyle/>
           <a:p>
-            <a:pPr indent="0" lvl="0" marL="0" rtl="0" algn="l">
+            <a:pPr marL="0" lvl="0" indent="0" algn="l" rtl="0">
               <a:spcBef>
                 <a:spcPts val="0"/>
               </a:spcBef>
@@ -1921,9 +1970,6 @@
               </a:spcAft>
               <a:buNone/>
             </a:pPr>
-            <a:r>
-              <a:t/>
-            </a:r>
             <a:endParaRPr/>
           </a:p>
         </p:txBody>
@@ -1931,9 +1977,11 @@
       <p:sp>
         <p:nvSpPr>
           <p:cNvPr id="86" name="Google Shape;86;p5:notes"/>
-          <p:cNvSpPr/>
+          <p:cNvSpPr>
+            <a:spLocks noGrp="1" noRot="1" noChangeAspect="1"/>
+          </p:cNvSpPr>
           <p:nvPr>
-            <p:ph idx="2" type="sldImg"/>
+            <p:ph type="sldImg" idx="2"/>
           </p:nvPr>
         </p:nvSpPr>
         <p:spPr>
@@ -1942,9 +1990,13 @@
             <a:ext cx="5486400" cy="3086100"/>
           </a:xfrm>
           <a:custGeom>
-            <a:rect b="b" l="l" r="r" t="t"/>
+            <a:avLst/>
+            <a:gdLst/>
+            <a:ahLst/>
+            <a:cxnLst/>
+            <a:rect l="l" t="t" r="r" b="b"/>
             <a:pathLst>
-              <a:path extrusionOk="0" h="120000" w="120000">
+              <a:path w="120000" h="120000" extrusionOk="0">
                 <a:moveTo>
                   <a:pt x="0" y="0"/>
                 </a:moveTo>
@@ -1972,11 +2024,11 @@
 </file>
 
 <file path=ppt/notesSlides/notesSlide6.xml><?xml version="1.0" encoding="utf-8"?>
-<p:notes xmlns:a="http://schemas.openxmlformats.org/drawingml/2006/main" xmlns:r="http://schemas.openxmlformats.org/officeDocument/2006/relationships" xmlns:mc="http://schemas.openxmlformats.org/markup-compatibility/2006" xmlns:mv="urn:schemas-microsoft-com:mac:vml" xmlns:p="http://schemas.openxmlformats.org/presentationml/2006/main" xmlns:c="http://schemas.openxmlformats.org/drawingml/2006/chart" xmlns:dgm="http://schemas.openxmlformats.org/drawingml/2006/diagram" xmlns:o="urn:schemas-microsoft-com:office:office" xmlns:v="urn:schemas-microsoft-com:vml" xmlns:pvml="urn:schemas-microsoft-com:office:powerpoint" xmlns:com="http://schemas.openxmlformats.org/drawingml/2006/compatibility" xmlns:p14="http://schemas.microsoft.com/office/powerpoint/2010/main" xmlns:p15="http://schemas.microsoft.com/office/powerpoint/2012/main" xmlns:ahyp="http://schemas.microsoft.com/office/drawing/2018/hyperlinkcolor" showMasterPhAnim="0" showMasterSp="0">
+<p:notes xmlns:a="http://schemas.openxmlformats.org/drawingml/2006/main" xmlns:r="http://schemas.openxmlformats.org/officeDocument/2006/relationships" xmlns:p="http://schemas.openxmlformats.org/presentationml/2006/main" showMasterSp="0" showMasterPhAnim="0">
   <p:cSld>
     <p:spTree>
       <p:nvGrpSpPr>
-        <p:cNvPr id="90" name="Shape 90"/>
+        <p:cNvPr id="1" name="Shape 90"/>
         <p:cNvGrpSpPr/>
         <p:nvPr/>
       </p:nvGrpSpPr>
@@ -1991,9 +2043,11 @@
       <p:sp>
         <p:nvSpPr>
           <p:cNvPr id="91" name="Google Shape;91;p6:notes"/>
-          <p:cNvSpPr txBox="1"/>
+          <p:cNvSpPr txBox="1">
+            <a:spLocks noGrp="1"/>
+          </p:cNvSpPr>
           <p:nvPr>
-            <p:ph idx="1" type="body"/>
+            <p:ph type="body" idx="1"/>
           </p:nvPr>
         </p:nvSpPr>
         <p:spPr>
@@ -2006,12 +2060,12 @@
           </a:prstGeom>
         </p:spPr>
         <p:txBody>
-          <a:bodyPr anchorCtr="0" anchor="t" bIns="45700" lIns="91425" spcFirstLastPara="1" rIns="91425" wrap="square" tIns="45700">
+          <a:bodyPr spcFirstLastPara="1" wrap="square" lIns="91425" tIns="45700" rIns="91425" bIns="45700" anchor="t" anchorCtr="0">
             <a:noAutofit/>
           </a:bodyPr>
           <a:lstStyle/>
           <a:p>
-            <a:pPr indent="0" lvl="0" marL="0" rtl="0" algn="l">
+            <a:pPr marL="0" lvl="0" indent="0" algn="l" rtl="0">
               <a:spcBef>
                 <a:spcPts val="0"/>
               </a:spcBef>
@@ -2020,9 +2074,6 @@
               </a:spcAft>
               <a:buNone/>
             </a:pPr>
-            <a:r>
-              <a:t/>
-            </a:r>
             <a:endParaRPr/>
           </a:p>
         </p:txBody>
@@ -2030,9 +2081,11 @@
       <p:sp>
         <p:nvSpPr>
           <p:cNvPr id="92" name="Google Shape;92;p6:notes"/>
-          <p:cNvSpPr/>
+          <p:cNvSpPr>
+            <a:spLocks noGrp="1" noRot="1" noChangeAspect="1"/>
+          </p:cNvSpPr>
           <p:nvPr>
-            <p:ph idx="2" type="sldImg"/>
+            <p:ph type="sldImg" idx="2"/>
           </p:nvPr>
         </p:nvSpPr>
         <p:spPr>
@@ -2041,9 +2094,13 @@
             <a:ext cx="5486400" cy="3086100"/>
           </a:xfrm>
           <a:custGeom>
-            <a:rect b="b" l="l" r="r" t="t"/>
+            <a:avLst/>
+            <a:gdLst/>
+            <a:ahLst/>
+            <a:cxnLst/>
+            <a:rect l="l" t="t" r="r" b="b"/>
             <a:pathLst>
-              <a:path extrusionOk="0" h="120000" w="120000">
+              <a:path w="120000" h="120000" extrusionOk="0">
                 <a:moveTo>
                   <a:pt x="0" y="0"/>
                 </a:moveTo>
@@ -2071,11 +2128,11 @@
 </file>
 
 <file path=ppt/notesSlides/notesSlide7.xml><?xml version="1.0" encoding="utf-8"?>
-<p:notes xmlns:a="http://schemas.openxmlformats.org/drawingml/2006/main" xmlns:r="http://schemas.openxmlformats.org/officeDocument/2006/relationships" xmlns:mc="http://schemas.openxmlformats.org/markup-compatibility/2006" xmlns:mv="urn:schemas-microsoft-com:mac:vml" xmlns:p="http://schemas.openxmlformats.org/presentationml/2006/main" xmlns:c="http://schemas.openxmlformats.org/drawingml/2006/chart" xmlns:dgm="http://schemas.openxmlformats.org/drawingml/2006/diagram" xmlns:o="urn:schemas-microsoft-com:office:office" xmlns:v="urn:schemas-microsoft-com:vml" xmlns:pvml="urn:schemas-microsoft-com:office:powerpoint" xmlns:com="http://schemas.openxmlformats.org/drawingml/2006/compatibility" xmlns:p14="http://schemas.microsoft.com/office/powerpoint/2010/main" xmlns:p15="http://schemas.microsoft.com/office/powerpoint/2012/main" xmlns:ahyp="http://schemas.microsoft.com/office/drawing/2018/hyperlinkcolor" showMasterPhAnim="0" showMasterSp="0">
+<p:notes xmlns:a="http://schemas.openxmlformats.org/drawingml/2006/main" xmlns:r="http://schemas.openxmlformats.org/officeDocument/2006/relationships" xmlns:p="http://schemas.openxmlformats.org/presentationml/2006/main" showMasterSp="0" showMasterPhAnim="0">
   <p:cSld>
     <p:spTree>
       <p:nvGrpSpPr>
-        <p:cNvPr id="97" name="Shape 97"/>
+        <p:cNvPr id="1" name="Shape 97"/>
         <p:cNvGrpSpPr/>
         <p:nvPr/>
       </p:nvGrpSpPr>
@@ -2090,9 +2147,11 @@
       <p:sp>
         <p:nvSpPr>
           <p:cNvPr id="98" name="Google Shape;98;p7:notes"/>
-          <p:cNvSpPr txBox="1"/>
+          <p:cNvSpPr txBox="1">
+            <a:spLocks noGrp="1"/>
+          </p:cNvSpPr>
           <p:nvPr>
-            <p:ph idx="1" type="body"/>
+            <p:ph type="body" idx="1"/>
           </p:nvPr>
         </p:nvSpPr>
         <p:spPr>
@@ -2105,12 +2164,12 @@
           </a:prstGeom>
         </p:spPr>
         <p:txBody>
-          <a:bodyPr anchorCtr="0" anchor="t" bIns="45700" lIns="91425" spcFirstLastPara="1" rIns="91425" wrap="square" tIns="45700">
+          <a:bodyPr spcFirstLastPara="1" wrap="square" lIns="91425" tIns="45700" rIns="91425" bIns="45700" anchor="t" anchorCtr="0">
             <a:noAutofit/>
           </a:bodyPr>
           <a:lstStyle/>
           <a:p>
-            <a:pPr indent="0" lvl="0" marL="0" rtl="0" algn="l">
+            <a:pPr marL="0" lvl="0" indent="0" algn="l" rtl="0">
               <a:spcBef>
                 <a:spcPts val="0"/>
               </a:spcBef>
@@ -2119,9 +2178,6 @@
               </a:spcAft>
               <a:buNone/>
             </a:pPr>
-            <a:r>
-              <a:t/>
-            </a:r>
             <a:endParaRPr/>
           </a:p>
         </p:txBody>
@@ -2129,9 +2185,11 @@
       <p:sp>
         <p:nvSpPr>
           <p:cNvPr id="99" name="Google Shape;99;p7:notes"/>
-          <p:cNvSpPr/>
+          <p:cNvSpPr>
+            <a:spLocks noGrp="1" noRot="1" noChangeAspect="1"/>
+          </p:cNvSpPr>
           <p:nvPr>
-            <p:ph idx="2" type="sldImg"/>
+            <p:ph type="sldImg" idx="2"/>
           </p:nvPr>
         </p:nvSpPr>
         <p:spPr>
@@ -2140,9 +2198,13 @@
             <a:ext cx="5486400" cy="3086100"/>
           </a:xfrm>
           <a:custGeom>
-            <a:rect b="b" l="l" r="r" t="t"/>
+            <a:avLst/>
+            <a:gdLst/>
+            <a:ahLst/>
+            <a:cxnLst/>
+            <a:rect l="l" t="t" r="r" b="b"/>
             <a:pathLst>
-              <a:path extrusionOk="0" h="120000" w="120000">
+              <a:path w="120000" h="120000" extrusionOk="0">
                 <a:moveTo>
                   <a:pt x="0" y="0"/>
                 </a:moveTo>
@@ -2170,11 +2232,11 @@
 </file>
 
 <file path=ppt/slideLayouts/slideLayout1.xml><?xml version="1.0" encoding="utf-8"?>
-<p:sldLayout xmlns:a="http://schemas.openxmlformats.org/drawingml/2006/main" xmlns:r="http://schemas.openxmlformats.org/officeDocument/2006/relationships" xmlns:mc="http://schemas.openxmlformats.org/markup-compatibility/2006" xmlns:mv="urn:schemas-microsoft-com:mac:vml" xmlns:p="http://schemas.openxmlformats.org/presentationml/2006/main" xmlns:c="http://schemas.openxmlformats.org/drawingml/2006/chart" xmlns:dgm="http://schemas.openxmlformats.org/drawingml/2006/diagram" xmlns:o="urn:schemas-microsoft-com:office:office" xmlns:v="urn:schemas-microsoft-com:vml" xmlns:pvml="urn:schemas-microsoft-com:office:powerpoint" xmlns:com="http://schemas.openxmlformats.org/drawingml/2006/compatibility" xmlns:p14="http://schemas.microsoft.com/office/powerpoint/2010/main" xmlns:p15="http://schemas.microsoft.com/office/powerpoint/2012/main" xmlns:ahyp="http://schemas.microsoft.com/office/drawing/2018/hyperlinkcolor" matchingName="Title slide" type="title">
+<p:sldLayout xmlns:a="http://schemas.openxmlformats.org/drawingml/2006/main" xmlns:r="http://schemas.openxmlformats.org/officeDocument/2006/relationships" xmlns:p="http://schemas.openxmlformats.org/presentationml/2006/main" matchingName="Title slide" type="title">
   <p:cSld name="TITLE">
     <p:spTree>
       <p:nvGrpSpPr>
-        <p:cNvPr id="13" name="Shape 13"/>
+        <p:cNvPr id="1" name="Shape 13"/>
         <p:cNvGrpSpPr/>
         <p:nvPr/>
       </p:nvGrpSpPr>
@@ -2189,7 +2251,9 @@
       <p:sp>
         <p:nvSpPr>
           <p:cNvPr id="14" name="Google Shape;14;p2"/>
-          <p:cNvSpPr txBox="1"/>
+          <p:cNvSpPr txBox="1">
+            <a:spLocks noGrp="1"/>
+          </p:cNvSpPr>
           <p:nvPr>
             <p:ph type="ctrTitle"/>
           </p:nvPr>
@@ -2204,7 +2268,7 @@
           </a:prstGeom>
         </p:spPr>
         <p:txBody>
-          <a:bodyPr anchorCtr="0" anchor="b" bIns="121900" lIns="121900" spcFirstLastPara="1" rIns="121900" wrap="square" tIns="121900">
+          <a:bodyPr spcFirstLastPara="1" wrap="square" lIns="121900" tIns="121900" rIns="121900" bIns="121900" anchor="b" anchorCtr="0">
             <a:normAutofit/>
           </a:bodyPr>
           <a:lstStyle>
@@ -2308,15 +2372,19 @@
               <a:defRPr sz="6900"/>
             </a:lvl9pPr>
           </a:lstStyle>
-          <a:p/>
+          <a:p>
+            <a:endParaRPr/>
+          </a:p>
         </p:txBody>
       </p:sp>
       <p:sp>
         <p:nvSpPr>
           <p:cNvPr id="15" name="Google Shape;15;p2"/>
-          <p:cNvSpPr txBox="1"/>
+          <p:cNvSpPr txBox="1">
+            <a:spLocks noGrp="1"/>
+          </p:cNvSpPr>
           <p:nvPr>
-            <p:ph idx="1" type="subTitle"/>
+            <p:ph type="subTitle" idx="1"/>
           </p:nvPr>
         </p:nvSpPr>
         <p:spPr>
@@ -2329,7 +2397,7 @@
           </a:prstGeom>
         </p:spPr>
         <p:txBody>
-          <a:bodyPr anchorCtr="0" anchor="t" bIns="121900" lIns="121900" spcFirstLastPara="1" rIns="121900" wrap="square" tIns="121900">
+          <a:bodyPr spcFirstLastPara="1" wrap="square" lIns="121900" tIns="121900" rIns="121900" bIns="121900" anchor="t" anchorCtr="0">
             <a:normAutofit/>
           </a:bodyPr>
           <a:lstStyle>
@@ -2460,15 +2528,19 @@
               <a:defRPr sz="3700"/>
             </a:lvl9pPr>
           </a:lstStyle>
-          <a:p/>
+          <a:p>
+            <a:endParaRPr/>
+          </a:p>
         </p:txBody>
       </p:sp>
       <p:sp>
         <p:nvSpPr>
           <p:cNvPr id="16" name="Google Shape;16;p2"/>
-          <p:cNvSpPr txBox="1"/>
+          <p:cNvSpPr txBox="1">
+            <a:spLocks noGrp="1"/>
+          </p:cNvSpPr>
           <p:nvPr>
-            <p:ph idx="12" type="sldNum"/>
+            <p:ph type="sldNum" idx="12"/>
           </p:nvPr>
         </p:nvSpPr>
         <p:spPr>
@@ -2481,7 +2553,7 @@
           </a:prstGeom>
         </p:spPr>
         <p:txBody>
-          <a:bodyPr anchorCtr="0" anchor="ctr" bIns="121900" lIns="121900" spcFirstLastPara="1" rIns="121900" wrap="square" tIns="121900">
+          <a:bodyPr spcFirstLastPara="1" wrap="square" lIns="121900" tIns="121900" rIns="121900" bIns="121900" anchor="ctr" anchorCtr="0">
             <a:normAutofit/>
           </a:bodyPr>
           <a:lstStyle>
@@ -2523,7 +2595,7 @@
             </a:lvl9pPr>
           </a:lstStyle>
           <a:p>
-            <a:pPr indent="0" lvl="0" marL="0" rtl="0" algn="r">
+            <a:pPr marL="0" lvl="0" indent="0" algn="r" rtl="0">
               <a:spcBef>
                 <a:spcPts val="0"/>
               </a:spcBef>
@@ -2549,11 +2621,11 @@
 </file>
 
 <file path=ppt/slideLayouts/slideLayout10.xml><?xml version="1.0" encoding="utf-8"?>
-<p:sldLayout xmlns:a="http://schemas.openxmlformats.org/drawingml/2006/main" xmlns:r="http://schemas.openxmlformats.org/officeDocument/2006/relationships" xmlns:mc="http://schemas.openxmlformats.org/markup-compatibility/2006" xmlns:mv="urn:schemas-microsoft-com:mac:vml" xmlns:p="http://schemas.openxmlformats.org/presentationml/2006/main" xmlns:c="http://schemas.openxmlformats.org/drawingml/2006/chart" xmlns:dgm="http://schemas.openxmlformats.org/drawingml/2006/diagram" xmlns:o="urn:schemas-microsoft-com:office:office" xmlns:v="urn:schemas-microsoft-com:vml" xmlns:pvml="urn:schemas-microsoft-com:office:powerpoint" xmlns:com="http://schemas.openxmlformats.org/drawingml/2006/compatibility" xmlns:p14="http://schemas.microsoft.com/office/powerpoint/2010/main" xmlns:p15="http://schemas.microsoft.com/office/powerpoint/2012/main" xmlns:ahyp="http://schemas.microsoft.com/office/drawing/2018/hyperlinkcolor" matchingName="Big number">
+<p:sldLayout xmlns:a="http://schemas.openxmlformats.org/drawingml/2006/main" xmlns:r="http://schemas.openxmlformats.org/officeDocument/2006/relationships" xmlns:p="http://schemas.openxmlformats.org/presentationml/2006/main" matchingName="Big number">
   <p:cSld name="BIG_NUMBER">
     <p:spTree>
       <p:nvGrpSpPr>
-        <p:cNvPr id="48" name="Shape 48"/>
+        <p:cNvPr id="1" name="Shape 48"/>
         <p:cNvGrpSpPr/>
         <p:nvPr/>
       </p:nvGrpSpPr>
@@ -2568,9 +2640,11 @@
       <p:sp>
         <p:nvSpPr>
           <p:cNvPr id="49" name="Google Shape;49;p11"/>
-          <p:cNvSpPr txBox="1"/>
+          <p:cNvSpPr txBox="1">
+            <a:spLocks noGrp="1"/>
+          </p:cNvSpPr>
           <p:nvPr>
-            <p:ph hasCustomPrompt="1" type="title"/>
+            <p:ph type="title" hasCustomPrompt="1"/>
           </p:nvPr>
         </p:nvSpPr>
         <p:spPr>
@@ -2583,7 +2657,7 @@
           </a:prstGeom>
         </p:spPr>
         <p:txBody>
-          <a:bodyPr anchorCtr="0" anchor="b" bIns="121900" lIns="121900" spcFirstLastPara="1" rIns="121900" wrap="square" tIns="121900">
+          <a:bodyPr spcFirstLastPara="1" wrap="square" lIns="121900" tIns="121900" rIns="121900" bIns="121900" anchor="b" anchorCtr="0">
             <a:normAutofit/>
           </a:bodyPr>
           <a:lstStyle>
@@ -2697,9 +2771,11 @@
       <p:sp>
         <p:nvSpPr>
           <p:cNvPr id="50" name="Google Shape;50;p11"/>
-          <p:cNvSpPr txBox="1"/>
+          <p:cNvSpPr txBox="1">
+            <a:spLocks noGrp="1"/>
+          </p:cNvSpPr>
           <p:nvPr>
-            <p:ph idx="1" type="body"/>
+            <p:ph type="body" idx="1"/>
           </p:nvPr>
         </p:nvSpPr>
         <p:spPr>
@@ -2712,11 +2788,11 @@
           </a:prstGeom>
         </p:spPr>
         <p:txBody>
-          <a:bodyPr anchorCtr="0" anchor="t" bIns="121900" lIns="121900" spcFirstLastPara="1" rIns="121900" wrap="square" tIns="121900">
+          <a:bodyPr spcFirstLastPara="1" wrap="square" lIns="121900" tIns="121900" rIns="121900" bIns="121900" anchor="t" anchorCtr="0">
             <a:normAutofit/>
           </a:bodyPr>
           <a:lstStyle>
-            <a:lvl1pPr indent="-381000" lvl="0" marL="457200" algn="ctr">
+            <a:lvl1pPr marL="457200" lvl="0" indent="-381000" algn="ctr">
               <a:spcBef>
                 <a:spcPts val="0"/>
               </a:spcBef>
@@ -2727,7 +2803,7 @@
               <a:buChar char="●"/>
               <a:defRPr/>
             </a:lvl1pPr>
-            <a:lvl2pPr indent="-349250" lvl="1" marL="914400" algn="ctr">
+            <a:lvl2pPr marL="914400" lvl="1" indent="-349250" algn="ctr">
               <a:spcBef>
                 <a:spcPts val="0"/>
               </a:spcBef>
@@ -2738,7 +2814,7 @@
               <a:buChar char="○"/>
               <a:defRPr/>
             </a:lvl2pPr>
-            <a:lvl3pPr indent="-349250" lvl="2" marL="1371600" algn="ctr">
+            <a:lvl3pPr marL="1371600" lvl="2" indent="-349250" algn="ctr">
               <a:spcBef>
                 <a:spcPts val="0"/>
               </a:spcBef>
@@ -2749,7 +2825,7 @@
               <a:buChar char="■"/>
               <a:defRPr/>
             </a:lvl3pPr>
-            <a:lvl4pPr indent="-349250" lvl="3" marL="1828800" algn="ctr">
+            <a:lvl4pPr marL="1828800" lvl="3" indent="-349250" algn="ctr">
               <a:spcBef>
                 <a:spcPts val="0"/>
               </a:spcBef>
@@ -2760,7 +2836,7 @@
               <a:buChar char="●"/>
               <a:defRPr/>
             </a:lvl4pPr>
-            <a:lvl5pPr indent="-349250" lvl="4" marL="2286000" algn="ctr">
+            <a:lvl5pPr marL="2286000" lvl="4" indent="-349250" algn="ctr">
               <a:spcBef>
                 <a:spcPts val="0"/>
               </a:spcBef>
@@ -2771,7 +2847,7 @@
               <a:buChar char="○"/>
               <a:defRPr/>
             </a:lvl5pPr>
-            <a:lvl6pPr indent="-349250" lvl="5" marL="2743200" algn="ctr">
+            <a:lvl6pPr marL="2743200" lvl="5" indent="-349250" algn="ctr">
               <a:spcBef>
                 <a:spcPts val="0"/>
               </a:spcBef>
@@ -2782,7 +2858,7 @@
               <a:buChar char="■"/>
               <a:defRPr/>
             </a:lvl6pPr>
-            <a:lvl7pPr indent="-349250" lvl="6" marL="3200400" algn="ctr">
+            <a:lvl7pPr marL="3200400" lvl="6" indent="-349250" algn="ctr">
               <a:spcBef>
                 <a:spcPts val="0"/>
               </a:spcBef>
@@ -2793,7 +2869,7 @@
               <a:buChar char="●"/>
               <a:defRPr/>
             </a:lvl7pPr>
-            <a:lvl8pPr indent="-349250" lvl="7" marL="3657600" algn="ctr">
+            <a:lvl8pPr marL="3657600" lvl="7" indent="-349250" algn="ctr">
               <a:spcBef>
                 <a:spcPts val="0"/>
               </a:spcBef>
@@ -2804,7 +2880,7 @@
               <a:buChar char="○"/>
               <a:defRPr/>
             </a:lvl8pPr>
-            <a:lvl9pPr indent="-349250" lvl="8" marL="4114800" algn="ctr">
+            <a:lvl9pPr marL="4114800" lvl="8" indent="-349250" algn="ctr">
               <a:spcBef>
                 <a:spcPts val="0"/>
               </a:spcBef>
@@ -2816,15 +2892,19 @@
               <a:defRPr/>
             </a:lvl9pPr>
           </a:lstStyle>
-          <a:p/>
+          <a:p>
+            <a:endParaRPr/>
+          </a:p>
         </p:txBody>
       </p:sp>
       <p:sp>
         <p:nvSpPr>
           <p:cNvPr id="51" name="Google Shape;51;p11"/>
-          <p:cNvSpPr txBox="1"/>
+          <p:cNvSpPr txBox="1">
+            <a:spLocks noGrp="1"/>
+          </p:cNvSpPr>
           <p:nvPr>
-            <p:ph idx="12" type="sldNum"/>
+            <p:ph type="sldNum" idx="12"/>
           </p:nvPr>
         </p:nvSpPr>
         <p:spPr>
@@ -2837,7 +2917,7 @@
           </a:prstGeom>
         </p:spPr>
         <p:txBody>
-          <a:bodyPr anchorCtr="0" anchor="ctr" bIns="121900" lIns="121900" spcFirstLastPara="1" rIns="121900" wrap="square" tIns="121900">
+          <a:bodyPr spcFirstLastPara="1" wrap="square" lIns="121900" tIns="121900" rIns="121900" bIns="121900" anchor="ctr" anchorCtr="0">
             <a:normAutofit/>
           </a:bodyPr>
           <a:lstStyle>
@@ -2879,7 +2959,7 @@
             </a:lvl9pPr>
           </a:lstStyle>
           <a:p>
-            <a:pPr indent="0" lvl="0" marL="0" rtl="0" algn="r">
+            <a:pPr marL="0" lvl="0" indent="0" algn="r" rtl="0">
               <a:spcBef>
                 <a:spcPts val="0"/>
               </a:spcBef>
@@ -2905,11 +2985,11 @@
 </file>
 
 <file path=ppt/slideLayouts/slideLayout11.xml><?xml version="1.0" encoding="utf-8"?>
-<p:sldLayout xmlns:a="http://schemas.openxmlformats.org/drawingml/2006/main" xmlns:r="http://schemas.openxmlformats.org/officeDocument/2006/relationships" xmlns:mc="http://schemas.openxmlformats.org/markup-compatibility/2006" xmlns:mv="urn:schemas-microsoft-com:mac:vml" xmlns:p="http://schemas.openxmlformats.org/presentationml/2006/main" xmlns:c="http://schemas.openxmlformats.org/drawingml/2006/chart" xmlns:dgm="http://schemas.openxmlformats.org/drawingml/2006/diagram" xmlns:o="urn:schemas-microsoft-com:office:office" xmlns:v="urn:schemas-microsoft-com:vml" xmlns:pvml="urn:schemas-microsoft-com:office:powerpoint" xmlns:com="http://schemas.openxmlformats.org/drawingml/2006/compatibility" xmlns:p14="http://schemas.microsoft.com/office/powerpoint/2010/main" xmlns:p15="http://schemas.microsoft.com/office/powerpoint/2012/main" xmlns:ahyp="http://schemas.microsoft.com/office/drawing/2018/hyperlinkcolor" matchingName="Blank" type="blank">
+<p:sldLayout xmlns:a="http://schemas.openxmlformats.org/drawingml/2006/main" xmlns:r="http://schemas.openxmlformats.org/officeDocument/2006/relationships" xmlns:p="http://schemas.openxmlformats.org/presentationml/2006/main" matchingName="Blank" type="blank">
   <p:cSld name="BLANK">
     <p:spTree>
       <p:nvGrpSpPr>
-        <p:cNvPr id="52" name="Shape 52"/>
+        <p:cNvPr id="1" name="Shape 52"/>
         <p:cNvGrpSpPr/>
         <p:nvPr/>
       </p:nvGrpSpPr>
@@ -2924,9 +3004,11 @@
       <p:sp>
         <p:nvSpPr>
           <p:cNvPr id="53" name="Google Shape;53;p12"/>
-          <p:cNvSpPr txBox="1"/>
+          <p:cNvSpPr txBox="1">
+            <a:spLocks noGrp="1"/>
+          </p:cNvSpPr>
           <p:nvPr>
-            <p:ph idx="12" type="sldNum"/>
+            <p:ph type="sldNum" idx="12"/>
           </p:nvPr>
         </p:nvSpPr>
         <p:spPr>
@@ -2939,7 +3021,7 @@
           </a:prstGeom>
         </p:spPr>
         <p:txBody>
-          <a:bodyPr anchorCtr="0" anchor="ctr" bIns="121900" lIns="121900" spcFirstLastPara="1" rIns="121900" wrap="square" tIns="121900">
+          <a:bodyPr spcFirstLastPara="1" wrap="square" lIns="121900" tIns="121900" rIns="121900" bIns="121900" anchor="ctr" anchorCtr="0">
             <a:normAutofit/>
           </a:bodyPr>
           <a:lstStyle>
@@ -2981,7 +3063,7 @@
             </a:lvl9pPr>
           </a:lstStyle>
           <a:p>
-            <a:pPr indent="0" lvl="0" marL="0" rtl="0" algn="r">
+            <a:pPr marL="0" lvl="0" indent="0" algn="r" rtl="0">
               <a:spcBef>
                 <a:spcPts val="0"/>
               </a:spcBef>
@@ -3041,14 +3123,14 @@
             <a:avLst/>
           </a:prstGeom>
           <a:noFill/>
-          <a:ln cap="flat" cmpd="sng" w="9525">
+          <a:ln w="9525" cap="flat" cmpd="sng">
             <a:solidFill>
               <a:schemeClr val="dk1"/>
             </a:solidFill>
             <a:prstDash val="solid"/>
             <a:round/>
-            <a:headEnd len="med" w="med" type="none"/>
-            <a:tailEnd len="med" w="med" type="none"/>
+            <a:headEnd type="none" w="med" len="med"/>
+            <a:tailEnd type="none" w="med" len="med"/>
           </a:ln>
         </p:spPr>
       </p:cxnSp>
@@ -3145,11 +3227,11 @@
 </file>
 
 <file path=ppt/slideLayouts/slideLayout2.xml><?xml version="1.0" encoding="utf-8"?>
-<p:sldLayout xmlns:a="http://schemas.openxmlformats.org/drawingml/2006/main" xmlns:r="http://schemas.openxmlformats.org/officeDocument/2006/relationships" xmlns:mc="http://schemas.openxmlformats.org/markup-compatibility/2006" xmlns:mv="urn:schemas-microsoft-com:mac:vml" xmlns:p="http://schemas.openxmlformats.org/presentationml/2006/main" xmlns:c="http://schemas.openxmlformats.org/drawingml/2006/chart" xmlns:dgm="http://schemas.openxmlformats.org/drawingml/2006/diagram" xmlns:o="urn:schemas-microsoft-com:office:office" xmlns:v="urn:schemas-microsoft-com:vml" xmlns:pvml="urn:schemas-microsoft-com:office:powerpoint" xmlns:com="http://schemas.openxmlformats.org/drawingml/2006/compatibility" xmlns:p14="http://schemas.microsoft.com/office/powerpoint/2010/main" xmlns:p15="http://schemas.microsoft.com/office/powerpoint/2012/main" xmlns:ahyp="http://schemas.microsoft.com/office/drawing/2018/hyperlinkcolor" matchingName="Section header" type="secHead">
+<p:sldLayout xmlns:a="http://schemas.openxmlformats.org/drawingml/2006/main" xmlns:r="http://schemas.openxmlformats.org/officeDocument/2006/relationships" xmlns:p="http://schemas.openxmlformats.org/presentationml/2006/main" matchingName="Section header" type="secHead">
   <p:cSld name="SECTION_HEADER">
     <p:spTree>
       <p:nvGrpSpPr>
-        <p:cNvPr id="17" name="Shape 17"/>
+        <p:cNvPr id="1" name="Shape 17"/>
         <p:cNvGrpSpPr/>
         <p:nvPr/>
       </p:nvGrpSpPr>
@@ -3164,7 +3246,9 @@
       <p:sp>
         <p:nvSpPr>
           <p:cNvPr id="18" name="Google Shape;18;p3"/>
-          <p:cNvSpPr txBox="1"/>
+          <p:cNvSpPr txBox="1">
+            <a:spLocks noGrp="1"/>
+          </p:cNvSpPr>
           <p:nvPr>
             <p:ph type="title"/>
           </p:nvPr>
@@ -3179,7 +3263,7 @@
           </a:prstGeom>
         </p:spPr>
         <p:txBody>
-          <a:bodyPr anchorCtr="0" anchor="ctr" bIns="121900" lIns="121900" spcFirstLastPara="1" rIns="121900" wrap="square" tIns="121900">
+          <a:bodyPr spcFirstLastPara="1" wrap="square" lIns="121900" tIns="121900" rIns="121900" bIns="121900" anchor="ctr" anchorCtr="0">
             <a:normAutofit/>
           </a:bodyPr>
           <a:lstStyle>
@@ -3283,15 +3367,19 @@
               <a:defRPr sz="4800"/>
             </a:lvl9pPr>
           </a:lstStyle>
-          <a:p/>
+          <a:p>
+            <a:endParaRPr/>
+          </a:p>
         </p:txBody>
       </p:sp>
       <p:sp>
         <p:nvSpPr>
           <p:cNvPr id="19" name="Google Shape;19;p3"/>
-          <p:cNvSpPr txBox="1"/>
+          <p:cNvSpPr txBox="1">
+            <a:spLocks noGrp="1"/>
+          </p:cNvSpPr>
           <p:nvPr>
-            <p:ph idx="12" type="sldNum"/>
+            <p:ph type="sldNum" idx="12"/>
           </p:nvPr>
         </p:nvSpPr>
         <p:spPr>
@@ -3304,7 +3392,7 @@
           </a:prstGeom>
         </p:spPr>
         <p:txBody>
-          <a:bodyPr anchorCtr="0" anchor="ctr" bIns="121900" lIns="121900" spcFirstLastPara="1" rIns="121900" wrap="square" tIns="121900">
+          <a:bodyPr spcFirstLastPara="1" wrap="square" lIns="121900" tIns="121900" rIns="121900" bIns="121900" anchor="ctr" anchorCtr="0">
             <a:normAutofit/>
           </a:bodyPr>
           <a:lstStyle>
@@ -3346,7 +3434,7 @@
             </a:lvl9pPr>
           </a:lstStyle>
           <a:p>
-            <a:pPr indent="0" lvl="0" marL="0" rtl="0" algn="r">
+            <a:pPr marL="0" lvl="0" indent="0" algn="r" rtl="0">
               <a:spcBef>
                 <a:spcPts val="0"/>
               </a:spcBef>
@@ -3372,11 +3460,11 @@
 </file>
 
 <file path=ppt/slideLayouts/slideLayout3.xml><?xml version="1.0" encoding="utf-8"?>
-<p:sldLayout xmlns:a="http://schemas.openxmlformats.org/drawingml/2006/main" xmlns:r="http://schemas.openxmlformats.org/officeDocument/2006/relationships" xmlns:mc="http://schemas.openxmlformats.org/markup-compatibility/2006" xmlns:mv="urn:schemas-microsoft-com:mac:vml" xmlns:p="http://schemas.openxmlformats.org/presentationml/2006/main" xmlns:c="http://schemas.openxmlformats.org/drawingml/2006/chart" xmlns:dgm="http://schemas.openxmlformats.org/drawingml/2006/diagram" xmlns:o="urn:schemas-microsoft-com:office:office" xmlns:v="urn:schemas-microsoft-com:vml" xmlns:pvml="urn:schemas-microsoft-com:office:powerpoint" xmlns:com="http://schemas.openxmlformats.org/drawingml/2006/compatibility" xmlns:p14="http://schemas.microsoft.com/office/powerpoint/2010/main" xmlns:p15="http://schemas.microsoft.com/office/powerpoint/2012/main" xmlns:ahyp="http://schemas.microsoft.com/office/drawing/2018/hyperlinkcolor" matchingName="Title and body" type="tx">
+<p:sldLayout xmlns:a="http://schemas.openxmlformats.org/drawingml/2006/main" xmlns:r="http://schemas.openxmlformats.org/officeDocument/2006/relationships" xmlns:p="http://schemas.openxmlformats.org/presentationml/2006/main" matchingName="Title and body" type="tx">
   <p:cSld name="TITLE_AND_BODY">
     <p:spTree>
       <p:nvGrpSpPr>
-        <p:cNvPr id="20" name="Shape 20"/>
+        <p:cNvPr id="1" name="Shape 20"/>
         <p:cNvGrpSpPr/>
         <p:nvPr/>
       </p:nvGrpSpPr>
@@ -3391,7 +3479,9 @@
       <p:sp>
         <p:nvSpPr>
           <p:cNvPr id="21" name="Google Shape;21;p4"/>
-          <p:cNvSpPr txBox="1"/>
+          <p:cNvSpPr txBox="1">
+            <a:spLocks noGrp="1"/>
+          </p:cNvSpPr>
           <p:nvPr>
             <p:ph type="title"/>
           </p:nvPr>
@@ -3406,7 +3496,7 @@
           </a:prstGeom>
         </p:spPr>
         <p:txBody>
-          <a:bodyPr anchorCtr="0" anchor="t" bIns="121900" lIns="121900" spcFirstLastPara="1" rIns="121900" wrap="square" tIns="121900">
+          <a:bodyPr spcFirstLastPara="1" wrap="square" lIns="121900" tIns="121900" rIns="121900" bIns="121900" anchor="t" anchorCtr="0">
             <a:normAutofit/>
           </a:bodyPr>
           <a:lstStyle>
@@ -3510,15 +3600,19 @@
               <a:defRPr/>
             </a:lvl9pPr>
           </a:lstStyle>
-          <a:p/>
+          <a:p>
+            <a:endParaRPr/>
+          </a:p>
         </p:txBody>
       </p:sp>
       <p:sp>
         <p:nvSpPr>
           <p:cNvPr id="22" name="Google Shape;22;p4"/>
-          <p:cNvSpPr txBox="1"/>
+          <p:cNvSpPr txBox="1">
+            <a:spLocks noGrp="1"/>
+          </p:cNvSpPr>
           <p:nvPr>
-            <p:ph idx="1" type="body"/>
+            <p:ph type="body" idx="1"/>
           </p:nvPr>
         </p:nvSpPr>
         <p:spPr>
@@ -3531,11 +3625,11 @@
           </a:prstGeom>
         </p:spPr>
         <p:txBody>
-          <a:bodyPr anchorCtr="0" anchor="t" bIns="121900" lIns="121900" spcFirstLastPara="1" rIns="121900" wrap="square" tIns="121900">
+          <a:bodyPr spcFirstLastPara="1" wrap="square" lIns="121900" tIns="121900" rIns="121900" bIns="121900" anchor="t" anchorCtr="0">
             <a:normAutofit/>
           </a:bodyPr>
           <a:lstStyle>
-            <a:lvl1pPr indent="-381000" lvl="0" marL="457200">
+            <a:lvl1pPr marL="457200" lvl="0" indent="-381000">
               <a:spcBef>
                 <a:spcPts val="0"/>
               </a:spcBef>
@@ -3546,7 +3640,7 @@
               <a:buChar char="●"/>
               <a:defRPr/>
             </a:lvl1pPr>
-            <a:lvl2pPr indent="-349250" lvl="1" marL="914400">
+            <a:lvl2pPr marL="914400" lvl="1" indent="-349250">
               <a:spcBef>
                 <a:spcPts val="0"/>
               </a:spcBef>
@@ -3557,7 +3651,7 @@
               <a:buChar char="○"/>
               <a:defRPr/>
             </a:lvl2pPr>
-            <a:lvl3pPr indent="-349250" lvl="2" marL="1371600">
+            <a:lvl3pPr marL="1371600" lvl="2" indent="-349250">
               <a:spcBef>
                 <a:spcPts val="0"/>
               </a:spcBef>
@@ -3568,7 +3662,7 @@
               <a:buChar char="■"/>
               <a:defRPr/>
             </a:lvl3pPr>
-            <a:lvl4pPr indent="-349250" lvl="3" marL="1828800">
+            <a:lvl4pPr marL="1828800" lvl="3" indent="-349250">
               <a:spcBef>
                 <a:spcPts val="0"/>
               </a:spcBef>
@@ -3579,7 +3673,7 @@
               <a:buChar char="●"/>
               <a:defRPr/>
             </a:lvl4pPr>
-            <a:lvl5pPr indent="-349250" lvl="4" marL="2286000">
+            <a:lvl5pPr marL="2286000" lvl="4" indent="-349250">
               <a:spcBef>
                 <a:spcPts val="0"/>
               </a:spcBef>
@@ -3590,7 +3684,7 @@
               <a:buChar char="○"/>
               <a:defRPr/>
             </a:lvl5pPr>
-            <a:lvl6pPr indent="-349250" lvl="5" marL="2743200">
+            <a:lvl6pPr marL="2743200" lvl="5" indent="-349250">
               <a:spcBef>
                 <a:spcPts val="0"/>
               </a:spcBef>
@@ -3601,7 +3695,7 @@
               <a:buChar char="■"/>
               <a:defRPr/>
             </a:lvl6pPr>
-            <a:lvl7pPr indent="-349250" lvl="6" marL="3200400">
+            <a:lvl7pPr marL="3200400" lvl="6" indent="-349250">
               <a:spcBef>
                 <a:spcPts val="0"/>
               </a:spcBef>
@@ -3612,7 +3706,7 @@
               <a:buChar char="●"/>
               <a:defRPr/>
             </a:lvl7pPr>
-            <a:lvl8pPr indent="-349250" lvl="7" marL="3657600">
+            <a:lvl8pPr marL="3657600" lvl="7" indent="-349250">
               <a:spcBef>
                 <a:spcPts val="0"/>
               </a:spcBef>
@@ -3623,7 +3717,7 @@
               <a:buChar char="○"/>
               <a:defRPr/>
             </a:lvl8pPr>
-            <a:lvl9pPr indent="-349250" lvl="8" marL="4114800">
+            <a:lvl9pPr marL="4114800" lvl="8" indent="-349250">
               <a:spcBef>
                 <a:spcPts val="0"/>
               </a:spcBef>
@@ -3635,15 +3729,19 @@
               <a:defRPr/>
             </a:lvl9pPr>
           </a:lstStyle>
-          <a:p/>
+          <a:p>
+            <a:endParaRPr/>
+          </a:p>
         </p:txBody>
       </p:sp>
       <p:sp>
         <p:nvSpPr>
           <p:cNvPr id="23" name="Google Shape;23;p4"/>
-          <p:cNvSpPr txBox="1"/>
+          <p:cNvSpPr txBox="1">
+            <a:spLocks noGrp="1"/>
+          </p:cNvSpPr>
           <p:nvPr>
-            <p:ph idx="12" type="sldNum"/>
+            <p:ph type="sldNum" idx="12"/>
           </p:nvPr>
         </p:nvSpPr>
         <p:spPr>
@@ -3656,7 +3754,7 @@
           </a:prstGeom>
         </p:spPr>
         <p:txBody>
-          <a:bodyPr anchorCtr="0" anchor="ctr" bIns="121900" lIns="121900" spcFirstLastPara="1" rIns="121900" wrap="square" tIns="121900">
+          <a:bodyPr spcFirstLastPara="1" wrap="square" lIns="121900" tIns="121900" rIns="121900" bIns="121900" anchor="ctr" anchorCtr="0">
             <a:normAutofit/>
           </a:bodyPr>
           <a:lstStyle>
@@ -3698,7 +3796,7 @@
             </a:lvl9pPr>
           </a:lstStyle>
           <a:p>
-            <a:pPr indent="0" lvl="0" marL="0" rtl="0" algn="r">
+            <a:pPr marL="0" lvl="0" indent="0" algn="r" rtl="0">
               <a:spcBef>
                 <a:spcPts val="0"/>
               </a:spcBef>
@@ -3724,11 +3822,11 @@
 </file>
 
 <file path=ppt/slideLayouts/slideLayout4.xml><?xml version="1.0" encoding="utf-8"?>
-<p:sldLayout xmlns:a="http://schemas.openxmlformats.org/drawingml/2006/main" xmlns:r="http://schemas.openxmlformats.org/officeDocument/2006/relationships" xmlns:mc="http://schemas.openxmlformats.org/markup-compatibility/2006" xmlns:mv="urn:schemas-microsoft-com:mac:vml" xmlns:p="http://schemas.openxmlformats.org/presentationml/2006/main" xmlns:c="http://schemas.openxmlformats.org/drawingml/2006/chart" xmlns:dgm="http://schemas.openxmlformats.org/drawingml/2006/diagram" xmlns:o="urn:schemas-microsoft-com:office:office" xmlns:v="urn:schemas-microsoft-com:vml" xmlns:pvml="urn:schemas-microsoft-com:office:powerpoint" xmlns:com="http://schemas.openxmlformats.org/drawingml/2006/compatibility" xmlns:p14="http://schemas.microsoft.com/office/powerpoint/2010/main" xmlns:p15="http://schemas.microsoft.com/office/powerpoint/2012/main" xmlns:ahyp="http://schemas.microsoft.com/office/drawing/2018/hyperlinkcolor" matchingName="Title and two columns" type="twoColTx">
+<p:sldLayout xmlns:a="http://schemas.openxmlformats.org/drawingml/2006/main" xmlns:r="http://schemas.openxmlformats.org/officeDocument/2006/relationships" xmlns:p="http://schemas.openxmlformats.org/presentationml/2006/main" matchingName="Title and two columns" type="twoColTx">
   <p:cSld name="TITLE_AND_TWO_COLUMNS">
     <p:spTree>
       <p:nvGrpSpPr>
-        <p:cNvPr id="24" name="Shape 24"/>
+        <p:cNvPr id="1" name="Shape 24"/>
         <p:cNvGrpSpPr/>
         <p:nvPr/>
       </p:nvGrpSpPr>
@@ -3743,7 +3841,9 @@
       <p:sp>
         <p:nvSpPr>
           <p:cNvPr id="25" name="Google Shape;25;p5"/>
-          <p:cNvSpPr txBox="1"/>
+          <p:cNvSpPr txBox="1">
+            <a:spLocks noGrp="1"/>
+          </p:cNvSpPr>
           <p:nvPr>
             <p:ph type="title"/>
           </p:nvPr>
@@ -3758,7 +3858,7 @@
           </a:prstGeom>
         </p:spPr>
         <p:txBody>
-          <a:bodyPr anchorCtr="0" anchor="t" bIns="121900" lIns="121900" spcFirstLastPara="1" rIns="121900" wrap="square" tIns="121900">
+          <a:bodyPr spcFirstLastPara="1" wrap="square" lIns="121900" tIns="121900" rIns="121900" bIns="121900" anchor="t" anchorCtr="0">
             <a:normAutofit/>
           </a:bodyPr>
           <a:lstStyle>
@@ -3862,15 +3962,19 @@
               <a:defRPr/>
             </a:lvl9pPr>
           </a:lstStyle>
-          <a:p/>
+          <a:p>
+            <a:endParaRPr/>
+          </a:p>
         </p:txBody>
       </p:sp>
       <p:sp>
         <p:nvSpPr>
           <p:cNvPr id="26" name="Google Shape;26;p5"/>
-          <p:cNvSpPr txBox="1"/>
+          <p:cNvSpPr txBox="1">
+            <a:spLocks noGrp="1"/>
+          </p:cNvSpPr>
           <p:nvPr>
-            <p:ph idx="1" type="body"/>
+            <p:ph type="body" idx="1"/>
           </p:nvPr>
         </p:nvSpPr>
         <p:spPr>
@@ -3883,11 +3987,11 @@
           </a:prstGeom>
         </p:spPr>
         <p:txBody>
-          <a:bodyPr anchorCtr="0" anchor="t" bIns="121900" lIns="121900" spcFirstLastPara="1" rIns="121900" wrap="square" tIns="121900">
+          <a:bodyPr spcFirstLastPara="1" wrap="square" lIns="121900" tIns="121900" rIns="121900" bIns="121900" anchor="t" anchorCtr="0">
             <a:normAutofit/>
           </a:bodyPr>
           <a:lstStyle>
-            <a:lvl1pPr indent="-349250" lvl="0" marL="457200">
+            <a:lvl1pPr marL="457200" lvl="0" indent="-349250">
               <a:spcBef>
                 <a:spcPts val="0"/>
               </a:spcBef>
@@ -3898,7 +4002,7 @@
               <a:buChar char="●"/>
               <a:defRPr sz="1900"/>
             </a:lvl1pPr>
-            <a:lvl2pPr indent="-330200" lvl="1" marL="914400">
+            <a:lvl2pPr marL="914400" lvl="1" indent="-330200">
               <a:spcBef>
                 <a:spcPts val="0"/>
               </a:spcBef>
@@ -3909,7 +4013,7 @@
               <a:buChar char="○"/>
               <a:defRPr sz="1600"/>
             </a:lvl2pPr>
-            <a:lvl3pPr indent="-330200" lvl="2" marL="1371600">
+            <a:lvl3pPr marL="1371600" lvl="2" indent="-330200">
               <a:spcBef>
                 <a:spcPts val="0"/>
               </a:spcBef>
@@ -3920,7 +4024,7 @@
               <a:buChar char="■"/>
               <a:defRPr sz="1600"/>
             </a:lvl3pPr>
-            <a:lvl4pPr indent="-330200" lvl="3" marL="1828800">
+            <a:lvl4pPr marL="1828800" lvl="3" indent="-330200">
               <a:spcBef>
                 <a:spcPts val="0"/>
               </a:spcBef>
@@ -3931,7 +4035,7 @@
               <a:buChar char="●"/>
               <a:defRPr sz="1600"/>
             </a:lvl4pPr>
-            <a:lvl5pPr indent="-330200" lvl="4" marL="2286000">
+            <a:lvl5pPr marL="2286000" lvl="4" indent="-330200">
               <a:spcBef>
                 <a:spcPts val="0"/>
               </a:spcBef>
@@ -3942,7 +4046,7 @@
               <a:buChar char="○"/>
               <a:defRPr sz="1600"/>
             </a:lvl5pPr>
-            <a:lvl6pPr indent="-330200" lvl="5" marL="2743200">
+            <a:lvl6pPr marL="2743200" lvl="5" indent="-330200">
               <a:spcBef>
                 <a:spcPts val="0"/>
               </a:spcBef>
@@ -3953,7 +4057,7 @@
               <a:buChar char="■"/>
               <a:defRPr sz="1600"/>
             </a:lvl6pPr>
-            <a:lvl7pPr indent="-330200" lvl="6" marL="3200400">
+            <a:lvl7pPr marL="3200400" lvl="6" indent="-330200">
               <a:spcBef>
                 <a:spcPts val="0"/>
               </a:spcBef>
@@ -3964,7 +4068,7 @@
               <a:buChar char="●"/>
               <a:defRPr sz="1600"/>
             </a:lvl7pPr>
-            <a:lvl8pPr indent="-330200" lvl="7" marL="3657600">
+            <a:lvl8pPr marL="3657600" lvl="7" indent="-330200">
               <a:spcBef>
                 <a:spcPts val="0"/>
               </a:spcBef>
@@ -3975,7 +4079,7 @@
               <a:buChar char="○"/>
               <a:defRPr sz="1600"/>
             </a:lvl8pPr>
-            <a:lvl9pPr indent="-330200" lvl="8" marL="4114800">
+            <a:lvl9pPr marL="4114800" lvl="8" indent="-330200">
               <a:spcBef>
                 <a:spcPts val="0"/>
               </a:spcBef>
@@ -3987,15 +4091,19 @@
               <a:defRPr sz="1600"/>
             </a:lvl9pPr>
           </a:lstStyle>
-          <a:p/>
+          <a:p>
+            <a:endParaRPr/>
+          </a:p>
         </p:txBody>
       </p:sp>
       <p:sp>
         <p:nvSpPr>
           <p:cNvPr id="27" name="Google Shape;27;p5"/>
-          <p:cNvSpPr txBox="1"/>
+          <p:cNvSpPr txBox="1">
+            <a:spLocks noGrp="1"/>
+          </p:cNvSpPr>
           <p:nvPr>
-            <p:ph idx="2" type="body"/>
+            <p:ph type="body" idx="2"/>
           </p:nvPr>
         </p:nvSpPr>
         <p:spPr>
@@ -4008,11 +4116,11 @@
           </a:prstGeom>
         </p:spPr>
         <p:txBody>
-          <a:bodyPr anchorCtr="0" anchor="t" bIns="121900" lIns="121900" spcFirstLastPara="1" rIns="121900" wrap="square" tIns="121900">
+          <a:bodyPr spcFirstLastPara="1" wrap="square" lIns="121900" tIns="121900" rIns="121900" bIns="121900" anchor="t" anchorCtr="0">
             <a:normAutofit/>
           </a:bodyPr>
           <a:lstStyle>
-            <a:lvl1pPr indent="-349250" lvl="0" marL="457200">
+            <a:lvl1pPr marL="457200" lvl="0" indent="-349250">
               <a:spcBef>
                 <a:spcPts val="0"/>
               </a:spcBef>
@@ -4023,7 +4131,7 @@
               <a:buChar char="●"/>
               <a:defRPr sz="1900"/>
             </a:lvl1pPr>
-            <a:lvl2pPr indent="-330200" lvl="1" marL="914400">
+            <a:lvl2pPr marL="914400" lvl="1" indent="-330200">
               <a:spcBef>
                 <a:spcPts val="0"/>
               </a:spcBef>
@@ -4034,7 +4142,7 @@
               <a:buChar char="○"/>
               <a:defRPr sz="1600"/>
             </a:lvl2pPr>
-            <a:lvl3pPr indent="-330200" lvl="2" marL="1371600">
+            <a:lvl3pPr marL="1371600" lvl="2" indent="-330200">
               <a:spcBef>
                 <a:spcPts val="0"/>
               </a:spcBef>
@@ -4045,7 +4153,7 @@
               <a:buChar char="■"/>
               <a:defRPr sz="1600"/>
             </a:lvl3pPr>
-            <a:lvl4pPr indent="-330200" lvl="3" marL="1828800">
+            <a:lvl4pPr marL="1828800" lvl="3" indent="-330200">
               <a:spcBef>
                 <a:spcPts val="0"/>
               </a:spcBef>
@@ -4056,7 +4164,7 @@
               <a:buChar char="●"/>
               <a:defRPr sz="1600"/>
             </a:lvl4pPr>
-            <a:lvl5pPr indent="-330200" lvl="4" marL="2286000">
+            <a:lvl5pPr marL="2286000" lvl="4" indent="-330200">
               <a:spcBef>
                 <a:spcPts val="0"/>
               </a:spcBef>
@@ -4067,7 +4175,7 @@
               <a:buChar char="○"/>
               <a:defRPr sz="1600"/>
             </a:lvl5pPr>
-            <a:lvl6pPr indent="-330200" lvl="5" marL="2743200">
+            <a:lvl6pPr marL="2743200" lvl="5" indent="-330200">
               <a:spcBef>
                 <a:spcPts val="0"/>
               </a:spcBef>
@@ -4078,7 +4186,7 @@
               <a:buChar char="■"/>
               <a:defRPr sz="1600"/>
             </a:lvl6pPr>
-            <a:lvl7pPr indent="-330200" lvl="6" marL="3200400">
+            <a:lvl7pPr marL="3200400" lvl="6" indent="-330200">
               <a:spcBef>
                 <a:spcPts val="0"/>
               </a:spcBef>
@@ -4089,7 +4197,7 @@
               <a:buChar char="●"/>
               <a:defRPr sz="1600"/>
             </a:lvl7pPr>
-            <a:lvl8pPr indent="-330200" lvl="7" marL="3657600">
+            <a:lvl8pPr marL="3657600" lvl="7" indent="-330200">
               <a:spcBef>
                 <a:spcPts val="0"/>
               </a:spcBef>
@@ -4100,7 +4208,7 @@
               <a:buChar char="○"/>
               <a:defRPr sz="1600"/>
             </a:lvl8pPr>
-            <a:lvl9pPr indent="-330200" lvl="8" marL="4114800">
+            <a:lvl9pPr marL="4114800" lvl="8" indent="-330200">
               <a:spcBef>
                 <a:spcPts val="0"/>
               </a:spcBef>
@@ -4112,15 +4220,19 @@
               <a:defRPr sz="1600"/>
             </a:lvl9pPr>
           </a:lstStyle>
-          <a:p/>
+          <a:p>
+            <a:endParaRPr/>
+          </a:p>
         </p:txBody>
       </p:sp>
       <p:sp>
         <p:nvSpPr>
           <p:cNvPr id="28" name="Google Shape;28;p5"/>
-          <p:cNvSpPr txBox="1"/>
+          <p:cNvSpPr txBox="1">
+            <a:spLocks noGrp="1"/>
+          </p:cNvSpPr>
           <p:nvPr>
-            <p:ph idx="12" type="sldNum"/>
+            <p:ph type="sldNum" idx="12"/>
           </p:nvPr>
         </p:nvSpPr>
         <p:spPr>
@@ -4133,7 +4245,7 @@
           </a:prstGeom>
         </p:spPr>
         <p:txBody>
-          <a:bodyPr anchorCtr="0" anchor="ctr" bIns="121900" lIns="121900" spcFirstLastPara="1" rIns="121900" wrap="square" tIns="121900">
+          <a:bodyPr spcFirstLastPara="1" wrap="square" lIns="121900" tIns="121900" rIns="121900" bIns="121900" anchor="ctr" anchorCtr="0">
             <a:normAutofit/>
           </a:bodyPr>
           <a:lstStyle>
@@ -4175,7 +4287,7 @@
             </a:lvl9pPr>
           </a:lstStyle>
           <a:p>
-            <a:pPr indent="0" lvl="0" marL="0" rtl="0" algn="r">
+            <a:pPr marL="0" lvl="0" indent="0" algn="r" rtl="0">
               <a:spcBef>
                 <a:spcPts val="0"/>
               </a:spcBef>
@@ -4201,11 +4313,11 @@
 </file>
 
 <file path=ppt/slideLayouts/slideLayout5.xml><?xml version="1.0" encoding="utf-8"?>
-<p:sldLayout xmlns:a="http://schemas.openxmlformats.org/drawingml/2006/main" xmlns:r="http://schemas.openxmlformats.org/officeDocument/2006/relationships" xmlns:mc="http://schemas.openxmlformats.org/markup-compatibility/2006" xmlns:mv="urn:schemas-microsoft-com:mac:vml" xmlns:p="http://schemas.openxmlformats.org/presentationml/2006/main" xmlns:c="http://schemas.openxmlformats.org/drawingml/2006/chart" xmlns:dgm="http://schemas.openxmlformats.org/drawingml/2006/diagram" xmlns:o="urn:schemas-microsoft-com:office:office" xmlns:v="urn:schemas-microsoft-com:vml" xmlns:pvml="urn:schemas-microsoft-com:office:powerpoint" xmlns:com="http://schemas.openxmlformats.org/drawingml/2006/compatibility" xmlns:p14="http://schemas.microsoft.com/office/powerpoint/2010/main" xmlns:p15="http://schemas.microsoft.com/office/powerpoint/2012/main" xmlns:ahyp="http://schemas.microsoft.com/office/drawing/2018/hyperlinkcolor" matchingName="Title only" type="titleOnly">
+<p:sldLayout xmlns:a="http://schemas.openxmlformats.org/drawingml/2006/main" xmlns:r="http://schemas.openxmlformats.org/officeDocument/2006/relationships" xmlns:p="http://schemas.openxmlformats.org/presentationml/2006/main" matchingName="Title only" type="titleOnly">
   <p:cSld name="TITLE_ONLY">
     <p:spTree>
       <p:nvGrpSpPr>
-        <p:cNvPr id="29" name="Shape 29"/>
+        <p:cNvPr id="1" name="Shape 29"/>
         <p:cNvGrpSpPr/>
         <p:nvPr/>
       </p:nvGrpSpPr>
@@ -4220,7 +4332,9 @@
       <p:sp>
         <p:nvSpPr>
           <p:cNvPr id="30" name="Google Shape;30;p6"/>
-          <p:cNvSpPr txBox="1"/>
+          <p:cNvSpPr txBox="1">
+            <a:spLocks noGrp="1"/>
+          </p:cNvSpPr>
           <p:nvPr>
             <p:ph type="title"/>
           </p:nvPr>
@@ -4235,7 +4349,7 @@
           </a:prstGeom>
         </p:spPr>
         <p:txBody>
-          <a:bodyPr anchorCtr="0" anchor="t" bIns="121900" lIns="121900" spcFirstLastPara="1" rIns="121900" wrap="square" tIns="121900">
+          <a:bodyPr spcFirstLastPara="1" wrap="square" lIns="121900" tIns="121900" rIns="121900" bIns="121900" anchor="t" anchorCtr="0">
             <a:normAutofit/>
           </a:bodyPr>
           <a:lstStyle>
@@ -4339,15 +4453,19 @@
               <a:defRPr/>
             </a:lvl9pPr>
           </a:lstStyle>
-          <a:p/>
+          <a:p>
+            <a:endParaRPr/>
+          </a:p>
         </p:txBody>
       </p:sp>
       <p:sp>
         <p:nvSpPr>
           <p:cNvPr id="31" name="Google Shape;31;p6"/>
-          <p:cNvSpPr txBox="1"/>
+          <p:cNvSpPr txBox="1">
+            <a:spLocks noGrp="1"/>
+          </p:cNvSpPr>
           <p:nvPr>
-            <p:ph idx="12" type="sldNum"/>
+            <p:ph type="sldNum" idx="12"/>
           </p:nvPr>
         </p:nvSpPr>
         <p:spPr>
@@ -4360,7 +4478,7 @@
           </a:prstGeom>
         </p:spPr>
         <p:txBody>
-          <a:bodyPr anchorCtr="0" anchor="ctr" bIns="121900" lIns="121900" spcFirstLastPara="1" rIns="121900" wrap="square" tIns="121900">
+          <a:bodyPr spcFirstLastPara="1" wrap="square" lIns="121900" tIns="121900" rIns="121900" bIns="121900" anchor="ctr" anchorCtr="0">
             <a:normAutofit/>
           </a:bodyPr>
           <a:lstStyle>
@@ -4402,7 +4520,7 @@
             </a:lvl9pPr>
           </a:lstStyle>
           <a:p>
-            <a:pPr indent="0" lvl="0" marL="0" rtl="0" algn="r">
+            <a:pPr marL="0" lvl="0" indent="0" algn="r" rtl="0">
               <a:spcBef>
                 <a:spcPts val="0"/>
               </a:spcBef>
@@ -4428,11 +4546,11 @@
 </file>
 
 <file path=ppt/slideLayouts/slideLayout6.xml><?xml version="1.0" encoding="utf-8"?>
-<p:sldLayout xmlns:a="http://schemas.openxmlformats.org/drawingml/2006/main" xmlns:r="http://schemas.openxmlformats.org/officeDocument/2006/relationships" xmlns:mc="http://schemas.openxmlformats.org/markup-compatibility/2006" xmlns:mv="urn:schemas-microsoft-com:mac:vml" xmlns:p="http://schemas.openxmlformats.org/presentationml/2006/main" xmlns:c="http://schemas.openxmlformats.org/drawingml/2006/chart" xmlns:dgm="http://schemas.openxmlformats.org/drawingml/2006/diagram" xmlns:o="urn:schemas-microsoft-com:office:office" xmlns:v="urn:schemas-microsoft-com:vml" xmlns:pvml="urn:schemas-microsoft-com:office:powerpoint" xmlns:com="http://schemas.openxmlformats.org/drawingml/2006/compatibility" xmlns:p14="http://schemas.microsoft.com/office/powerpoint/2010/main" xmlns:p15="http://schemas.microsoft.com/office/powerpoint/2012/main" xmlns:ahyp="http://schemas.microsoft.com/office/drawing/2018/hyperlinkcolor" matchingName="One column text">
+<p:sldLayout xmlns:a="http://schemas.openxmlformats.org/drawingml/2006/main" xmlns:r="http://schemas.openxmlformats.org/officeDocument/2006/relationships" xmlns:p="http://schemas.openxmlformats.org/presentationml/2006/main" matchingName="One column text">
   <p:cSld name="ONE_COLUMN_TEXT">
     <p:spTree>
       <p:nvGrpSpPr>
-        <p:cNvPr id="32" name="Shape 32"/>
+        <p:cNvPr id="1" name="Shape 32"/>
         <p:cNvGrpSpPr/>
         <p:nvPr/>
       </p:nvGrpSpPr>
@@ -4447,7 +4565,9 @@
       <p:sp>
         <p:nvSpPr>
           <p:cNvPr id="33" name="Google Shape;33;p7"/>
-          <p:cNvSpPr txBox="1"/>
+          <p:cNvSpPr txBox="1">
+            <a:spLocks noGrp="1"/>
+          </p:cNvSpPr>
           <p:nvPr>
             <p:ph type="title"/>
           </p:nvPr>
@@ -4462,7 +4582,7 @@
           </a:prstGeom>
         </p:spPr>
         <p:txBody>
-          <a:bodyPr anchorCtr="0" anchor="b" bIns="121900" lIns="121900" spcFirstLastPara="1" rIns="121900" wrap="square" tIns="121900">
+          <a:bodyPr spcFirstLastPara="1" wrap="square" lIns="121900" tIns="121900" rIns="121900" bIns="121900" anchor="b" anchorCtr="0">
             <a:normAutofit/>
           </a:bodyPr>
           <a:lstStyle>
@@ -4566,15 +4686,19 @@
               <a:defRPr sz="3200"/>
             </a:lvl9pPr>
           </a:lstStyle>
-          <a:p/>
+          <a:p>
+            <a:endParaRPr/>
+          </a:p>
         </p:txBody>
       </p:sp>
       <p:sp>
         <p:nvSpPr>
           <p:cNvPr id="34" name="Google Shape;34;p7"/>
-          <p:cNvSpPr txBox="1"/>
+          <p:cNvSpPr txBox="1">
+            <a:spLocks noGrp="1"/>
+          </p:cNvSpPr>
           <p:nvPr>
-            <p:ph idx="1" type="body"/>
+            <p:ph type="body" idx="1"/>
           </p:nvPr>
         </p:nvSpPr>
         <p:spPr>
@@ -4587,11 +4711,11 @@
           </a:prstGeom>
         </p:spPr>
         <p:txBody>
-          <a:bodyPr anchorCtr="0" anchor="t" bIns="121900" lIns="121900" spcFirstLastPara="1" rIns="121900" wrap="square" tIns="121900">
+          <a:bodyPr spcFirstLastPara="1" wrap="square" lIns="121900" tIns="121900" rIns="121900" bIns="121900" anchor="t" anchorCtr="0">
             <a:normAutofit/>
           </a:bodyPr>
           <a:lstStyle>
-            <a:lvl1pPr indent="-330200" lvl="0" marL="457200">
+            <a:lvl1pPr marL="457200" lvl="0" indent="-330200">
               <a:spcBef>
                 <a:spcPts val="0"/>
               </a:spcBef>
@@ -4602,7 +4726,7 @@
               <a:buChar char="●"/>
               <a:defRPr sz="1600"/>
             </a:lvl1pPr>
-            <a:lvl2pPr indent="-330200" lvl="1" marL="914400">
+            <a:lvl2pPr marL="914400" lvl="1" indent="-330200">
               <a:spcBef>
                 <a:spcPts val="0"/>
               </a:spcBef>
@@ -4613,7 +4737,7 @@
               <a:buChar char="○"/>
               <a:defRPr sz="1600"/>
             </a:lvl2pPr>
-            <a:lvl3pPr indent="-330200" lvl="2" marL="1371600">
+            <a:lvl3pPr marL="1371600" lvl="2" indent="-330200">
               <a:spcBef>
                 <a:spcPts val="0"/>
               </a:spcBef>
@@ -4624,7 +4748,7 @@
               <a:buChar char="■"/>
               <a:defRPr sz="1600"/>
             </a:lvl3pPr>
-            <a:lvl4pPr indent="-330200" lvl="3" marL="1828800">
+            <a:lvl4pPr marL="1828800" lvl="3" indent="-330200">
               <a:spcBef>
                 <a:spcPts val="0"/>
               </a:spcBef>
@@ -4635,7 +4759,7 @@
               <a:buChar char="●"/>
               <a:defRPr sz="1600"/>
             </a:lvl4pPr>
-            <a:lvl5pPr indent="-330200" lvl="4" marL="2286000">
+            <a:lvl5pPr marL="2286000" lvl="4" indent="-330200">
               <a:spcBef>
                 <a:spcPts val="0"/>
               </a:spcBef>
@@ -4646,7 +4770,7 @@
               <a:buChar char="○"/>
               <a:defRPr sz="1600"/>
             </a:lvl5pPr>
-            <a:lvl6pPr indent="-330200" lvl="5" marL="2743200">
+            <a:lvl6pPr marL="2743200" lvl="5" indent="-330200">
               <a:spcBef>
                 <a:spcPts val="0"/>
               </a:spcBef>
@@ -4657,7 +4781,7 @@
               <a:buChar char="■"/>
               <a:defRPr sz="1600"/>
             </a:lvl6pPr>
-            <a:lvl7pPr indent="-330200" lvl="6" marL="3200400">
+            <a:lvl7pPr marL="3200400" lvl="6" indent="-330200">
               <a:spcBef>
                 <a:spcPts val="0"/>
               </a:spcBef>
@@ -4668,7 +4792,7 @@
               <a:buChar char="●"/>
               <a:defRPr sz="1600"/>
             </a:lvl7pPr>
-            <a:lvl8pPr indent="-330200" lvl="7" marL="3657600">
+            <a:lvl8pPr marL="3657600" lvl="7" indent="-330200">
               <a:spcBef>
                 <a:spcPts val="0"/>
               </a:spcBef>
@@ -4679,7 +4803,7 @@
               <a:buChar char="○"/>
               <a:defRPr sz="1600"/>
             </a:lvl8pPr>
-            <a:lvl9pPr indent="-330200" lvl="8" marL="4114800">
+            <a:lvl9pPr marL="4114800" lvl="8" indent="-330200">
               <a:spcBef>
                 <a:spcPts val="0"/>
               </a:spcBef>
@@ -4691,15 +4815,19 @@
               <a:defRPr sz="1600"/>
             </a:lvl9pPr>
           </a:lstStyle>
-          <a:p/>
+          <a:p>
+            <a:endParaRPr/>
+          </a:p>
         </p:txBody>
       </p:sp>
       <p:sp>
         <p:nvSpPr>
           <p:cNvPr id="35" name="Google Shape;35;p7"/>
-          <p:cNvSpPr txBox="1"/>
+          <p:cNvSpPr txBox="1">
+            <a:spLocks noGrp="1"/>
+          </p:cNvSpPr>
           <p:nvPr>
-            <p:ph idx="12" type="sldNum"/>
+            <p:ph type="sldNum" idx="12"/>
           </p:nvPr>
         </p:nvSpPr>
         <p:spPr>
@@ -4712,7 +4840,7 @@
           </a:prstGeom>
         </p:spPr>
         <p:txBody>
-          <a:bodyPr anchorCtr="0" anchor="ctr" bIns="121900" lIns="121900" spcFirstLastPara="1" rIns="121900" wrap="square" tIns="121900">
+          <a:bodyPr spcFirstLastPara="1" wrap="square" lIns="121900" tIns="121900" rIns="121900" bIns="121900" anchor="ctr" anchorCtr="0">
             <a:normAutofit/>
           </a:bodyPr>
           <a:lstStyle>
@@ -4754,7 +4882,7 @@
             </a:lvl9pPr>
           </a:lstStyle>
           <a:p>
-            <a:pPr indent="0" lvl="0" marL="0" rtl="0" algn="r">
+            <a:pPr marL="0" lvl="0" indent="0" algn="r" rtl="0">
               <a:spcBef>
                 <a:spcPts val="0"/>
               </a:spcBef>
@@ -4780,11 +4908,11 @@
 </file>
 
 <file path=ppt/slideLayouts/slideLayout7.xml><?xml version="1.0" encoding="utf-8"?>
-<p:sldLayout xmlns:a="http://schemas.openxmlformats.org/drawingml/2006/main" xmlns:r="http://schemas.openxmlformats.org/officeDocument/2006/relationships" xmlns:mc="http://schemas.openxmlformats.org/markup-compatibility/2006" xmlns:mv="urn:schemas-microsoft-com:mac:vml" xmlns:p="http://schemas.openxmlformats.org/presentationml/2006/main" xmlns:c="http://schemas.openxmlformats.org/drawingml/2006/chart" xmlns:dgm="http://schemas.openxmlformats.org/drawingml/2006/diagram" xmlns:o="urn:schemas-microsoft-com:office:office" xmlns:v="urn:schemas-microsoft-com:vml" xmlns:pvml="urn:schemas-microsoft-com:office:powerpoint" xmlns:com="http://schemas.openxmlformats.org/drawingml/2006/compatibility" xmlns:p14="http://schemas.microsoft.com/office/powerpoint/2010/main" xmlns:p15="http://schemas.microsoft.com/office/powerpoint/2012/main" xmlns:ahyp="http://schemas.microsoft.com/office/drawing/2018/hyperlinkcolor" matchingName="Main point">
+<p:sldLayout xmlns:a="http://schemas.openxmlformats.org/drawingml/2006/main" xmlns:r="http://schemas.openxmlformats.org/officeDocument/2006/relationships" xmlns:p="http://schemas.openxmlformats.org/presentationml/2006/main" matchingName="Main point">
   <p:cSld name="MAIN_POINT">
     <p:spTree>
       <p:nvGrpSpPr>
-        <p:cNvPr id="36" name="Shape 36"/>
+        <p:cNvPr id="1" name="Shape 36"/>
         <p:cNvGrpSpPr/>
         <p:nvPr/>
       </p:nvGrpSpPr>
@@ -4799,7 +4927,9 @@
       <p:sp>
         <p:nvSpPr>
           <p:cNvPr id="37" name="Google Shape;37;p8"/>
-          <p:cNvSpPr txBox="1"/>
+          <p:cNvSpPr txBox="1">
+            <a:spLocks noGrp="1"/>
+          </p:cNvSpPr>
           <p:nvPr>
             <p:ph type="title"/>
           </p:nvPr>
@@ -4814,7 +4944,7 @@
           </a:prstGeom>
         </p:spPr>
         <p:txBody>
-          <a:bodyPr anchorCtr="0" anchor="ctr" bIns="121900" lIns="121900" spcFirstLastPara="1" rIns="121900" wrap="square" tIns="121900">
+          <a:bodyPr spcFirstLastPara="1" wrap="square" lIns="121900" tIns="121900" rIns="121900" bIns="121900" anchor="ctr" anchorCtr="0">
             <a:normAutofit/>
           </a:bodyPr>
           <a:lstStyle>
@@ -4918,15 +5048,19 @@
               <a:defRPr sz="6400"/>
             </a:lvl9pPr>
           </a:lstStyle>
-          <a:p/>
+          <a:p>
+            <a:endParaRPr/>
+          </a:p>
         </p:txBody>
       </p:sp>
       <p:sp>
         <p:nvSpPr>
           <p:cNvPr id="38" name="Google Shape;38;p8"/>
-          <p:cNvSpPr txBox="1"/>
+          <p:cNvSpPr txBox="1">
+            <a:spLocks noGrp="1"/>
+          </p:cNvSpPr>
           <p:nvPr>
-            <p:ph idx="12" type="sldNum"/>
+            <p:ph type="sldNum" idx="12"/>
           </p:nvPr>
         </p:nvSpPr>
         <p:spPr>
@@ -4939,7 +5073,7 @@
           </a:prstGeom>
         </p:spPr>
         <p:txBody>
-          <a:bodyPr anchorCtr="0" anchor="ctr" bIns="121900" lIns="121900" spcFirstLastPara="1" rIns="121900" wrap="square" tIns="121900">
+          <a:bodyPr spcFirstLastPara="1" wrap="square" lIns="121900" tIns="121900" rIns="121900" bIns="121900" anchor="ctr" anchorCtr="0">
             <a:normAutofit/>
           </a:bodyPr>
           <a:lstStyle>
@@ -4981,7 +5115,7 @@
             </a:lvl9pPr>
           </a:lstStyle>
           <a:p>
-            <a:pPr indent="0" lvl="0" marL="0" rtl="0" algn="r">
+            <a:pPr marL="0" lvl="0" indent="0" algn="r" rtl="0">
               <a:spcBef>
                 <a:spcPts val="0"/>
               </a:spcBef>
@@ -5007,11 +5141,11 @@
 </file>
 
 <file path=ppt/slideLayouts/slideLayout8.xml><?xml version="1.0" encoding="utf-8"?>
-<p:sldLayout xmlns:a="http://schemas.openxmlformats.org/drawingml/2006/main" xmlns:r="http://schemas.openxmlformats.org/officeDocument/2006/relationships" xmlns:mc="http://schemas.openxmlformats.org/markup-compatibility/2006" xmlns:mv="urn:schemas-microsoft-com:mac:vml" xmlns:p="http://schemas.openxmlformats.org/presentationml/2006/main" xmlns:c="http://schemas.openxmlformats.org/drawingml/2006/chart" xmlns:dgm="http://schemas.openxmlformats.org/drawingml/2006/diagram" xmlns:o="urn:schemas-microsoft-com:office:office" xmlns:v="urn:schemas-microsoft-com:vml" xmlns:pvml="urn:schemas-microsoft-com:office:powerpoint" xmlns:com="http://schemas.openxmlformats.org/drawingml/2006/compatibility" xmlns:p14="http://schemas.microsoft.com/office/powerpoint/2010/main" xmlns:p15="http://schemas.microsoft.com/office/powerpoint/2012/main" xmlns:ahyp="http://schemas.microsoft.com/office/drawing/2018/hyperlinkcolor" matchingName="Section title and description">
+<p:sldLayout xmlns:a="http://schemas.openxmlformats.org/drawingml/2006/main" xmlns:r="http://schemas.openxmlformats.org/officeDocument/2006/relationships" xmlns:p="http://schemas.openxmlformats.org/presentationml/2006/main" matchingName="Section title and description">
   <p:cSld name="SECTION_TITLE_AND_DESCRIPTION">
     <p:spTree>
       <p:nvGrpSpPr>
-        <p:cNvPr id="39" name="Shape 39"/>
+        <p:cNvPr id="1" name="Shape 39"/>
         <p:cNvGrpSpPr/>
         <p:nvPr/>
       </p:nvGrpSpPr>
@@ -5045,12 +5179,12 @@
           </a:ln>
         </p:spPr>
         <p:txBody>
-          <a:bodyPr anchorCtr="0" anchor="ctr" bIns="121900" lIns="121900" spcFirstLastPara="1" rIns="121900" wrap="square" tIns="121900">
+          <a:bodyPr spcFirstLastPara="1" wrap="square" lIns="121900" tIns="121900" rIns="121900" bIns="121900" anchor="ctr" anchorCtr="0">
             <a:noAutofit/>
           </a:bodyPr>
           <a:lstStyle/>
           <a:p>
-            <a:pPr indent="0" lvl="0" marL="0" rtl="0" algn="l">
+            <a:pPr marL="0" lvl="0" indent="0" algn="l" rtl="0">
               <a:spcBef>
                 <a:spcPts val="0"/>
               </a:spcBef>
@@ -5059,9 +5193,6 @@
               </a:spcAft>
               <a:buNone/>
             </a:pPr>
-            <a:r>
-              <a:t/>
-            </a:r>
             <a:endParaRPr/>
           </a:p>
         </p:txBody>
@@ -5069,7 +5200,9 @@
       <p:sp>
         <p:nvSpPr>
           <p:cNvPr id="41" name="Google Shape;41;p9"/>
-          <p:cNvSpPr txBox="1"/>
+          <p:cNvSpPr txBox="1">
+            <a:spLocks noGrp="1"/>
+          </p:cNvSpPr>
           <p:nvPr>
             <p:ph type="title"/>
           </p:nvPr>
@@ -5084,7 +5217,7 @@
           </a:prstGeom>
         </p:spPr>
         <p:txBody>
-          <a:bodyPr anchorCtr="0" anchor="b" bIns="121900" lIns="121900" spcFirstLastPara="1" rIns="121900" wrap="square" tIns="121900">
+          <a:bodyPr spcFirstLastPara="1" wrap="square" lIns="121900" tIns="121900" rIns="121900" bIns="121900" anchor="b" anchorCtr="0">
             <a:normAutofit/>
           </a:bodyPr>
           <a:lstStyle>
@@ -5188,15 +5321,19 @@
               <a:defRPr sz="5600"/>
             </a:lvl9pPr>
           </a:lstStyle>
-          <a:p/>
+          <a:p>
+            <a:endParaRPr/>
+          </a:p>
         </p:txBody>
       </p:sp>
       <p:sp>
         <p:nvSpPr>
           <p:cNvPr id="42" name="Google Shape;42;p9"/>
-          <p:cNvSpPr txBox="1"/>
+          <p:cNvSpPr txBox="1">
+            <a:spLocks noGrp="1"/>
+          </p:cNvSpPr>
           <p:nvPr>
-            <p:ph idx="1" type="subTitle"/>
+            <p:ph type="subTitle" idx="1"/>
           </p:nvPr>
         </p:nvSpPr>
         <p:spPr>
@@ -5209,7 +5346,7 @@
           </a:prstGeom>
         </p:spPr>
         <p:txBody>
-          <a:bodyPr anchorCtr="0" anchor="t" bIns="121900" lIns="121900" spcFirstLastPara="1" rIns="121900" wrap="square" tIns="121900">
+          <a:bodyPr spcFirstLastPara="1" wrap="square" lIns="121900" tIns="121900" rIns="121900" bIns="121900" anchor="t" anchorCtr="0">
             <a:normAutofit/>
           </a:bodyPr>
           <a:lstStyle>
@@ -5340,15 +5477,19 @@
               <a:defRPr sz="2800"/>
             </a:lvl9pPr>
           </a:lstStyle>
-          <a:p/>
+          <a:p>
+            <a:endParaRPr/>
+          </a:p>
         </p:txBody>
       </p:sp>
       <p:sp>
         <p:nvSpPr>
           <p:cNvPr id="43" name="Google Shape;43;p9"/>
-          <p:cNvSpPr txBox="1"/>
+          <p:cNvSpPr txBox="1">
+            <a:spLocks noGrp="1"/>
+          </p:cNvSpPr>
           <p:nvPr>
-            <p:ph idx="2" type="body"/>
+            <p:ph type="body" idx="2"/>
           </p:nvPr>
         </p:nvSpPr>
         <p:spPr>
@@ -5361,11 +5502,11 @@
           </a:prstGeom>
         </p:spPr>
         <p:txBody>
-          <a:bodyPr anchorCtr="0" anchor="ctr" bIns="121900" lIns="121900" spcFirstLastPara="1" rIns="121900" wrap="square" tIns="121900">
+          <a:bodyPr spcFirstLastPara="1" wrap="square" lIns="121900" tIns="121900" rIns="121900" bIns="121900" anchor="ctr" anchorCtr="0">
             <a:normAutofit/>
           </a:bodyPr>
           <a:lstStyle>
-            <a:lvl1pPr indent="-381000" lvl="0" marL="457200">
+            <a:lvl1pPr marL="457200" lvl="0" indent="-381000">
               <a:spcBef>
                 <a:spcPts val="0"/>
               </a:spcBef>
@@ -5376,7 +5517,7 @@
               <a:buChar char="●"/>
               <a:defRPr/>
             </a:lvl1pPr>
-            <a:lvl2pPr indent="-349250" lvl="1" marL="914400">
+            <a:lvl2pPr marL="914400" lvl="1" indent="-349250">
               <a:spcBef>
                 <a:spcPts val="0"/>
               </a:spcBef>
@@ -5387,7 +5528,7 @@
               <a:buChar char="○"/>
               <a:defRPr/>
             </a:lvl2pPr>
-            <a:lvl3pPr indent="-349250" lvl="2" marL="1371600">
+            <a:lvl3pPr marL="1371600" lvl="2" indent="-349250">
               <a:spcBef>
                 <a:spcPts val="0"/>
               </a:spcBef>
@@ -5398,7 +5539,7 @@
               <a:buChar char="■"/>
               <a:defRPr/>
             </a:lvl3pPr>
-            <a:lvl4pPr indent="-349250" lvl="3" marL="1828800">
+            <a:lvl4pPr marL="1828800" lvl="3" indent="-349250">
               <a:spcBef>
                 <a:spcPts val="0"/>
               </a:spcBef>
@@ -5409,7 +5550,7 @@
               <a:buChar char="●"/>
               <a:defRPr/>
             </a:lvl4pPr>
-            <a:lvl5pPr indent="-349250" lvl="4" marL="2286000">
+            <a:lvl5pPr marL="2286000" lvl="4" indent="-349250">
               <a:spcBef>
                 <a:spcPts val="0"/>
               </a:spcBef>
@@ -5420,7 +5561,7 @@
               <a:buChar char="○"/>
               <a:defRPr/>
             </a:lvl5pPr>
-            <a:lvl6pPr indent="-349250" lvl="5" marL="2743200">
+            <a:lvl6pPr marL="2743200" lvl="5" indent="-349250">
               <a:spcBef>
                 <a:spcPts val="0"/>
               </a:spcBef>
@@ -5431,7 +5572,7 @@
               <a:buChar char="■"/>
               <a:defRPr/>
             </a:lvl6pPr>
-            <a:lvl7pPr indent="-349250" lvl="6" marL="3200400">
+            <a:lvl7pPr marL="3200400" lvl="6" indent="-349250">
               <a:spcBef>
                 <a:spcPts val="0"/>
               </a:spcBef>
@@ -5442,7 +5583,7 @@
               <a:buChar char="●"/>
               <a:defRPr/>
             </a:lvl7pPr>
-            <a:lvl8pPr indent="-349250" lvl="7" marL="3657600">
+            <a:lvl8pPr marL="3657600" lvl="7" indent="-349250">
               <a:spcBef>
                 <a:spcPts val="0"/>
               </a:spcBef>
@@ -5453,7 +5594,7 @@
               <a:buChar char="○"/>
               <a:defRPr/>
             </a:lvl8pPr>
-            <a:lvl9pPr indent="-349250" lvl="8" marL="4114800">
+            <a:lvl9pPr marL="4114800" lvl="8" indent="-349250">
               <a:spcBef>
                 <a:spcPts val="0"/>
               </a:spcBef>
@@ -5465,15 +5606,19 @@
               <a:defRPr/>
             </a:lvl9pPr>
           </a:lstStyle>
-          <a:p/>
+          <a:p>
+            <a:endParaRPr/>
+          </a:p>
         </p:txBody>
       </p:sp>
       <p:sp>
         <p:nvSpPr>
           <p:cNvPr id="44" name="Google Shape;44;p9"/>
-          <p:cNvSpPr txBox="1"/>
+          <p:cNvSpPr txBox="1">
+            <a:spLocks noGrp="1"/>
+          </p:cNvSpPr>
           <p:nvPr>
-            <p:ph idx="12" type="sldNum"/>
+            <p:ph type="sldNum" idx="12"/>
           </p:nvPr>
         </p:nvSpPr>
         <p:spPr>
@@ -5486,7 +5631,7 @@
           </a:prstGeom>
         </p:spPr>
         <p:txBody>
-          <a:bodyPr anchorCtr="0" anchor="ctr" bIns="121900" lIns="121900" spcFirstLastPara="1" rIns="121900" wrap="square" tIns="121900">
+          <a:bodyPr spcFirstLastPara="1" wrap="square" lIns="121900" tIns="121900" rIns="121900" bIns="121900" anchor="ctr" anchorCtr="0">
             <a:normAutofit/>
           </a:bodyPr>
           <a:lstStyle>
@@ -5528,7 +5673,7 @@
             </a:lvl9pPr>
           </a:lstStyle>
           <a:p>
-            <a:pPr indent="0" lvl="0" marL="0" rtl="0" algn="r">
+            <a:pPr marL="0" lvl="0" indent="0" algn="r" rtl="0">
               <a:spcBef>
                 <a:spcPts val="0"/>
               </a:spcBef>
@@ -5554,11 +5699,11 @@
 </file>
 
 <file path=ppt/slideLayouts/slideLayout9.xml><?xml version="1.0" encoding="utf-8"?>
-<p:sldLayout xmlns:a="http://schemas.openxmlformats.org/drawingml/2006/main" xmlns:r="http://schemas.openxmlformats.org/officeDocument/2006/relationships" xmlns:mc="http://schemas.openxmlformats.org/markup-compatibility/2006" xmlns:mv="urn:schemas-microsoft-com:mac:vml" xmlns:p="http://schemas.openxmlformats.org/presentationml/2006/main" xmlns:c="http://schemas.openxmlformats.org/drawingml/2006/chart" xmlns:dgm="http://schemas.openxmlformats.org/drawingml/2006/diagram" xmlns:o="urn:schemas-microsoft-com:office:office" xmlns:v="urn:schemas-microsoft-com:vml" xmlns:pvml="urn:schemas-microsoft-com:office:powerpoint" xmlns:com="http://schemas.openxmlformats.org/drawingml/2006/compatibility" xmlns:p14="http://schemas.microsoft.com/office/powerpoint/2010/main" xmlns:p15="http://schemas.microsoft.com/office/powerpoint/2012/main" xmlns:ahyp="http://schemas.microsoft.com/office/drawing/2018/hyperlinkcolor" matchingName="Caption">
+<p:sldLayout xmlns:a="http://schemas.openxmlformats.org/drawingml/2006/main" xmlns:r="http://schemas.openxmlformats.org/officeDocument/2006/relationships" xmlns:p="http://schemas.openxmlformats.org/presentationml/2006/main" matchingName="Caption">
   <p:cSld name="CAPTION_ONLY">
     <p:spTree>
       <p:nvGrpSpPr>
-        <p:cNvPr id="45" name="Shape 45"/>
+        <p:cNvPr id="1" name="Shape 45"/>
         <p:cNvGrpSpPr/>
         <p:nvPr/>
       </p:nvGrpSpPr>
@@ -5573,9 +5718,11 @@
       <p:sp>
         <p:nvSpPr>
           <p:cNvPr id="46" name="Google Shape;46;p10"/>
-          <p:cNvSpPr txBox="1"/>
+          <p:cNvSpPr txBox="1">
+            <a:spLocks noGrp="1"/>
+          </p:cNvSpPr>
           <p:nvPr>
-            <p:ph idx="1" type="body"/>
+            <p:ph type="body" idx="1"/>
           </p:nvPr>
         </p:nvSpPr>
         <p:spPr>
@@ -5588,11 +5735,11 @@
           </a:prstGeom>
         </p:spPr>
         <p:txBody>
-          <a:bodyPr anchorCtr="0" anchor="ctr" bIns="121900" lIns="121900" spcFirstLastPara="1" rIns="121900" wrap="square" tIns="121900">
+          <a:bodyPr spcFirstLastPara="1" wrap="square" lIns="121900" tIns="121900" rIns="121900" bIns="121900" anchor="ctr" anchorCtr="0">
             <a:normAutofit/>
           </a:bodyPr>
           <a:lstStyle>
-            <a:lvl1pPr indent="-228600" lvl="0" marL="457200">
+            <a:lvl1pPr marL="457200" lvl="0" indent="-228600">
               <a:lnSpc>
                 <a:spcPct val="100000"/>
               </a:lnSpc>
@@ -5607,15 +5754,19 @@
               <a:defRPr/>
             </a:lvl1pPr>
           </a:lstStyle>
-          <a:p/>
+          <a:p>
+            <a:endParaRPr/>
+          </a:p>
         </p:txBody>
       </p:sp>
       <p:sp>
         <p:nvSpPr>
           <p:cNvPr id="47" name="Google Shape;47;p10"/>
-          <p:cNvSpPr txBox="1"/>
+          <p:cNvSpPr txBox="1">
+            <a:spLocks noGrp="1"/>
+          </p:cNvSpPr>
           <p:nvPr>
-            <p:ph idx="12" type="sldNum"/>
+            <p:ph type="sldNum" idx="12"/>
           </p:nvPr>
         </p:nvSpPr>
         <p:spPr>
@@ -5628,7 +5779,7 @@
           </a:prstGeom>
         </p:spPr>
         <p:txBody>
-          <a:bodyPr anchorCtr="0" anchor="ctr" bIns="121900" lIns="121900" spcFirstLastPara="1" rIns="121900" wrap="square" tIns="121900">
+          <a:bodyPr spcFirstLastPara="1" wrap="square" lIns="121900" tIns="121900" rIns="121900" bIns="121900" anchor="ctr" anchorCtr="0">
             <a:normAutofit/>
           </a:bodyPr>
           <a:lstStyle>
@@ -5670,7 +5821,7 @@
             </a:lvl9pPr>
           </a:lstStyle>
           <a:p>
-            <a:pPr indent="0" lvl="0" marL="0" rtl="0" algn="r">
+            <a:pPr marL="0" lvl="0" indent="0" algn="r" rtl="0">
               <a:spcBef>
                 <a:spcPts val="0"/>
               </a:spcBef>
@@ -5696,18 +5847,19 @@
 </file>
 
 <file path=ppt/slideMasters/slideMaster1.xml><?xml version="1.0" encoding="utf-8"?>
-<p:sldMaster xmlns:a="http://schemas.openxmlformats.org/drawingml/2006/main" xmlns:r="http://schemas.openxmlformats.org/officeDocument/2006/relationships" xmlns:mc="http://schemas.openxmlformats.org/markup-compatibility/2006" xmlns:mv="urn:schemas-microsoft-com:mac:vml" xmlns:p="http://schemas.openxmlformats.org/presentationml/2006/main" xmlns:c="http://schemas.openxmlformats.org/drawingml/2006/chart" xmlns:dgm="http://schemas.openxmlformats.org/drawingml/2006/diagram" xmlns:o="urn:schemas-microsoft-com:office:office" xmlns:v="urn:schemas-microsoft-com:vml" xmlns:pvml="urn:schemas-microsoft-com:office:powerpoint" xmlns:com="http://schemas.openxmlformats.org/drawingml/2006/compatibility" xmlns:p14="http://schemas.microsoft.com/office/powerpoint/2010/main" xmlns:p15="http://schemas.microsoft.com/office/powerpoint/2012/main" xmlns:ahyp="http://schemas.microsoft.com/office/drawing/2018/hyperlinkcolor">
+<p:sldMaster xmlns:a="http://schemas.openxmlformats.org/drawingml/2006/main" xmlns:r="http://schemas.openxmlformats.org/officeDocument/2006/relationships" xmlns:p="http://schemas.openxmlformats.org/presentationml/2006/main">
   <p:cSld name="simple-light-2">
     <p:bg>
       <p:bgPr>
         <a:solidFill>
           <a:schemeClr val="lt1"/>
         </a:solidFill>
+        <a:effectLst/>
       </p:bgPr>
     </p:bg>
     <p:spTree>
       <p:nvGrpSpPr>
-        <p:cNvPr id="9" name="Shape 9"/>
+        <p:cNvPr id="1" name="Shape 9"/>
         <p:cNvGrpSpPr/>
         <p:nvPr/>
       </p:nvGrpSpPr>
@@ -5722,7 +5874,9 @@
       <p:sp>
         <p:nvSpPr>
           <p:cNvPr id="10" name="Google Shape;10;p1"/>
-          <p:cNvSpPr txBox="1"/>
+          <p:cNvSpPr txBox="1">
+            <a:spLocks noGrp="1"/>
+          </p:cNvSpPr>
           <p:nvPr>
             <p:ph type="title"/>
           </p:nvPr>
@@ -5741,7 +5895,7 @@
           </a:ln>
         </p:spPr>
         <p:txBody>
-          <a:bodyPr anchorCtr="0" anchor="t" bIns="121900" lIns="121900" spcFirstLastPara="1" rIns="121900" wrap="square" tIns="121900">
+          <a:bodyPr spcFirstLastPara="1" wrap="square" lIns="121900" tIns="121900" rIns="121900" bIns="121900" anchor="t" anchorCtr="0">
             <a:normAutofit/>
           </a:bodyPr>
           <a:lstStyle>
@@ -5908,15 +6062,19 @@
               </a:defRPr>
             </a:lvl9pPr>
           </a:lstStyle>
-          <a:p/>
+          <a:p>
+            <a:endParaRPr/>
+          </a:p>
         </p:txBody>
       </p:sp>
       <p:sp>
         <p:nvSpPr>
           <p:cNvPr id="11" name="Google Shape;11;p1"/>
-          <p:cNvSpPr txBox="1"/>
+          <p:cNvSpPr txBox="1">
+            <a:spLocks noGrp="1"/>
+          </p:cNvSpPr>
           <p:nvPr>
-            <p:ph idx="1" type="body"/>
+            <p:ph type="body" idx="1"/>
           </p:nvPr>
         </p:nvSpPr>
         <p:spPr>
@@ -5933,11 +6091,11 @@
           </a:ln>
         </p:spPr>
         <p:txBody>
-          <a:bodyPr anchorCtr="0" anchor="t" bIns="121900" lIns="121900" spcFirstLastPara="1" rIns="121900" wrap="square" tIns="121900">
+          <a:bodyPr spcFirstLastPara="1" wrap="square" lIns="121900" tIns="121900" rIns="121900" bIns="121900" anchor="t" anchorCtr="0">
             <a:normAutofit/>
           </a:bodyPr>
           <a:lstStyle>
-            <a:lvl1pPr indent="-381000" lvl="0" marL="457200">
+            <a:lvl1pPr marL="457200" lvl="0" indent="-381000">
               <a:lnSpc>
                 <a:spcPct val="115000"/>
               </a:lnSpc>
@@ -5958,7 +6116,7 @@
                 </a:solidFill>
               </a:defRPr>
             </a:lvl1pPr>
-            <a:lvl2pPr indent="-349250" lvl="1" marL="914400">
+            <a:lvl2pPr marL="914400" lvl="1" indent="-349250">
               <a:lnSpc>
                 <a:spcPct val="115000"/>
               </a:lnSpc>
@@ -5979,7 +6137,7 @@
                 </a:solidFill>
               </a:defRPr>
             </a:lvl2pPr>
-            <a:lvl3pPr indent="-349250" lvl="2" marL="1371600">
+            <a:lvl3pPr marL="1371600" lvl="2" indent="-349250">
               <a:lnSpc>
                 <a:spcPct val="115000"/>
               </a:lnSpc>
@@ -6000,7 +6158,7 @@
                 </a:solidFill>
               </a:defRPr>
             </a:lvl3pPr>
-            <a:lvl4pPr indent="-349250" lvl="3" marL="1828800">
+            <a:lvl4pPr marL="1828800" lvl="3" indent="-349250">
               <a:lnSpc>
                 <a:spcPct val="115000"/>
               </a:lnSpc>
@@ -6021,7 +6179,7 @@
                 </a:solidFill>
               </a:defRPr>
             </a:lvl4pPr>
-            <a:lvl5pPr indent="-349250" lvl="4" marL="2286000">
+            <a:lvl5pPr marL="2286000" lvl="4" indent="-349250">
               <a:lnSpc>
                 <a:spcPct val="115000"/>
               </a:lnSpc>
@@ -6042,7 +6200,7 @@
                 </a:solidFill>
               </a:defRPr>
             </a:lvl5pPr>
-            <a:lvl6pPr indent="-349250" lvl="5" marL="2743200">
+            <a:lvl6pPr marL="2743200" lvl="5" indent="-349250">
               <a:lnSpc>
                 <a:spcPct val="115000"/>
               </a:lnSpc>
@@ -6063,7 +6221,7 @@
                 </a:solidFill>
               </a:defRPr>
             </a:lvl6pPr>
-            <a:lvl7pPr indent="-349250" lvl="6" marL="3200400">
+            <a:lvl7pPr marL="3200400" lvl="6" indent="-349250">
               <a:lnSpc>
                 <a:spcPct val="115000"/>
               </a:lnSpc>
@@ -6084,7 +6242,7 @@
                 </a:solidFill>
               </a:defRPr>
             </a:lvl7pPr>
-            <a:lvl8pPr indent="-349250" lvl="7" marL="3657600">
+            <a:lvl8pPr marL="3657600" lvl="7" indent="-349250">
               <a:lnSpc>
                 <a:spcPct val="115000"/>
               </a:lnSpc>
@@ -6105,7 +6263,7 @@
                 </a:solidFill>
               </a:defRPr>
             </a:lvl8pPr>
-            <a:lvl9pPr indent="-349250" lvl="8" marL="4114800">
+            <a:lvl9pPr marL="4114800" lvl="8" indent="-349250">
               <a:lnSpc>
                 <a:spcPct val="115000"/>
               </a:lnSpc>
@@ -6127,15 +6285,19 @@
               </a:defRPr>
             </a:lvl9pPr>
           </a:lstStyle>
-          <a:p/>
+          <a:p>
+            <a:endParaRPr/>
+          </a:p>
         </p:txBody>
       </p:sp>
       <p:sp>
         <p:nvSpPr>
           <p:cNvPr id="12" name="Google Shape;12;p1"/>
-          <p:cNvSpPr txBox="1"/>
+          <p:cNvSpPr txBox="1">
+            <a:spLocks noGrp="1"/>
+          </p:cNvSpPr>
           <p:nvPr>
-            <p:ph idx="12" type="sldNum"/>
+            <p:ph type="sldNum" idx="12"/>
           </p:nvPr>
         </p:nvSpPr>
         <p:spPr>
@@ -6152,7 +6314,7 @@
           </a:ln>
         </p:spPr>
         <p:txBody>
-          <a:bodyPr anchorCtr="0" anchor="ctr" bIns="121900" lIns="121900" spcFirstLastPara="1" rIns="121900" wrap="square" tIns="121900">
+          <a:bodyPr spcFirstLastPara="1" wrap="square" lIns="121900" tIns="121900" rIns="121900" bIns="121900" anchor="ctr" anchorCtr="0">
             <a:normAutofit/>
           </a:bodyPr>
           <a:lstStyle>
@@ -6230,7 +6392,7 @@
             </a:lvl9pPr>
           </a:lstStyle>
           <a:p>
-            <a:pPr indent="0" lvl="0" marL="0" rtl="0" algn="r">
+            <a:pPr marL="0" lvl="0" indent="0" algn="r" rtl="0">
               <a:spcBef>
                 <a:spcPts val="0"/>
               </a:spcBef>
@@ -6249,7 +6411,7 @@
       </p:sp>
     </p:spTree>
   </p:cSld>
-  <p:clrMap accent1="accent1" accent2="accent2" accent3="accent3" accent4="accent4" accent5="accent5" accent6="accent6" bg1="lt1" bg2="dk2" tx1="dk1" tx2="lt2" folHlink="folHlink" hlink="hlink"/>
+  <p:clrMap bg1="lt1" tx1="dk1" bg2="dk2" tx2="lt2" accent1="accent1" accent2="accent2" accent3="accent3" accent4="accent4" accent5="accent5" accent6="accent6" hlink="hlink" folHlink="folHlink"/>
   <p:sldLayoutIdLst>
     <p:sldLayoutId id="2147483648" r:id="rId1"/>
     <p:sldLayoutId id="2147483649" r:id="rId2"/>
@@ -6263,10 +6425,10 @@
     <p:sldLayoutId id="2147483657" r:id="rId10"/>
     <p:sldLayoutId id="2147483658" r:id="rId11"/>
   </p:sldLayoutIdLst>
-  <p:hf dt="0" ftr="0" hdr="0" sldNum="0"/>
+  <p:hf sldNum="0" hdr="0" ftr="0" dt="0"/>
   <p:txStyles>
     <p:titleStyle>
-      <a:defPPr lvl="0" marR="0" rtl="0" algn="l">
+      <a:defPPr marR="0" lvl="0" algn="l" rtl="0">
         <a:lnSpc>
           <a:spcPct val="100000"/>
         </a:lnSpc>
@@ -6277,7 +6439,7 @@
           <a:spcPts val="0"/>
         </a:spcAft>
       </a:defPPr>
-      <a:lvl1pPr lvl="0" marR="0" rtl="0" algn="l">
+      <a:lvl1pPr marR="0" lvl="0" algn="l" rtl="0">
         <a:lnSpc>
           <a:spcPct val="100000"/>
         </a:lnSpc>
@@ -6291,7 +6453,7 @@
           <a:srgbClr val="000000"/>
         </a:buClr>
         <a:buFont typeface="Arial"/>
-        <a:defRPr b="0" i="0" sz="1400" u="none" cap="none" strike="noStrike">
+        <a:defRPr sz="1400" b="0" i="0" u="none" strike="noStrike" cap="none">
           <a:solidFill>
             <a:srgbClr val="000000"/>
           </a:solidFill>
@@ -6301,7 +6463,7 @@
           <a:sym typeface="Arial"/>
         </a:defRPr>
       </a:lvl1pPr>
-      <a:lvl2pPr lvl="1" marR="0" rtl="0" algn="l">
+      <a:lvl2pPr marR="0" lvl="1" algn="l" rtl="0">
         <a:lnSpc>
           <a:spcPct val="100000"/>
         </a:lnSpc>
@@ -6315,7 +6477,7 @@
           <a:srgbClr val="000000"/>
         </a:buClr>
         <a:buFont typeface="Arial"/>
-        <a:defRPr b="0" i="0" sz="1400" u="none" cap="none" strike="noStrike">
+        <a:defRPr sz="1400" b="0" i="0" u="none" strike="noStrike" cap="none">
           <a:solidFill>
             <a:srgbClr val="000000"/>
           </a:solidFill>
@@ -6325,7 +6487,7 @@
           <a:sym typeface="Arial"/>
         </a:defRPr>
       </a:lvl2pPr>
-      <a:lvl3pPr lvl="2" marR="0" rtl="0" algn="l">
+      <a:lvl3pPr marR="0" lvl="2" algn="l" rtl="0">
         <a:lnSpc>
           <a:spcPct val="100000"/>
         </a:lnSpc>
@@ -6339,7 +6501,7 @@
           <a:srgbClr val="000000"/>
         </a:buClr>
         <a:buFont typeface="Arial"/>
-        <a:defRPr b="0" i="0" sz="1400" u="none" cap="none" strike="noStrike">
+        <a:defRPr sz="1400" b="0" i="0" u="none" strike="noStrike" cap="none">
           <a:solidFill>
             <a:srgbClr val="000000"/>
           </a:solidFill>
@@ -6349,7 +6511,7 @@
           <a:sym typeface="Arial"/>
         </a:defRPr>
       </a:lvl3pPr>
-      <a:lvl4pPr lvl="3" marR="0" rtl="0" algn="l">
+      <a:lvl4pPr marR="0" lvl="3" algn="l" rtl="0">
         <a:lnSpc>
           <a:spcPct val="100000"/>
         </a:lnSpc>
@@ -6363,7 +6525,7 @@
           <a:srgbClr val="000000"/>
         </a:buClr>
         <a:buFont typeface="Arial"/>
-        <a:defRPr b="0" i="0" sz="1400" u="none" cap="none" strike="noStrike">
+        <a:defRPr sz="1400" b="0" i="0" u="none" strike="noStrike" cap="none">
           <a:solidFill>
             <a:srgbClr val="000000"/>
           </a:solidFill>
@@ -6373,7 +6535,7 @@
           <a:sym typeface="Arial"/>
         </a:defRPr>
       </a:lvl4pPr>
-      <a:lvl5pPr lvl="4" marR="0" rtl="0" algn="l">
+      <a:lvl5pPr marR="0" lvl="4" algn="l" rtl="0">
         <a:lnSpc>
           <a:spcPct val="100000"/>
         </a:lnSpc>
@@ -6387,7 +6549,7 @@
           <a:srgbClr val="000000"/>
         </a:buClr>
         <a:buFont typeface="Arial"/>
-        <a:defRPr b="0" i="0" sz="1400" u="none" cap="none" strike="noStrike">
+        <a:defRPr sz="1400" b="0" i="0" u="none" strike="noStrike" cap="none">
           <a:solidFill>
             <a:srgbClr val="000000"/>
           </a:solidFill>
@@ -6397,7 +6559,7 @@
           <a:sym typeface="Arial"/>
         </a:defRPr>
       </a:lvl5pPr>
-      <a:lvl6pPr lvl="5" marR="0" rtl="0" algn="l">
+      <a:lvl6pPr marR="0" lvl="5" algn="l" rtl="0">
         <a:lnSpc>
           <a:spcPct val="100000"/>
         </a:lnSpc>
@@ -6411,7 +6573,7 @@
           <a:srgbClr val="000000"/>
         </a:buClr>
         <a:buFont typeface="Arial"/>
-        <a:defRPr b="0" i="0" sz="1400" u="none" cap="none" strike="noStrike">
+        <a:defRPr sz="1400" b="0" i="0" u="none" strike="noStrike" cap="none">
           <a:solidFill>
             <a:srgbClr val="000000"/>
           </a:solidFill>
@@ -6421,7 +6583,7 @@
           <a:sym typeface="Arial"/>
         </a:defRPr>
       </a:lvl6pPr>
-      <a:lvl7pPr lvl="6" marR="0" rtl="0" algn="l">
+      <a:lvl7pPr marR="0" lvl="6" algn="l" rtl="0">
         <a:lnSpc>
           <a:spcPct val="100000"/>
         </a:lnSpc>
@@ -6435,7 +6597,7 @@
           <a:srgbClr val="000000"/>
         </a:buClr>
         <a:buFont typeface="Arial"/>
-        <a:defRPr b="0" i="0" sz="1400" u="none" cap="none" strike="noStrike">
+        <a:defRPr sz="1400" b="0" i="0" u="none" strike="noStrike" cap="none">
           <a:solidFill>
             <a:srgbClr val="000000"/>
           </a:solidFill>
@@ -6445,7 +6607,7 @@
           <a:sym typeface="Arial"/>
         </a:defRPr>
       </a:lvl7pPr>
-      <a:lvl8pPr lvl="7" marR="0" rtl="0" algn="l">
+      <a:lvl8pPr marR="0" lvl="7" algn="l" rtl="0">
         <a:lnSpc>
           <a:spcPct val="100000"/>
         </a:lnSpc>
@@ -6459,7 +6621,7 @@
           <a:srgbClr val="000000"/>
         </a:buClr>
         <a:buFont typeface="Arial"/>
-        <a:defRPr b="0" i="0" sz="1400" u="none" cap="none" strike="noStrike">
+        <a:defRPr sz="1400" b="0" i="0" u="none" strike="noStrike" cap="none">
           <a:solidFill>
             <a:srgbClr val="000000"/>
           </a:solidFill>
@@ -6469,7 +6631,7 @@
           <a:sym typeface="Arial"/>
         </a:defRPr>
       </a:lvl8pPr>
-      <a:lvl9pPr lvl="8" marR="0" rtl="0" algn="l">
+      <a:lvl9pPr marR="0" lvl="8" algn="l" rtl="0">
         <a:lnSpc>
           <a:spcPct val="100000"/>
         </a:lnSpc>
@@ -6483,7 +6645,7 @@
           <a:srgbClr val="000000"/>
         </a:buClr>
         <a:buFont typeface="Arial"/>
-        <a:defRPr b="0" i="0" sz="1400" u="none" cap="none" strike="noStrike">
+        <a:defRPr sz="1400" b="0" i="0" u="none" strike="noStrike" cap="none">
           <a:solidFill>
             <a:srgbClr val="000000"/>
           </a:solidFill>
@@ -6495,7 +6657,7 @@
       </a:lvl9pPr>
     </p:titleStyle>
     <p:bodyStyle>
-      <a:defPPr lvl="0" marR="0" rtl="0" algn="l">
+      <a:defPPr marR="0" lvl="0" algn="l" rtl="0">
         <a:lnSpc>
           <a:spcPct val="100000"/>
         </a:lnSpc>
@@ -6506,7 +6668,7 @@
           <a:spcPts val="0"/>
         </a:spcAft>
       </a:defPPr>
-      <a:lvl1pPr lvl="0" marR="0" rtl="0" algn="l">
+      <a:lvl1pPr marR="0" lvl="0" algn="l" rtl="0">
         <a:lnSpc>
           <a:spcPct val="100000"/>
         </a:lnSpc>
@@ -6520,7 +6682,7 @@
           <a:srgbClr val="000000"/>
         </a:buClr>
         <a:buFont typeface="Arial"/>
-        <a:defRPr b="0" i="0" sz="1400" u="none" cap="none" strike="noStrike">
+        <a:defRPr sz="1400" b="0" i="0" u="none" strike="noStrike" cap="none">
           <a:solidFill>
             <a:srgbClr val="000000"/>
           </a:solidFill>
@@ -6530,7 +6692,7 @@
           <a:sym typeface="Arial"/>
         </a:defRPr>
       </a:lvl1pPr>
-      <a:lvl2pPr lvl="1" marR="0" rtl="0" algn="l">
+      <a:lvl2pPr marR="0" lvl="1" algn="l" rtl="0">
         <a:lnSpc>
           <a:spcPct val="100000"/>
         </a:lnSpc>
@@ -6544,7 +6706,7 @@
           <a:srgbClr val="000000"/>
         </a:buClr>
         <a:buFont typeface="Arial"/>
-        <a:defRPr b="0" i="0" sz="1400" u="none" cap="none" strike="noStrike">
+        <a:defRPr sz="1400" b="0" i="0" u="none" strike="noStrike" cap="none">
           <a:solidFill>
             <a:srgbClr val="000000"/>
           </a:solidFill>
@@ -6554,7 +6716,7 @@
           <a:sym typeface="Arial"/>
         </a:defRPr>
       </a:lvl2pPr>
-      <a:lvl3pPr lvl="2" marR="0" rtl="0" algn="l">
+      <a:lvl3pPr marR="0" lvl="2" algn="l" rtl="0">
         <a:lnSpc>
           <a:spcPct val="100000"/>
         </a:lnSpc>
@@ -6568,7 +6730,7 @@
           <a:srgbClr val="000000"/>
         </a:buClr>
         <a:buFont typeface="Arial"/>
-        <a:defRPr b="0" i="0" sz="1400" u="none" cap="none" strike="noStrike">
+        <a:defRPr sz="1400" b="0" i="0" u="none" strike="noStrike" cap="none">
           <a:solidFill>
             <a:srgbClr val="000000"/>
           </a:solidFill>
@@ -6578,7 +6740,7 @@
           <a:sym typeface="Arial"/>
         </a:defRPr>
       </a:lvl3pPr>
-      <a:lvl4pPr lvl="3" marR="0" rtl="0" algn="l">
+      <a:lvl4pPr marR="0" lvl="3" algn="l" rtl="0">
         <a:lnSpc>
           <a:spcPct val="100000"/>
         </a:lnSpc>
@@ -6592,7 +6754,7 @@
           <a:srgbClr val="000000"/>
         </a:buClr>
         <a:buFont typeface="Arial"/>
-        <a:defRPr b="0" i="0" sz="1400" u="none" cap="none" strike="noStrike">
+        <a:defRPr sz="1400" b="0" i="0" u="none" strike="noStrike" cap="none">
           <a:solidFill>
             <a:srgbClr val="000000"/>
           </a:solidFill>
@@ -6602,7 +6764,7 @@
           <a:sym typeface="Arial"/>
         </a:defRPr>
       </a:lvl4pPr>
-      <a:lvl5pPr lvl="4" marR="0" rtl="0" algn="l">
+      <a:lvl5pPr marR="0" lvl="4" algn="l" rtl="0">
         <a:lnSpc>
           <a:spcPct val="100000"/>
         </a:lnSpc>
@@ -6616,7 +6778,7 @@
           <a:srgbClr val="000000"/>
         </a:buClr>
         <a:buFont typeface="Arial"/>
-        <a:defRPr b="0" i="0" sz="1400" u="none" cap="none" strike="noStrike">
+        <a:defRPr sz="1400" b="0" i="0" u="none" strike="noStrike" cap="none">
           <a:solidFill>
             <a:srgbClr val="000000"/>
           </a:solidFill>
@@ -6626,7 +6788,7 @@
           <a:sym typeface="Arial"/>
         </a:defRPr>
       </a:lvl5pPr>
-      <a:lvl6pPr lvl="5" marR="0" rtl="0" algn="l">
+      <a:lvl6pPr marR="0" lvl="5" algn="l" rtl="0">
         <a:lnSpc>
           <a:spcPct val="100000"/>
         </a:lnSpc>
@@ -6640,7 +6802,7 @@
           <a:srgbClr val="000000"/>
         </a:buClr>
         <a:buFont typeface="Arial"/>
-        <a:defRPr b="0" i="0" sz="1400" u="none" cap="none" strike="noStrike">
+        <a:defRPr sz="1400" b="0" i="0" u="none" strike="noStrike" cap="none">
           <a:solidFill>
             <a:srgbClr val="000000"/>
           </a:solidFill>
@@ -6650,7 +6812,7 @@
           <a:sym typeface="Arial"/>
         </a:defRPr>
       </a:lvl6pPr>
-      <a:lvl7pPr lvl="6" marR="0" rtl="0" algn="l">
+      <a:lvl7pPr marR="0" lvl="6" algn="l" rtl="0">
         <a:lnSpc>
           <a:spcPct val="100000"/>
         </a:lnSpc>
@@ -6664,7 +6826,7 @@
           <a:srgbClr val="000000"/>
         </a:buClr>
         <a:buFont typeface="Arial"/>
-        <a:defRPr b="0" i="0" sz="1400" u="none" cap="none" strike="noStrike">
+        <a:defRPr sz="1400" b="0" i="0" u="none" strike="noStrike" cap="none">
           <a:solidFill>
             <a:srgbClr val="000000"/>
           </a:solidFill>
@@ -6674,7 +6836,7 @@
           <a:sym typeface="Arial"/>
         </a:defRPr>
       </a:lvl7pPr>
-      <a:lvl8pPr lvl="7" marR="0" rtl="0" algn="l">
+      <a:lvl8pPr marR="0" lvl="7" algn="l" rtl="0">
         <a:lnSpc>
           <a:spcPct val="100000"/>
         </a:lnSpc>
@@ -6688,7 +6850,7 @@
           <a:srgbClr val="000000"/>
         </a:buClr>
         <a:buFont typeface="Arial"/>
-        <a:defRPr b="0" i="0" sz="1400" u="none" cap="none" strike="noStrike">
+        <a:defRPr sz="1400" b="0" i="0" u="none" strike="noStrike" cap="none">
           <a:solidFill>
             <a:srgbClr val="000000"/>
           </a:solidFill>
@@ -6698,7 +6860,7 @@
           <a:sym typeface="Arial"/>
         </a:defRPr>
       </a:lvl8pPr>
-      <a:lvl9pPr lvl="8" marR="0" rtl="0" algn="l">
+      <a:lvl9pPr marR="0" lvl="8" algn="l" rtl="0">
         <a:lnSpc>
           <a:spcPct val="100000"/>
         </a:lnSpc>
@@ -6712,7 +6874,7 @@
           <a:srgbClr val="000000"/>
         </a:buClr>
         <a:buFont typeface="Arial"/>
-        <a:defRPr b="0" i="0" sz="1400" u="none" cap="none" strike="noStrike">
+        <a:defRPr sz="1400" b="0" i="0" u="none" strike="noStrike" cap="none">
           <a:solidFill>
             <a:srgbClr val="000000"/>
           </a:solidFill>
@@ -6724,7 +6886,7 @@
       </a:lvl9pPr>
     </p:bodyStyle>
     <p:otherStyle>
-      <a:defPPr lvl="0" marR="0" rtl="0" algn="l">
+      <a:defPPr marR="0" lvl="0" algn="l" rtl="0">
         <a:lnSpc>
           <a:spcPct val="100000"/>
         </a:lnSpc>
@@ -6735,7 +6897,7 @@
           <a:spcPts val="0"/>
         </a:spcAft>
       </a:defPPr>
-      <a:lvl1pPr lvl="0" marR="0" rtl="0" algn="l">
+      <a:lvl1pPr marR="0" lvl="0" algn="l" rtl="0">
         <a:lnSpc>
           <a:spcPct val="100000"/>
         </a:lnSpc>
@@ -6749,7 +6911,7 @@
           <a:srgbClr val="000000"/>
         </a:buClr>
         <a:buFont typeface="Arial"/>
-        <a:defRPr b="0" i="0" sz="1400" u="none" cap="none" strike="noStrike">
+        <a:defRPr sz="1400" b="0" i="0" u="none" strike="noStrike" cap="none">
           <a:solidFill>
             <a:srgbClr val="000000"/>
           </a:solidFill>
@@ -6759,7 +6921,7 @@
           <a:sym typeface="Arial"/>
         </a:defRPr>
       </a:lvl1pPr>
-      <a:lvl2pPr lvl="1" marR="0" rtl="0" algn="l">
+      <a:lvl2pPr marR="0" lvl="1" algn="l" rtl="0">
         <a:lnSpc>
           <a:spcPct val="100000"/>
         </a:lnSpc>
@@ -6773,7 +6935,7 @@
           <a:srgbClr val="000000"/>
         </a:buClr>
         <a:buFont typeface="Arial"/>
-        <a:defRPr b="0" i="0" sz="1400" u="none" cap="none" strike="noStrike">
+        <a:defRPr sz="1400" b="0" i="0" u="none" strike="noStrike" cap="none">
           <a:solidFill>
             <a:srgbClr val="000000"/>
           </a:solidFill>
@@ -6783,7 +6945,7 @@
           <a:sym typeface="Arial"/>
         </a:defRPr>
       </a:lvl2pPr>
-      <a:lvl3pPr lvl="2" marR="0" rtl="0" algn="l">
+      <a:lvl3pPr marR="0" lvl="2" algn="l" rtl="0">
         <a:lnSpc>
           <a:spcPct val="100000"/>
         </a:lnSpc>
@@ -6797,7 +6959,7 @@
           <a:srgbClr val="000000"/>
         </a:buClr>
         <a:buFont typeface="Arial"/>
-        <a:defRPr b="0" i="0" sz="1400" u="none" cap="none" strike="noStrike">
+        <a:defRPr sz="1400" b="0" i="0" u="none" strike="noStrike" cap="none">
           <a:solidFill>
             <a:srgbClr val="000000"/>
           </a:solidFill>
@@ -6807,7 +6969,7 @@
           <a:sym typeface="Arial"/>
         </a:defRPr>
       </a:lvl3pPr>
-      <a:lvl4pPr lvl="3" marR="0" rtl="0" algn="l">
+      <a:lvl4pPr marR="0" lvl="3" algn="l" rtl="0">
         <a:lnSpc>
           <a:spcPct val="100000"/>
         </a:lnSpc>
@@ -6821,7 +6983,7 @@
           <a:srgbClr val="000000"/>
         </a:buClr>
         <a:buFont typeface="Arial"/>
-        <a:defRPr b="0" i="0" sz="1400" u="none" cap="none" strike="noStrike">
+        <a:defRPr sz="1400" b="0" i="0" u="none" strike="noStrike" cap="none">
           <a:solidFill>
             <a:srgbClr val="000000"/>
           </a:solidFill>
@@ -6831,7 +6993,7 @@
           <a:sym typeface="Arial"/>
         </a:defRPr>
       </a:lvl4pPr>
-      <a:lvl5pPr lvl="4" marR="0" rtl="0" algn="l">
+      <a:lvl5pPr marR="0" lvl="4" algn="l" rtl="0">
         <a:lnSpc>
           <a:spcPct val="100000"/>
         </a:lnSpc>
@@ -6845,7 +7007,7 @@
           <a:srgbClr val="000000"/>
         </a:buClr>
         <a:buFont typeface="Arial"/>
-        <a:defRPr b="0" i="0" sz="1400" u="none" cap="none" strike="noStrike">
+        <a:defRPr sz="1400" b="0" i="0" u="none" strike="noStrike" cap="none">
           <a:solidFill>
             <a:srgbClr val="000000"/>
           </a:solidFill>
@@ -6855,7 +7017,7 @@
           <a:sym typeface="Arial"/>
         </a:defRPr>
       </a:lvl5pPr>
-      <a:lvl6pPr lvl="5" marR="0" rtl="0" algn="l">
+      <a:lvl6pPr marR="0" lvl="5" algn="l" rtl="0">
         <a:lnSpc>
           <a:spcPct val="100000"/>
         </a:lnSpc>
@@ -6869,7 +7031,7 @@
           <a:srgbClr val="000000"/>
         </a:buClr>
         <a:buFont typeface="Arial"/>
-        <a:defRPr b="0" i="0" sz="1400" u="none" cap="none" strike="noStrike">
+        <a:defRPr sz="1400" b="0" i="0" u="none" strike="noStrike" cap="none">
           <a:solidFill>
             <a:srgbClr val="000000"/>
           </a:solidFill>
@@ -6879,7 +7041,7 @@
           <a:sym typeface="Arial"/>
         </a:defRPr>
       </a:lvl6pPr>
-      <a:lvl7pPr lvl="6" marR="0" rtl="0" algn="l">
+      <a:lvl7pPr marR="0" lvl="6" algn="l" rtl="0">
         <a:lnSpc>
           <a:spcPct val="100000"/>
         </a:lnSpc>
@@ -6893,7 +7055,7 @@
           <a:srgbClr val="000000"/>
         </a:buClr>
         <a:buFont typeface="Arial"/>
-        <a:defRPr b="0" i="0" sz="1400" u="none" cap="none" strike="noStrike">
+        <a:defRPr sz="1400" b="0" i="0" u="none" strike="noStrike" cap="none">
           <a:solidFill>
             <a:srgbClr val="000000"/>
           </a:solidFill>
@@ -6903,7 +7065,7 @@
           <a:sym typeface="Arial"/>
         </a:defRPr>
       </a:lvl7pPr>
-      <a:lvl8pPr lvl="7" marR="0" rtl="0" algn="l">
+      <a:lvl8pPr marR="0" lvl="7" algn="l" rtl="0">
         <a:lnSpc>
           <a:spcPct val="100000"/>
         </a:lnSpc>
@@ -6917,7 +7079,7 @@
           <a:srgbClr val="000000"/>
         </a:buClr>
         <a:buFont typeface="Arial"/>
-        <a:defRPr b="0" i="0" sz="1400" u="none" cap="none" strike="noStrike">
+        <a:defRPr sz="1400" b="0" i="0" u="none" strike="noStrike" cap="none">
           <a:solidFill>
             <a:srgbClr val="000000"/>
           </a:solidFill>
@@ -6927,7 +7089,7 @@
           <a:sym typeface="Arial"/>
         </a:defRPr>
       </a:lvl8pPr>
-      <a:lvl9pPr lvl="8" marR="0" rtl="0" algn="l">
+      <a:lvl9pPr marR="0" lvl="8" algn="l" rtl="0">
         <a:lnSpc>
           <a:spcPct val="100000"/>
         </a:lnSpc>
@@ -6941,7 +7103,7 @@
           <a:srgbClr val="000000"/>
         </a:buClr>
         <a:buFont typeface="Arial"/>
-        <a:defRPr b="0" i="0" sz="1400" u="none" cap="none" strike="noStrike">
+        <a:defRPr sz="1400" b="0" i="0" u="none" strike="noStrike" cap="none">
           <a:solidFill>
             <a:srgbClr val="000000"/>
           </a:solidFill>
@@ -6957,11 +7119,11 @@
 </file>
 
 <file path=ppt/slides/slide1.xml><?xml version="1.0" encoding="utf-8"?>
-<p:sld xmlns:a="http://schemas.openxmlformats.org/drawingml/2006/main" xmlns:r="http://schemas.openxmlformats.org/officeDocument/2006/relationships" xmlns:mc="http://schemas.openxmlformats.org/markup-compatibility/2006" xmlns:mv="urn:schemas-microsoft-com:mac:vml" xmlns:p="http://schemas.openxmlformats.org/presentationml/2006/main" xmlns:c="http://schemas.openxmlformats.org/drawingml/2006/chart" xmlns:dgm="http://schemas.openxmlformats.org/drawingml/2006/diagram" xmlns:o="urn:schemas-microsoft-com:office:office" xmlns:v="urn:schemas-microsoft-com:vml" xmlns:pvml="urn:schemas-microsoft-com:office:powerpoint" xmlns:com="http://schemas.openxmlformats.org/drawingml/2006/compatibility" xmlns:p14="http://schemas.microsoft.com/office/powerpoint/2010/main" xmlns:p15="http://schemas.microsoft.com/office/powerpoint/2012/main" xmlns:ahyp="http://schemas.microsoft.com/office/drawing/2018/hyperlinkcolor">
+<p:sld xmlns:a="http://schemas.openxmlformats.org/drawingml/2006/main" xmlns:r="http://schemas.openxmlformats.org/officeDocument/2006/relationships" xmlns:p="http://schemas.openxmlformats.org/presentationml/2006/main">
   <p:cSld>
     <p:spTree>
       <p:nvGrpSpPr>
-        <p:cNvPr id="62" name="Shape 62"/>
+        <p:cNvPr id="1" name="Shape 62"/>
         <p:cNvGrpSpPr/>
         <p:nvPr/>
       </p:nvGrpSpPr>
@@ -6982,7 +7144,7 @@
         <p:spPr>
           <a:xfrm>
             <a:off x="396676" y="1567751"/>
-            <a:ext cx="11398800" cy="3755700"/>
+            <a:ext cx="11398800" cy="3908722"/>
           </a:xfrm>
           <a:prstGeom prst="rect">
             <a:avLst/>
@@ -6993,12 +7155,12 @@
           </a:ln>
         </p:spPr>
         <p:txBody>
-          <a:bodyPr anchorCtr="0" anchor="t" bIns="45700" lIns="91425" spcFirstLastPara="1" rIns="91425" wrap="square" tIns="45700">
+          <a:bodyPr spcFirstLastPara="1" wrap="square" lIns="91425" tIns="45700" rIns="91425" bIns="45700" anchor="t" anchorCtr="0">
             <a:spAutoFit/>
           </a:bodyPr>
           <a:lstStyle/>
           <a:p>
-            <a:pPr indent="0" lvl="0" marL="0" marR="0" rtl="0" algn="l">
+            <a:pPr marL="0" marR="0" lvl="0" indent="0" algn="l" rtl="0">
               <a:spcBef>
                 <a:spcPts val="0"/>
               </a:spcBef>
@@ -7008,7 +7170,7 @@
               <a:buNone/>
             </a:pPr>
             <a:r>
-              <a:rPr b="1" i="0" lang="en-US" sz="3600" u="none" cap="none" strike="noStrike">
+              <a:rPr lang="en-US" sz="3600" b="1" i="0" u="none" strike="noStrike" cap="none" dirty="0">
                 <a:solidFill>
                   <a:srgbClr val="0C343D"/>
                 </a:solidFill>
@@ -7020,7 +7182,7 @@
               <a:t> </a:t>
             </a:r>
             <a:r>
-              <a:rPr b="1" i="0" lang="en-US" sz="3200" u="none" cap="none" strike="noStrike">
+              <a:rPr lang="en-US" sz="3200" b="1" i="0" u="none" strike="noStrike" cap="none" dirty="0">
                 <a:solidFill>
                   <a:srgbClr val="0C343D"/>
                 </a:solidFill>
@@ -7031,14 +7193,14 @@
               </a:rPr>
               <a:t> Instructions (Please discard before submission)</a:t>
             </a:r>
-            <a:endParaRPr>
+            <a:endParaRPr dirty="0">
               <a:solidFill>
                 <a:srgbClr val="0C343D"/>
               </a:solidFill>
             </a:endParaRPr>
           </a:p>
           <a:p>
-            <a:pPr indent="0" lvl="0" marL="0" marR="0" rtl="0" algn="l">
+            <a:pPr marL="0" marR="0" lvl="0" indent="0" algn="l" rtl="0">
               <a:spcBef>
                 <a:spcPts val="0"/>
               </a:spcBef>
@@ -7047,10 +7209,7 @@
               </a:spcAft>
               <a:buNone/>
             </a:pPr>
-            <a:r>
-              <a:t/>
-            </a:r>
-            <a:endParaRPr b="1" sz="3200">
+            <a:endParaRPr sz="3200" b="1" dirty="0">
               <a:solidFill>
                 <a:schemeClr val="accent1"/>
               </a:solidFill>
@@ -7061,7 +7220,7 @@
             </a:endParaRPr>
           </a:p>
           <a:p>
-            <a:pPr indent="-457200" lvl="0" marL="457200" marR="0" rtl="0" algn="l">
+            <a:pPr marL="457200" marR="0" lvl="0" indent="-457200" algn="l" rtl="0">
               <a:lnSpc>
                 <a:spcPct val="150000"/>
               </a:lnSpc>
@@ -7079,7 +7238,7 @@
               <a:buChar char="•"/>
             </a:pPr>
             <a:r>
-              <a:rPr lang="en-US" sz="2000">
+              <a:rPr lang="en-US" sz="2000" dirty="0">
                 <a:solidFill>
                   <a:srgbClr val="666666"/>
                 </a:solidFill>
@@ -7090,7 +7249,7 @@
               </a:rPr>
               <a:t>File submission format : PDF only (Upload it to drive and paste the link on the hackathon dashboard)</a:t>
             </a:r>
-            <a:endParaRPr sz="1800">
+            <a:endParaRPr sz="1800" dirty="0">
               <a:solidFill>
                 <a:srgbClr val="666666"/>
               </a:solidFill>
@@ -7101,7 +7260,7 @@
             </a:endParaRPr>
           </a:p>
           <a:p>
-            <a:pPr indent="-457200" lvl="0" marL="457200" marR="0" rtl="0" algn="l">
+            <a:pPr marL="457200" marR="0" lvl="0" indent="-457200" algn="l" rtl="0">
               <a:lnSpc>
                 <a:spcPct val="150000"/>
               </a:lnSpc>
@@ -7119,7 +7278,7 @@
               <a:buChar char="•"/>
             </a:pPr>
             <a:r>
-              <a:rPr lang="en-US" sz="2000">
+              <a:rPr lang="en-US" sz="2000" dirty="0">
                 <a:solidFill>
                   <a:srgbClr val="666666"/>
                 </a:solidFill>
@@ -7128,16 +7287,16 @@
                 <a:cs typeface="Arial"/>
                 <a:sym typeface="Arial"/>
               </a:rPr>
-              <a:t>File Name Convention : TeamName.pdf</a:t>
+              <a:t>File Name Convention : abstract.pdf</a:t>
             </a:r>
-            <a:endParaRPr>
+            <a:endParaRPr dirty="0">
               <a:solidFill>
                 <a:srgbClr val="666666"/>
               </a:solidFill>
             </a:endParaRPr>
           </a:p>
           <a:p>
-            <a:pPr indent="-457200" lvl="0" marL="457200" marR="0" rtl="0" algn="l">
+            <a:pPr marL="457200" marR="0" lvl="0" indent="-457200" algn="l" rtl="0">
               <a:lnSpc>
                 <a:spcPct val="150000"/>
               </a:lnSpc>
@@ -7155,7 +7314,7 @@
               <a:buChar char="•"/>
             </a:pPr>
             <a:r>
-              <a:rPr lang="en-US" sz="2000">
+              <a:rPr lang="en-US" sz="2000" dirty="0">
                 <a:solidFill>
                   <a:srgbClr val="666666"/>
                 </a:solidFill>
@@ -7167,7 +7326,7 @@
               <a:t>Submission Mode : Upload via </a:t>
             </a:r>
             <a:r>
-              <a:rPr lang="en-US" sz="2000" u="sng">
+              <a:rPr lang="en-US" sz="2000" u="sng" dirty="0">
                 <a:solidFill>
                   <a:srgbClr val="666666"/>
                 </a:solidFill>
@@ -7178,14 +7337,14 @@
                 <a:hlinkClick r:id="rId3">
                   <a:extLst>
                     <a:ext uri="{A12FA001-AC4F-418D-AE19-62706E023703}">
-                      <ahyp:hlinkClr val="tx"/>
+                      <ahyp:hlinkClr xmlns:ahyp="http://schemas.microsoft.com/office/drawing/2018/hyperlinkcolor" val="tx"/>
                     </a:ext>
                   </a:extLst>
                 </a:hlinkClick>
               </a:rPr>
               <a:t>https://devhost.sosc.org.in</a:t>
             </a:r>
-            <a:endParaRPr sz="2000">
+            <a:endParaRPr sz="2000" dirty="0">
               <a:solidFill>
                 <a:srgbClr val="666666"/>
               </a:solidFill>
@@ -7196,7 +7355,7 @@
             </a:endParaRPr>
           </a:p>
           <a:p>
-            <a:pPr indent="-457200" lvl="0" marL="457200" marR="0" rtl="0" algn="l">
+            <a:pPr marL="457200" marR="0" lvl="0" indent="-457200" algn="l" rtl="0">
               <a:lnSpc>
                 <a:spcPct val="150000"/>
               </a:lnSpc>
@@ -7214,7 +7373,7 @@
               <a:buChar char="•"/>
             </a:pPr>
             <a:r>
-              <a:rPr lang="en-US" sz="2000">
+              <a:rPr lang="en-US" sz="2000" dirty="0">
                 <a:solidFill>
                   <a:srgbClr val="666666"/>
                 </a:solidFill>
@@ -7226,7 +7385,7 @@
               <a:t>Submission Deadline : 30</a:t>
             </a:r>
             <a:r>
-              <a:rPr baseline="30000" lang="en-US" sz="2000">
+              <a:rPr lang="en-US" sz="2000" baseline="30000" dirty="0">
                 <a:solidFill>
                   <a:srgbClr val="666666"/>
                 </a:solidFill>
@@ -7238,7 +7397,7 @@
               <a:t>th</a:t>
             </a:r>
             <a:r>
-              <a:rPr lang="en-US" sz="2000">
+              <a:rPr lang="en-US" sz="2000" dirty="0">
                 <a:solidFill>
                   <a:srgbClr val="666666"/>
                 </a:solidFill>
@@ -7249,7 +7408,7 @@
               </a:rPr>
               <a:t> Sep 2025</a:t>
             </a:r>
-            <a:endParaRPr sz="2000">
+            <a:endParaRPr sz="2000" dirty="0">
               <a:solidFill>
                 <a:srgbClr val="666666"/>
               </a:solidFill>
@@ -7260,7 +7419,7 @@
             </a:endParaRPr>
           </a:p>
           <a:p>
-            <a:pPr indent="-457200" lvl="0" marL="457200" marR="0" rtl="0" algn="l">
+            <a:pPr marL="457200" marR="0" lvl="0" indent="-457200" algn="l" rtl="0">
               <a:lnSpc>
                 <a:spcPct val="150000"/>
               </a:lnSpc>
@@ -7277,14 +7436,14 @@
               <a:buChar char="•"/>
             </a:pPr>
             <a:r>
-              <a:rPr lang="en-US" sz="2000">
+              <a:rPr lang="en-US" sz="2000" dirty="0">
                 <a:solidFill>
                   <a:srgbClr val="666666"/>
                 </a:solidFill>
               </a:rPr>
               <a:t>Note: Any changes to files in the drive link after the deadline will not be considered.</a:t>
             </a:r>
-            <a:endParaRPr sz="2000">
+            <a:endParaRPr sz="2000" dirty="0">
               <a:solidFill>
                 <a:srgbClr val="666666"/>
               </a:solidFill>
@@ -7301,11 +7460,11 @@
 </file>
 
 <file path=ppt/slides/slide2.xml><?xml version="1.0" encoding="utf-8"?>
-<p:sld xmlns:a="http://schemas.openxmlformats.org/drawingml/2006/main" xmlns:r="http://schemas.openxmlformats.org/officeDocument/2006/relationships" xmlns:mc="http://schemas.openxmlformats.org/markup-compatibility/2006" xmlns:mv="urn:schemas-microsoft-com:mac:vml" xmlns:p="http://schemas.openxmlformats.org/presentationml/2006/main" xmlns:c="http://schemas.openxmlformats.org/drawingml/2006/chart" xmlns:dgm="http://schemas.openxmlformats.org/drawingml/2006/diagram" xmlns:o="urn:schemas-microsoft-com:office:office" xmlns:v="urn:schemas-microsoft-com:vml" xmlns:pvml="urn:schemas-microsoft-com:office:powerpoint" xmlns:com="http://schemas.openxmlformats.org/drawingml/2006/compatibility" xmlns:p14="http://schemas.microsoft.com/office/powerpoint/2010/main" xmlns:p15="http://schemas.microsoft.com/office/powerpoint/2012/main" xmlns:ahyp="http://schemas.microsoft.com/office/drawing/2018/hyperlinkcolor">
+<p:sld xmlns:a="http://schemas.openxmlformats.org/drawingml/2006/main" xmlns:r="http://schemas.openxmlformats.org/officeDocument/2006/relationships" xmlns:p="http://schemas.openxmlformats.org/presentationml/2006/main">
   <p:cSld>
     <p:spTree>
       <p:nvGrpSpPr>
-        <p:cNvPr id="68" name="Shape 68"/>
+        <p:cNvPr id="1" name="Shape 68"/>
         <p:cNvGrpSpPr/>
         <p:nvPr/>
       </p:nvGrpSpPr>
@@ -7337,12 +7496,12 @@
           </a:ln>
         </p:spPr>
         <p:txBody>
-          <a:bodyPr anchorCtr="0" anchor="t" bIns="45700" lIns="91425" spcFirstLastPara="1" rIns="91425" wrap="square" tIns="45700">
+          <a:bodyPr spcFirstLastPara="1" wrap="square" lIns="91425" tIns="45700" rIns="91425" bIns="45700" anchor="t" anchorCtr="0">
             <a:spAutoFit/>
           </a:bodyPr>
           <a:lstStyle/>
           <a:p>
-            <a:pPr indent="0" lvl="0" marL="0" marR="0" rtl="0" algn="ctr">
+            <a:pPr marL="0" marR="0" lvl="0" indent="0" algn="ctr" rtl="0">
               <a:spcBef>
                 <a:spcPts val="0"/>
               </a:spcBef>
@@ -7352,28 +7511,12 @@
               <a:buNone/>
             </a:pPr>
             <a:r>
-              <a:rPr b="1" lang="en-US" sz="3600">
+              <a:rPr lang="en-US" sz="3600" b="1">
                 <a:solidFill>
                   <a:srgbClr val="262626"/>
                 </a:solidFill>
               </a:rPr>
-              <a:t>TEAM</a:t>
-            </a:r>
-            <a:r>
-              <a:rPr b="1" lang="en-US" sz="3600">
-                <a:solidFill>
-                  <a:srgbClr val="262626"/>
-                </a:solidFill>
-              </a:rPr>
-              <a:t> </a:t>
-            </a:r>
-            <a:r>
-              <a:rPr b="1" lang="en-US" sz="3600">
-                <a:solidFill>
-                  <a:srgbClr val="262626"/>
-                </a:solidFill>
-              </a:rPr>
-              <a:t>NAME</a:t>
+              <a:t>TEAM NAME</a:t>
             </a:r>
             <a:endParaRPr b="1">
               <a:solidFill>
@@ -7382,7 +7525,7 @@
             </a:endParaRPr>
           </a:p>
           <a:p>
-            <a:pPr indent="-342900" lvl="0" marL="457200" marR="0" rtl="0" algn="l">
+            <a:pPr marL="457200" marR="0" lvl="0" indent="-342900" algn="l" rtl="0">
               <a:lnSpc>
                 <a:spcPct val="150000"/>
               </a:lnSpc>
@@ -7399,9 +7542,6 @@
               <a:buFont typeface="MingLiU"/>
               <a:buNone/>
             </a:pPr>
-            <a:r>
-              <a:t/>
-            </a:r>
             <a:endParaRPr sz="1800">
               <a:solidFill>
                 <a:srgbClr val="262626"/>
@@ -7434,12 +7574,12 @@
           </a:ln>
         </p:spPr>
         <p:txBody>
-          <a:bodyPr anchorCtr="0" anchor="t" bIns="91425" lIns="91425" spcFirstLastPara="1" rIns="91425" wrap="square" tIns="91425">
+          <a:bodyPr spcFirstLastPara="1" wrap="square" lIns="91425" tIns="91425" rIns="91425" bIns="91425" anchor="t" anchorCtr="0">
             <a:spAutoFit/>
           </a:bodyPr>
           <a:lstStyle/>
           <a:p>
-            <a:pPr indent="0" lvl="0" marL="0" rtl="0" algn="l">
+            <a:pPr marL="0" lvl="0" indent="0" algn="l" rtl="0">
               <a:lnSpc>
                 <a:spcPct val="150000"/>
               </a:lnSpc>
@@ -7463,7 +7603,7 @@
             <a:endParaRPr sz="2000"/>
           </a:p>
           <a:p>
-            <a:pPr indent="0" lvl="0" marL="0" rtl="0" algn="l">
+            <a:pPr marL="0" lvl="0" indent="0" algn="l" rtl="0">
               <a:lnSpc>
                 <a:spcPct val="150000"/>
               </a:lnSpc>
@@ -7482,7 +7622,7 @@
             <a:endParaRPr sz="2000"/>
           </a:p>
           <a:p>
-            <a:pPr indent="0" lvl="0" marL="0" rtl="0" algn="l">
+            <a:pPr marL="0" lvl="0" indent="0" algn="l" rtl="0">
               <a:lnSpc>
                 <a:spcPct val="150000"/>
               </a:lnSpc>
@@ -7514,7 +7654,7 @@
         </p:nvGraphicFramePr>
         <p:xfrm>
           <a:off x="1579925" y="2220675"/>
-          <a:ext cx="3000000" cy="3000000"/>
+          <a:ext cx="9032150" cy="2055175"/>
         </p:xfrm>
         <a:graphic>
           <a:graphicData uri="http://schemas.openxmlformats.org/drawingml/2006/table">
@@ -7524,8 +7664,20 @@
                 <a:tableStyleId>{2D2156D5-150B-4DD7-9F52-ADEF57B13D9D}</a:tableStyleId>
               </a:tblPr>
               <a:tblGrid>
-                <a:gridCol w="4516075"/>
-                <a:gridCol w="4516075"/>
+                <a:gridCol w="4516075">
+                  <a:extLst>
+                    <a:ext uri="{9D8B030D-6E8A-4147-A177-3AD203B41FA5}">
+                      <a16:colId xmlns:a16="http://schemas.microsoft.com/office/drawing/2014/main" val="20000"/>
+                    </a:ext>
+                  </a:extLst>
+                </a:gridCol>
+                <a:gridCol w="4516075">
+                  <a:extLst>
+                    <a:ext uri="{9D8B030D-6E8A-4147-A177-3AD203B41FA5}">
+                      <a16:colId xmlns:a16="http://schemas.microsoft.com/office/drawing/2014/main" val="20001"/>
+                    </a:ext>
+                  </a:extLst>
+                </a:gridCol>
               </a:tblGrid>
               <a:tr h="529000">
                 <a:tc>
@@ -7533,7 +7685,7 @@
                     <a:bodyPr/>
                     <a:lstStyle/>
                     <a:p>
-                      <a:pPr indent="0" lvl="0" marL="0" rtl="0" algn="l">
+                      <a:pPr marL="0" lvl="0" indent="0" algn="l" rtl="0">
                         <a:spcBef>
                           <a:spcPts val="0"/>
                         </a:spcBef>
@@ -7557,14 +7709,14 @@
                       </a:endParaRPr>
                     </a:p>
                   </a:txBody>
-                  <a:tcPr marT="91425" marB="91425" marR="91425" marL="91425"/>
+                  <a:tcPr marL="91425" marR="91425" marT="91425" marB="91425"/>
                 </a:tc>
                 <a:tc>
                   <a:txBody>
                     <a:bodyPr/>
                     <a:lstStyle/>
                     <a:p>
-                      <a:pPr indent="0" lvl="0" marL="0" rtl="0" algn="l">
+                      <a:pPr marL="0" lvl="0" indent="0" algn="l" rtl="0">
                         <a:spcBef>
                           <a:spcPts val="0"/>
                         </a:spcBef>
@@ -7573,14 +7725,16 @@
                         </a:spcAft>
                         <a:buNone/>
                       </a:pPr>
-                      <a:r>
-                        <a:t/>
-                      </a:r>
                       <a:endParaRPr/>
                     </a:p>
                   </a:txBody>
-                  <a:tcPr marT="91425" marB="91425" marR="91425" marL="91425"/>
+                  <a:tcPr marL="91425" marR="91425" marT="91425" marB="91425"/>
                 </a:tc>
+                <a:extLst>
+                  <a:ext uri="{0D108BD9-81ED-4DB2-BD59-A6C34878D82A}">
+                    <a16:rowId xmlns:a16="http://schemas.microsoft.com/office/drawing/2014/main" val="10000"/>
+                  </a:ext>
+                </a:extLst>
               </a:tr>
               <a:tr h="508725">
                 <a:tc>
@@ -7588,7 +7742,7 @@
                     <a:bodyPr/>
                     <a:lstStyle/>
                     <a:p>
-                      <a:pPr indent="0" lvl="0" marL="0" rtl="0" algn="l">
+                      <a:pPr marL="0" lvl="0" indent="0" algn="l" rtl="0">
                         <a:spcBef>
                           <a:spcPts val="0"/>
                         </a:spcBef>
@@ -7612,14 +7766,14 @@
                       </a:endParaRPr>
                     </a:p>
                   </a:txBody>
-                  <a:tcPr marT="91425" marB="91425" marR="91425" marL="91425"/>
+                  <a:tcPr marL="91425" marR="91425" marT="91425" marB="91425"/>
                 </a:tc>
                 <a:tc>
                   <a:txBody>
                     <a:bodyPr/>
                     <a:lstStyle/>
                     <a:p>
-                      <a:pPr indent="0" lvl="0" marL="0" rtl="0" algn="l">
+                      <a:pPr marL="0" lvl="0" indent="0" algn="l" rtl="0">
                         <a:spcBef>
                           <a:spcPts val="0"/>
                         </a:spcBef>
@@ -7628,14 +7782,16 @@
                         </a:spcAft>
                         <a:buNone/>
                       </a:pPr>
-                      <a:r>
-                        <a:t/>
-                      </a:r>
                       <a:endParaRPr/>
                     </a:p>
                   </a:txBody>
-                  <a:tcPr marT="91425" marB="91425" marR="91425" marL="91425"/>
+                  <a:tcPr marL="91425" marR="91425" marT="91425" marB="91425"/>
                 </a:tc>
+                <a:extLst>
+                  <a:ext uri="{0D108BD9-81ED-4DB2-BD59-A6C34878D82A}">
+                    <a16:rowId xmlns:a16="http://schemas.microsoft.com/office/drawing/2014/main" val="10001"/>
+                  </a:ext>
+                </a:extLst>
               </a:tr>
               <a:tr h="508725">
                 <a:tc>
@@ -7643,7 +7799,7 @@
                     <a:bodyPr/>
                     <a:lstStyle/>
                     <a:p>
-                      <a:pPr indent="0" lvl="0" marL="0" rtl="0" algn="l">
+                      <a:pPr marL="0" lvl="0" indent="0" algn="l" rtl="0">
                         <a:spcBef>
                           <a:spcPts val="0"/>
                         </a:spcBef>
@@ -7672,14 +7828,14 @@
                       </a:endParaRPr>
                     </a:p>
                   </a:txBody>
-                  <a:tcPr marT="91425" marB="91425" marR="91425" marL="91425"/>
+                  <a:tcPr marL="91425" marR="91425" marT="91425" marB="91425"/>
                 </a:tc>
                 <a:tc>
                   <a:txBody>
                     <a:bodyPr/>
                     <a:lstStyle/>
                     <a:p>
-                      <a:pPr indent="0" lvl="0" marL="0" rtl="0" algn="l">
+                      <a:pPr marL="0" lvl="0" indent="0" algn="l" rtl="0">
                         <a:spcBef>
                           <a:spcPts val="0"/>
                         </a:spcBef>
@@ -7688,14 +7844,16 @@
                         </a:spcAft>
                         <a:buNone/>
                       </a:pPr>
-                      <a:r>
-                        <a:t/>
-                      </a:r>
                       <a:endParaRPr/>
                     </a:p>
                   </a:txBody>
-                  <a:tcPr marT="91425" marB="91425" marR="91425" marL="91425"/>
+                  <a:tcPr marL="91425" marR="91425" marT="91425" marB="91425"/>
                 </a:tc>
+                <a:extLst>
+                  <a:ext uri="{0D108BD9-81ED-4DB2-BD59-A6C34878D82A}">
+                    <a16:rowId xmlns:a16="http://schemas.microsoft.com/office/drawing/2014/main" val="10002"/>
+                  </a:ext>
+                </a:extLst>
               </a:tr>
               <a:tr h="508725">
                 <a:tc>
@@ -7703,7 +7861,7 @@
                     <a:bodyPr/>
                     <a:lstStyle/>
                     <a:p>
-                      <a:pPr indent="0" lvl="0" marL="0" rtl="0" algn="l">
+                      <a:pPr marL="0" lvl="0" indent="0" algn="l" rtl="0">
                         <a:spcBef>
                           <a:spcPts val="0"/>
                         </a:spcBef>
@@ -7732,14 +7890,14 @@
                       </a:endParaRPr>
                     </a:p>
                   </a:txBody>
-                  <a:tcPr marT="91425" marB="91425" marR="91425" marL="91425"/>
+                  <a:tcPr marL="91425" marR="91425" marT="91425" marB="91425"/>
                 </a:tc>
                 <a:tc>
                   <a:txBody>
                     <a:bodyPr/>
                     <a:lstStyle/>
                     <a:p>
-                      <a:pPr indent="0" lvl="0" marL="0" rtl="0" algn="l">
+                      <a:pPr marL="0" lvl="0" indent="0" algn="l" rtl="0">
                         <a:spcBef>
                           <a:spcPts val="0"/>
                         </a:spcBef>
@@ -7748,14 +7906,16 @@
                         </a:spcAft>
                         <a:buNone/>
                       </a:pPr>
-                      <a:r>
-                        <a:t/>
-                      </a:r>
                       <a:endParaRPr/>
                     </a:p>
                   </a:txBody>
-                  <a:tcPr marT="91425" marB="91425" marR="91425" marL="91425"/>
+                  <a:tcPr marL="91425" marR="91425" marT="91425" marB="91425"/>
                 </a:tc>
+                <a:extLst>
+                  <a:ext uri="{0D108BD9-81ED-4DB2-BD59-A6C34878D82A}">
+                    <a16:rowId xmlns:a16="http://schemas.microsoft.com/office/drawing/2014/main" val="10003"/>
+                  </a:ext>
+                </a:extLst>
               </a:tr>
             </a:tbl>
           </a:graphicData>
@@ -7770,11 +7930,11 @@
 </file>
 
 <file path=ppt/slides/slide3.xml><?xml version="1.0" encoding="utf-8"?>
-<p:sld xmlns:a="http://schemas.openxmlformats.org/drawingml/2006/main" xmlns:r="http://schemas.openxmlformats.org/officeDocument/2006/relationships" xmlns:mc="http://schemas.openxmlformats.org/markup-compatibility/2006" xmlns:mv="urn:schemas-microsoft-com:mac:vml" xmlns:p="http://schemas.openxmlformats.org/presentationml/2006/main" xmlns:c="http://schemas.openxmlformats.org/drawingml/2006/chart" xmlns:dgm="http://schemas.openxmlformats.org/drawingml/2006/diagram" xmlns:o="urn:schemas-microsoft-com:office:office" xmlns:v="urn:schemas-microsoft-com:vml" xmlns:pvml="urn:schemas-microsoft-com:office:powerpoint" xmlns:com="http://schemas.openxmlformats.org/drawingml/2006/compatibility" xmlns:p14="http://schemas.microsoft.com/office/powerpoint/2010/main" xmlns:p15="http://schemas.microsoft.com/office/powerpoint/2012/main" xmlns:ahyp="http://schemas.microsoft.com/office/drawing/2018/hyperlinkcolor">
+<p:sld xmlns:a="http://schemas.openxmlformats.org/drawingml/2006/main" xmlns:r="http://schemas.openxmlformats.org/officeDocument/2006/relationships" xmlns:p="http://schemas.openxmlformats.org/presentationml/2006/main">
   <p:cSld>
     <p:spTree>
       <p:nvGrpSpPr>
-        <p:cNvPr id="75" name="Shape 75"/>
+        <p:cNvPr id="1" name="Shape 75"/>
         <p:cNvGrpSpPr/>
         <p:nvPr/>
       </p:nvGrpSpPr>
@@ -7789,9 +7949,11 @@
       <p:sp>
         <p:nvSpPr>
           <p:cNvPr id="76" name="Google Shape;76;p15"/>
-          <p:cNvSpPr txBox="1"/>
+          <p:cNvSpPr txBox="1">
+            <a:spLocks noGrp="1"/>
+          </p:cNvSpPr>
           <p:nvPr>
-            <p:ph idx="4294967295" type="title"/>
+            <p:ph type="title" idx="4294967295"/>
           </p:nvPr>
         </p:nvSpPr>
         <p:spPr>
@@ -7808,12 +7970,12 @@
           </a:ln>
         </p:spPr>
         <p:txBody>
-          <a:bodyPr anchorCtr="0" anchor="ctr" bIns="45700" lIns="91425" spcFirstLastPara="1" rIns="91425" wrap="square" tIns="45700">
+          <a:bodyPr spcFirstLastPara="1" wrap="square" lIns="91425" tIns="45700" rIns="91425" bIns="45700" anchor="ctr" anchorCtr="0">
             <a:noAutofit/>
           </a:bodyPr>
           <a:lstStyle/>
           <a:p>
-            <a:pPr indent="0" lvl="0" marL="0" rtl="0" algn="l">
+            <a:pPr marL="0" lvl="0" indent="0" algn="l" rtl="0">
               <a:lnSpc>
                 <a:spcPct val="90000"/>
               </a:lnSpc>
@@ -7870,12 +8032,12 @@
           </a:ln>
         </p:spPr>
         <p:txBody>
-          <a:bodyPr anchorCtr="0" anchor="t" bIns="45700" lIns="91425" spcFirstLastPara="1" rIns="91425" wrap="square" tIns="45700">
+          <a:bodyPr spcFirstLastPara="1" wrap="square" lIns="91425" tIns="45700" rIns="91425" bIns="45700" anchor="t" anchorCtr="0">
             <a:spAutoFit/>
           </a:bodyPr>
           <a:lstStyle/>
           <a:p>
-            <a:pPr indent="0" lvl="0" marL="0" marR="0" rtl="0" algn="l">
+            <a:pPr marL="0" marR="0" lvl="0" indent="0" algn="l" rtl="0">
               <a:spcBef>
                 <a:spcPts val="0"/>
               </a:spcBef>
@@ -7917,11 +8079,11 @@
 </file>
 
 <file path=ppt/slides/slide4.xml><?xml version="1.0" encoding="utf-8"?>
-<p:sld xmlns:a="http://schemas.openxmlformats.org/drawingml/2006/main" xmlns:r="http://schemas.openxmlformats.org/officeDocument/2006/relationships" xmlns:mc="http://schemas.openxmlformats.org/markup-compatibility/2006" xmlns:mv="urn:schemas-microsoft-com:mac:vml" xmlns:p="http://schemas.openxmlformats.org/presentationml/2006/main" xmlns:c="http://schemas.openxmlformats.org/drawingml/2006/chart" xmlns:dgm="http://schemas.openxmlformats.org/drawingml/2006/diagram" xmlns:o="urn:schemas-microsoft-com:office:office" xmlns:v="urn:schemas-microsoft-com:vml" xmlns:pvml="urn:schemas-microsoft-com:office:powerpoint" xmlns:com="http://schemas.openxmlformats.org/drawingml/2006/compatibility" xmlns:p14="http://schemas.microsoft.com/office/powerpoint/2010/main" xmlns:p15="http://schemas.microsoft.com/office/powerpoint/2012/main" xmlns:ahyp="http://schemas.microsoft.com/office/drawing/2018/hyperlinkcolor">
+<p:sld xmlns:a="http://schemas.openxmlformats.org/drawingml/2006/main" xmlns:r="http://schemas.openxmlformats.org/officeDocument/2006/relationships" xmlns:p="http://schemas.openxmlformats.org/presentationml/2006/main">
   <p:cSld>
     <p:spTree>
       <p:nvGrpSpPr>
-        <p:cNvPr id="81" name="Shape 81"/>
+        <p:cNvPr id="1" name="Shape 81"/>
         <p:cNvGrpSpPr/>
         <p:nvPr/>
       </p:nvGrpSpPr>
@@ -7936,9 +8098,11 @@
       <p:sp>
         <p:nvSpPr>
           <p:cNvPr id="82" name="Google Shape;82;p16"/>
-          <p:cNvSpPr txBox="1"/>
+          <p:cNvSpPr txBox="1">
+            <a:spLocks noGrp="1"/>
+          </p:cNvSpPr>
           <p:nvPr>
-            <p:ph idx="4294967295" type="body"/>
+            <p:ph type="body" idx="4294967295"/>
           </p:nvPr>
         </p:nvSpPr>
         <p:spPr>
@@ -7955,12 +8119,12 @@
           </a:ln>
         </p:spPr>
         <p:txBody>
-          <a:bodyPr anchorCtr="0" anchor="t" bIns="45700" lIns="91425" spcFirstLastPara="1" rIns="91425" wrap="square" tIns="45700">
+          <a:bodyPr spcFirstLastPara="1" wrap="square" lIns="91425" tIns="45700" rIns="91425" bIns="45700" anchor="t" anchorCtr="0">
             <a:noAutofit/>
           </a:bodyPr>
           <a:lstStyle/>
           <a:p>
-            <a:pPr indent="0" lvl="0" marL="0" rtl="0" algn="l">
+            <a:pPr marL="0" lvl="0" indent="0" algn="l" rtl="0">
               <a:lnSpc>
                 <a:spcPct val="100000"/>
               </a:lnSpc>
@@ -7992,9 +8156,11 @@
       <p:sp>
         <p:nvSpPr>
           <p:cNvPr id="83" name="Google Shape;83;p16"/>
-          <p:cNvSpPr txBox="1"/>
+          <p:cNvSpPr txBox="1">
+            <a:spLocks noGrp="1"/>
+          </p:cNvSpPr>
           <p:nvPr>
-            <p:ph idx="4294967295" type="title"/>
+            <p:ph type="title" idx="4294967295"/>
           </p:nvPr>
         </p:nvSpPr>
         <p:spPr>
@@ -8011,12 +8177,12 @@
           </a:ln>
         </p:spPr>
         <p:txBody>
-          <a:bodyPr anchorCtr="0" anchor="ctr" bIns="45700" lIns="91425" spcFirstLastPara="1" rIns="91425" wrap="square" tIns="45700">
+          <a:bodyPr spcFirstLastPara="1" wrap="square" lIns="91425" tIns="45700" rIns="91425" bIns="45700" anchor="ctr" anchorCtr="0">
             <a:noAutofit/>
           </a:bodyPr>
           <a:lstStyle/>
           <a:p>
-            <a:pPr indent="0" lvl="0" marL="0" rtl="0" algn="l">
+            <a:pPr marL="0" lvl="0" indent="0" algn="l" rtl="0">
               <a:lnSpc>
                 <a:spcPct val="90000"/>
               </a:lnSpc>
@@ -8066,11 +8232,11 @@
 </file>
 
 <file path=ppt/slides/slide5.xml><?xml version="1.0" encoding="utf-8"?>
-<p:sld xmlns:a="http://schemas.openxmlformats.org/drawingml/2006/main" xmlns:r="http://schemas.openxmlformats.org/officeDocument/2006/relationships" xmlns:mc="http://schemas.openxmlformats.org/markup-compatibility/2006" xmlns:mv="urn:schemas-microsoft-com:mac:vml" xmlns:p="http://schemas.openxmlformats.org/presentationml/2006/main" xmlns:c="http://schemas.openxmlformats.org/drawingml/2006/chart" xmlns:dgm="http://schemas.openxmlformats.org/drawingml/2006/diagram" xmlns:o="urn:schemas-microsoft-com:office:office" xmlns:v="urn:schemas-microsoft-com:vml" xmlns:pvml="urn:schemas-microsoft-com:office:powerpoint" xmlns:com="http://schemas.openxmlformats.org/drawingml/2006/compatibility" xmlns:p14="http://schemas.microsoft.com/office/powerpoint/2010/main" xmlns:p15="http://schemas.microsoft.com/office/powerpoint/2012/main" xmlns:ahyp="http://schemas.microsoft.com/office/drawing/2018/hyperlinkcolor">
+<p:sld xmlns:a="http://schemas.openxmlformats.org/drawingml/2006/main" xmlns:r="http://schemas.openxmlformats.org/officeDocument/2006/relationships" xmlns:p="http://schemas.openxmlformats.org/presentationml/2006/main">
   <p:cSld>
     <p:spTree>
       <p:nvGrpSpPr>
-        <p:cNvPr id="87" name="Shape 87"/>
+        <p:cNvPr id="1" name="Shape 87"/>
         <p:cNvGrpSpPr/>
         <p:nvPr/>
       </p:nvGrpSpPr>
@@ -8085,9 +8251,11 @@
       <p:sp>
         <p:nvSpPr>
           <p:cNvPr id="88" name="Google Shape;88;p17"/>
-          <p:cNvSpPr txBox="1"/>
+          <p:cNvSpPr txBox="1">
+            <a:spLocks noGrp="1"/>
+          </p:cNvSpPr>
           <p:nvPr>
-            <p:ph idx="4294967295" type="body"/>
+            <p:ph type="body" idx="4294967295"/>
           </p:nvPr>
         </p:nvSpPr>
         <p:spPr>
@@ -8104,12 +8272,12 @@
           </a:ln>
         </p:spPr>
         <p:txBody>
-          <a:bodyPr anchorCtr="0" anchor="t" bIns="45700" lIns="91425" spcFirstLastPara="1" rIns="91425" wrap="square" tIns="45700">
+          <a:bodyPr spcFirstLastPara="1" wrap="square" lIns="91425" tIns="45700" rIns="91425" bIns="45700" anchor="t" anchorCtr="0">
             <a:normAutofit/>
           </a:bodyPr>
           <a:lstStyle/>
           <a:p>
-            <a:pPr indent="-228600" lvl="0" marL="228600" rtl="0" algn="l">
+            <a:pPr marL="228600" lvl="0" indent="-228600" algn="l" rtl="0">
               <a:lnSpc>
                 <a:spcPct val="150000"/>
               </a:lnSpc>
@@ -8144,7 +8312,7 @@
             </a:endParaRPr>
           </a:p>
           <a:p>
-            <a:pPr indent="-228600" lvl="0" marL="228600" rtl="0" algn="l">
+            <a:pPr marL="228600" lvl="0" indent="-228600" algn="l" rtl="0">
               <a:lnSpc>
                 <a:spcPct val="150000"/>
               </a:lnSpc>
@@ -8175,7 +8343,7 @@
             </a:endParaRPr>
           </a:p>
           <a:p>
-            <a:pPr indent="-228600" lvl="0" marL="228600" rtl="0" algn="l">
+            <a:pPr marL="228600" lvl="0" indent="-228600" algn="l" rtl="0">
               <a:lnSpc>
                 <a:spcPct val="150000"/>
               </a:lnSpc>
@@ -8210,7 +8378,7 @@
             </a:endParaRPr>
           </a:p>
           <a:p>
-            <a:pPr indent="-228600" lvl="0" marL="228600" rtl="0" algn="l">
+            <a:pPr marL="228600" lvl="0" indent="-228600" algn="l" rtl="0">
               <a:lnSpc>
                 <a:spcPct val="100000"/>
               </a:lnSpc>
@@ -8245,9 +8413,11 @@
       <p:sp>
         <p:nvSpPr>
           <p:cNvPr id="89" name="Google Shape;89;p17"/>
-          <p:cNvSpPr txBox="1"/>
+          <p:cNvSpPr txBox="1">
+            <a:spLocks noGrp="1"/>
+          </p:cNvSpPr>
           <p:nvPr>
-            <p:ph idx="4294967295" type="title"/>
+            <p:ph type="title" idx="4294967295"/>
           </p:nvPr>
         </p:nvSpPr>
         <p:spPr>
@@ -8264,12 +8434,12 @@
           </a:ln>
         </p:spPr>
         <p:txBody>
-          <a:bodyPr anchorCtr="0" anchor="ctr" bIns="45700" lIns="91425" spcFirstLastPara="1" rIns="91425" wrap="square" tIns="45700">
+          <a:bodyPr spcFirstLastPara="1" wrap="square" lIns="91425" tIns="45700" rIns="91425" bIns="45700" anchor="ctr" anchorCtr="0">
             <a:noAutofit/>
           </a:bodyPr>
           <a:lstStyle/>
           <a:p>
-            <a:pPr indent="0" lvl="0" marL="0" rtl="0" algn="l">
+            <a:pPr marL="0" lvl="0" indent="0" algn="l" rtl="0">
               <a:lnSpc>
                 <a:spcPct val="90000"/>
               </a:lnSpc>
@@ -8315,11 +8485,11 @@
 </file>
 
 <file path=ppt/slides/slide6.xml><?xml version="1.0" encoding="utf-8"?>
-<p:sld xmlns:a="http://schemas.openxmlformats.org/drawingml/2006/main" xmlns:r="http://schemas.openxmlformats.org/officeDocument/2006/relationships" xmlns:mc="http://schemas.openxmlformats.org/markup-compatibility/2006" xmlns:mv="urn:schemas-microsoft-com:mac:vml" xmlns:p="http://schemas.openxmlformats.org/presentationml/2006/main" xmlns:c="http://schemas.openxmlformats.org/drawingml/2006/chart" xmlns:dgm="http://schemas.openxmlformats.org/drawingml/2006/diagram" xmlns:o="urn:schemas-microsoft-com:office:office" xmlns:v="urn:schemas-microsoft-com:vml" xmlns:pvml="urn:schemas-microsoft-com:office:powerpoint" xmlns:com="http://schemas.openxmlformats.org/drawingml/2006/compatibility" xmlns:p14="http://schemas.microsoft.com/office/powerpoint/2010/main" xmlns:p15="http://schemas.microsoft.com/office/powerpoint/2012/main" xmlns:ahyp="http://schemas.microsoft.com/office/drawing/2018/hyperlinkcolor">
+<p:sld xmlns:a="http://schemas.openxmlformats.org/drawingml/2006/main" xmlns:r="http://schemas.openxmlformats.org/officeDocument/2006/relationships" xmlns:p="http://schemas.openxmlformats.org/presentationml/2006/main">
   <p:cSld>
     <p:spTree>
       <p:nvGrpSpPr>
-        <p:cNvPr id="93" name="Shape 93"/>
+        <p:cNvPr id="1" name="Shape 93"/>
         <p:cNvGrpSpPr/>
         <p:nvPr/>
       </p:nvGrpSpPr>
@@ -8334,9 +8504,11 @@
       <p:sp>
         <p:nvSpPr>
           <p:cNvPr id="94" name="Google Shape;94;p18"/>
-          <p:cNvSpPr txBox="1"/>
+          <p:cNvSpPr txBox="1">
+            <a:spLocks noGrp="1"/>
+          </p:cNvSpPr>
           <p:nvPr>
-            <p:ph idx="4294967295" type="body"/>
+            <p:ph type="body" idx="4294967295"/>
           </p:nvPr>
         </p:nvSpPr>
         <p:spPr>
@@ -8353,12 +8525,12 @@
           </a:ln>
         </p:spPr>
         <p:txBody>
-          <a:bodyPr anchorCtr="0" anchor="t" bIns="45700" lIns="91425" spcFirstLastPara="1" rIns="91425" wrap="square" tIns="45700">
+          <a:bodyPr spcFirstLastPara="1" wrap="square" lIns="91425" tIns="45700" rIns="91425" bIns="45700" anchor="t" anchorCtr="0">
             <a:normAutofit/>
           </a:bodyPr>
           <a:lstStyle/>
           <a:p>
-            <a:pPr indent="-228600" lvl="0" marL="228600" rtl="0" algn="l">
+            <a:pPr marL="228600" lvl="0" indent="-228600" algn="l" rtl="0">
               <a:lnSpc>
                 <a:spcPct val="100000"/>
               </a:lnSpc>
@@ -8393,7 +8565,7 @@
             </a:endParaRPr>
           </a:p>
           <a:p>
-            <a:pPr indent="-228600" lvl="0" marL="228600" rtl="0" algn="l">
+            <a:pPr marL="228600" lvl="0" indent="-228600" algn="l" rtl="0">
               <a:lnSpc>
                 <a:spcPct val="100000"/>
               </a:lnSpc>
@@ -8428,7 +8600,7 @@
             </a:endParaRPr>
           </a:p>
           <a:p>
-            <a:pPr indent="-228600" lvl="0" marL="228600" rtl="0" algn="l">
+            <a:pPr marL="228600" lvl="0" indent="-228600" algn="l" rtl="0">
               <a:lnSpc>
                 <a:spcPct val="100000"/>
               </a:lnSpc>
@@ -8463,9 +8635,11 @@
       <p:sp>
         <p:nvSpPr>
           <p:cNvPr id="95" name="Google Shape;95;p18"/>
-          <p:cNvSpPr txBox="1"/>
+          <p:cNvSpPr txBox="1">
+            <a:spLocks noGrp="1"/>
+          </p:cNvSpPr>
           <p:nvPr>
-            <p:ph idx="4294967295" type="title"/>
+            <p:ph type="title" idx="4294967295"/>
           </p:nvPr>
         </p:nvSpPr>
         <p:spPr>
@@ -8482,12 +8656,12 @@
           </a:ln>
         </p:spPr>
         <p:txBody>
-          <a:bodyPr anchorCtr="0" anchor="ctr" bIns="45700" lIns="91425" spcFirstLastPara="1" rIns="91425" wrap="square" tIns="45700">
+          <a:bodyPr spcFirstLastPara="1" wrap="square" lIns="91425" tIns="45700" rIns="91425" bIns="45700" anchor="ctr" anchorCtr="0">
             <a:noAutofit/>
           </a:bodyPr>
           <a:lstStyle/>
           <a:p>
-            <a:pPr indent="0" lvl="0" marL="0" rtl="0" algn="l">
+            <a:pPr marL="0" lvl="0" indent="0" algn="l" rtl="0">
               <a:lnSpc>
                 <a:spcPct val="90000"/>
               </a:lnSpc>
@@ -8530,7 +8704,7 @@
       </p:sp>
       <p:pic>
         <p:nvPicPr>
-          <p:cNvPr descr="A black background with x marks&#10;&#10;AI-generated content may be incorrect." id="96" name="Google Shape;96;p18"/>
+          <p:cNvPr id="96" name="Google Shape;96;p18" descr="A black background with x marks&#10;&#10;AI-generated content may be incorrect."/>
           <p:cNvPicPr preferRelativeResize="0"/>
           <p:nvPr/>
         </p:nvPicPr>
@@ -8538,7 +8712,7 @@
           <a:blip r:embed="rId3">
             <a:alphaModFix/>
           </a:blip>
-          <a:srcRect b="0" l="0" r="0" t="0"/>
+          <a:srcRect/>
           <a:stretch/>
         </p:blipFill>
         <p:spPr>
@@ -8552,14 +8726,14 @@
           <a:solidFill>
             <a:srgbClr val="ECECEC"/>
           </a:solidFill>
-          <a:ln cap="sq" cmpd="sng" w="88900">
+          <a:ln w="88900" cap="sq" cmpd="sng">
             <a:solidFill>
               <a:srgbClr val="666666"/>
             </a:solidFill>
             <a:prstDash val="solid"/>
             <a:miter lim="800000"/>
-            <a:headEnd len="sm" w="sm" type="none"/>
-            <a:tailEnd len="sm" w="sm" type="none"/>
+            <a:headEnd type="none" w="sm" len="sm"/>
+            <a:tailEnd type="none" w="sm" len="sm"/>
           </a:ln>
         </p:spPr>
       </p:pic>
@@ -8572,11 +8746,11 @@
 </file>
 
 <file path=ppt/slides/slide7.xml><?xml version="1.0" encoding="utf-8"?>
-<p:sld xmlns:a="http://schemas.openxmlformats.org/drawingml/2006/main" xmlns:r="http://schemas.openxmlformats.org/officeDocument/2006/relationships" xmlns:mc="http://schemas.openxmlformats.org/markup-compatibility/2006" xmlns:mv="urn:schemas-microsoft-com:mac:vml" xmlns:p="http://schemas.openxmlformats.org/presentationml/2006/main" xmlns:c="http://schemas.openxmlformats.org/drawingml/2006/chart" xmlns:dgm="http://schemas.openxmlformats.org/drawingml/2006/diagram" xmlns:o="urn:schemas-microsoft-com:office:office" xmlns:v="urn:schemas-microsoft-com:vml" xmlns:pvml="urn:schemas-microsoft-com:office:powerpoint" xmlns:com="http://schemas.openxmlformats.org/drawingml/2006/compatibility" xmlns:p14="http://schemas.microsoft.com/office/powerpoint/2010/main" xmlns:p15="http://schemas.microsoft.com/office/powerpoint/2012/main" xmlns:ahyp="http://schemas.microsoft.com/office/drawing/2018/hyperlinkcolor">
+<p:sld xmlns:a="http://schemas.openxmlformats.org/drawingml/2006/main" xmlns:r="http://schemas.openxmlformats.org/officeDocument/2006/relationships" xmlns:p="http://schemas.openxmlformats.org/presentationml/2006/main">
   <p:cSld>
     <p:spTree>
       <p:nvGrpSpPr>
-        <p:cNvPr id="100" name="Shape 100"/>
+        <p:cNvPr id="1" name="Shape 100"/>
         <p:cNvGrpSpPr/>
         <p:nvPr/>
       </p:nvGrpSpPr>
@@ -8608,12 +8782,12 @@
           </a:ln>
         </p:spPr>
         <p:txBody>
-          <a:bodyPr anchorCtr="0" anchor="t" bIns="45700" lIns="91425" spcFirstLastPara="1" rIns="91425" wrap="square" tIns="45700">
+          <a:bodyPr spcFirstLastPara="1" wrap="square" lIns="91425" tIns="45700" rIns="91425" bIns="45700" anchor="t" anchorCtr="0">
             <a:spAutoFit/>
           </a:bodyPr>
           <a:lstStyle/>
           <a:p>
-            <a:pPr indent="0" lvl="0" marL="0" marR="0" rtl="0" algn="l">
+            <a:pPr marL="0" marR="0" lvl="0" indent="0" algn="l" rtl="0">
               <a:spcBef>
                 <a:spcPts val="0"/>
               </a:spcBef>
@@ -8666,12 +8840,12 @@
           </a:ln>
         </p:spPr>
         <p:txBody>
-          <a:bodyPr anchorCtr="0" anchor="t" bIns="45700" lIns="91425" spcFirstLastPara="1" rIns="91425" wrap="square" tIns="45700">
+          <a:bodyPr spcFirstLastPara="1" wrap="square" lIns="91425" tIns="45700" rIns="91425" bIns="45700" anchor="t" anchorCtr="0">
             <a:spAutoFit/>
           </a:bodyPr>
           <a:lstStyle/>
           <a:p>
-            <a:pPr indent="0" lvl="0" marL="0" marR="0" rtl="0" algn="l">
+            <a:pPr marL="0" marR="0" lvl="0" indent="0" algn="l" rtl="0">
               <a:spcBef>
                 <a:spcPts val="0"/>
               </a:spcBef>
@@ -8707,7 +8881,7 @@
 </file>
 
 <file path=ppt/theme/theme1.xml><?xml version="1.0" encoding="utf-8"?>
-<a:theme xmlns:a="http://schemas.openxmlformats.org/drawingml/2006/main" xmlns:r="http://schemas.openxmlformats.org/officeDocument/2006/relationships" name="Simple Light">
+<a:theme xmlns:a="http://schemas.openxmlformats.org/drawingml/2006/main" name="Simple Light">
   <a:themeElements>
     <a:clrScheme name="Simple Light">
       <a:dk1>
@@ -8982,11 +9156,13 @@
       </a:bgFillStyleLst>
     </a:fmtScheme>
   </a:themeElements>
+  <a:objectDefaults/>
+  <a:extraClrSchemeLst/>
 </a:theme>
 </file>
 
 <file path=ppt/theme/theme2.xml><?xml version="1.0" encoding="utf-8"?>
-<a:theme xmlns:a="http://schemas.openxmlformats.org/drawingml/2006/main" xmlns:r="http://schemas.openxmlformats.org/officeDocument/2006/relationships" name="Office Theme">
+<a:theme xmlns:a="http://schemas.openxmlformats.org/drawingml/2006/main" name="Office Theme">
   <a:themeElements>
     <a:clrScheme name="Office">
       <a:dk1>
@@ -9261,5 +9437,7 @@
       </a:bgFillStyleLst>
     </a:fmtScheme>
   </a:themeElements>
+  <a:objectDefaults/>
+  <a:extraClrSchemeLst/>
 </a:theme>
 </file>